--- a/Databases/0. Databases - Course Intro/Databases-Course-Introduction.pptx
+++ b/Databases/0. Databases - Course Intro/Databases-Course-Introduction.pptx
@@ -5,45 +5,43 @@
     <p:sldMasterId id="2147483672" r:id="rId1"/>
   </p:sldMasterIdLst>
   <p:notesMasterIdLst>
-    <p:notesMasterId r:id="rId30"/>
+    <p:notesMasterId r:id="rId28"/>
   </p:notesMasterIdLst>
   <p:handoutMasterIdLst>
-    <p:handoutMasterId r:id="rId31"/>
+    <p:handoutMasterId r:id="rId29"/>
   </p:handoutMasterIdLst>
   <p:sldIdLst>
     <p:sldId id="320" r:id="rId2"/>
     <p:sldId id="375" r:id="rId3"/>
     <p:sldId id="336" r:id="rId4"/>
     <p:sldId id="362" r:id="rId5"/>
-    <p:sldId id="358" r:id="rId6"/>
+    <p:sldId id="387" r:id="rId6"/>
     <p:sldId id="338" r:id="rId7"/>
     <p:sldId id="339" r:id="rId8"/>
     <p:sldId id="378" r:id="rId9"/>
     <p:sldId id="363" r:id="rId10"/>
-    <p:sldId id="364" r:id="rId11"/>
-    <p:sldId id="366" r:id="rId12"/>
-    <p:sldId id="345" r:id="rId13"/>
-    <p:sldId id="376" r:id="rId14"/>
-    <p:sldId id="381" r:id="rId15"/>
-    <p:sldId id="377" r:id="rId16"/>
-    <p:sldId id="380" r:id="rId17"/>
-    <p:sldId id="370" r:id="rId18"/>
-    <p:sldId id="372" r:id="rId19"/>
-    <p:sldId id="373" r:id="rId20"/>
-    <p:sldId id="374" r:id="rId21"/>
-    <p:sldId id="347" r:id="rId22"/>
-    <p:sldId id="348" r:id="rId23"/>
-    <p:sldId id="356" r:id="rId24"/>
-    <p:sldId id="382" r:id="rId25"/>
-    <p:sldId id="359" r:id="rId26"/>
-    <p:sldId id="379" r:id="rId27"/>
-    <p:sldId id="354" r:id="rId28"/>
-    <p:sldId id="333" r:id="rId29"/>
+    <p:sldId id="383" r:id="rId11"/>
+    <p:sldId id="384" r:id="rId12"/>
+    <p:sldId id="385" r:id="rId13"/>
+    <p:sldId id="386" r:id="rId14"/>
+    <p:sldId id="345" r:id="rId15"/>
+    <p:sldId id="376" r:id="rId16"/>
+    <p:sldId id="381" r:id="rId17"/>
+    <p:sldId id="377" r:id="rId18"/>
+    <p:sldId id="380" r:id="rId19"/>
+    <p:sldId id="370" r:id="rId20"/>
+    <p:sldId id="372" r:id="rId21"/>
+    <p:sldId id="373" r:id="rId22"/>
+    <p:sldId id="374" r:id="rId23"/>
+    <p:sldId id="347" r:id="rId24"/>
+    <p:sldId id="348" r:id="rId25"/>
+    <p:sldId id="354" r:id="rId26"/>
+    <p:sldId id="333" r:id="rId27"/>
   </p:sldIdLst>
   <p:sldSz cx="9144000" cy="6858000" type="screen4x3"/>
   <p:notesSz cx="6881813" cy="9296400"/>
   <p:custDataLst>
-    <p:tags r:id="rId32"/>
+    <p:tags r:id="rId30"/>
   </p:custDataLst>
   <p:defaultTextStyle>
     <a:defPPr>
@@ -318,7 +316,7 @@
             <a:fld id="{3BF7C7B5-275F-4D1F-9AB4-9255447DBC73}" type="datetimeFigureOut">
               <a:rPr lang="en-US"/>
               <a:pPr/>
-              <a:t>7/6/2013</a:t>
+              <a:t>8/18/2014</a:t>
             </a:fld>
             <a:endParaRPr lang="en-US" dirty="0"/>
           </a:p>
@@ -549,7 +547,7 @@
             <a:fld id="{9B46F231-FB2B-4655-A644-E2477325E686}" type="datetimeFigureOut">
               <a:rPr lang="en-US"/>
               <a:pPr/>
-              <a:t>7/6/2013</a:t>
+              <a:t>8/18/2014</a:t>
             </a:fld>
             <a:endParaRPr lang="en-US" dirty="0"/>
           </a:p>
@@ -1128,7 +1126,7 @@
             <a:fld id="{6FB4F6EA-423E-42DF-9292-215E7D886C4E}" type="slidenum">
               <a:rPr lang="en-US" smtClean="0"/>
               <a:pPr/>
-              <a:t>18</a:t>
+              <a:t>20</a:t>
             </a:fld>
             <a:endParaRPr lang="en-US" dirty="0"/>
           </a:p>
@@ -1215,7 +1213,7 @@
             <a:fld id="{6FB4F6EA-423E-42DF-9292-215E7D886C4E}" type="slidenum">
               <a:rPr lang="en-US" smtClean="0"/>
               <a:pPr/>
-              <a:t>20</a:t>
+              <a:t>22</a:t>
             </a:fld>
             <a:endParaRPr lang="en-US" dirty="0"/>
           </a:p>
@@ -6374,154 +6372,6 @@
           </a:p>
         </p:txBody>
       </p:sp>
-      <p:sp>
-        <p:nvSpPr>
-          <p:cNvPr id="14" name="Text Placeholder 4"/>
-          <p:cNvSpPr>
-            <a:spLocks noGrp="1"/>
-          </p:cNvSpPr>
-          <p:nvPr>
-            <p:ph type="body" sz="quarter" idx="10"/>
-          </p:nvPr>
-        </p:nvSpPr>
-        <p:spPr>
-          <a:xfrm>
-            <a:off x="419099" y="4572000"/>
-            <a:ext cx="3853295" cy="533400"/>
-          </a:xfrm>
-        </p:spPr>
-        <p:txBody>
-          <a:bodyPr/>
-          <a:lstStyle/>
-          <a:p>
-            <a:r>
-              <a:rPr lang="en-US" dirty="0" smtClean="0"/>
-              <a:t>Svetlin Nakov</a:t>
-            </a:r>
-            <a:endParaRPr lang="en-US" dirty="0"/>
-          </a:p>
-        </p:txBody>
-      </p:sp>
-      <p:sp>
-        <p:nvSpPr>
-          <p:cNvPr id="15" name="Text Placeholder 5"/>
-          <p:cNvSpPr>
-            <a:spLocks noGrp="1"/>
-          </p:cNvSpPr>
-          <p:nvPr>
-            <p:ph type="body" sz="quarter" idx="11"/>
-          </p:nvPr>
-        </p:nvSpPr>
-        <p:spPr>
-          <a:xfrm>
-            <a:off x="457200" y="5833646"/>
-            <a:ext cx="3810000" cy="369332"/>
-          </a:xfrm>
-        </p:spPr>
-        <p:txBody>
-          <a:bodyPr/>
-          <a:lstStyle/>
-          <a:p>
-            <a:r>
-              <a:rPr lang="en-US" dirty="0" smtClean="0"/>
-              <a:t>Telerik Software Academy</a:t>
-            </a:r>
-            <a:endParaRPr lang="en-US" dirty="0"/>
-          </a:p>
-        </p:txBody>
-      </p:sp>
-      <p:sp>
-        <p:nvSpPr>
-          <p:cNvPr id="16" name="Text Placeholder 6"/>
-          <p:cNvSpPr>
-            <a:spLocks noGrp="1"/>
-          </p:cNvSpPr>
-          <p:nvPr>
-            <p:ph type="body" sz="quarter" idx="12"/>
-          </p:nvPr>
-        </p:nvSpPr>
-        <p:spPr>
-          <a:xfrm>
-            <a:off x="457200" y="6138446"/>
-            <a:ext cx="3810000" cy="338554"/>
-          </a:xfrm>
-        </p:spPr>
-        <p:txBody>
-          <a:bodyPr/>
-          <a:lstStyle/>
-          <a:p>
-            <a:r>
-              <a:rPr lang="en-US" dirty="0" smtClean="0">
-                <a:hlinkClick r:id="rId3"/>
-              </a:rPr>
-              <a:t>academy.telerik.com</a:t>
-            </a:r>
-            <a:r>
-              <a:rPr lang="en-US" dirty="0" smtClean="0"/>
-              <a:t>   </a:t>
-            </a:r>
-            <a:endParaRPr lang="en-US" dirty="0"/>
-          </a:p>
-        </p:txBody>
-      </p:sp>
-      <p:sp>
-        <p:nvSpPr>
-          <p:cNvPr id="4" name="Text Placeholder 3"/>
-          <p:cNvSpPr>
-            <a:spLocks noGrp="1"/>
-          </p:cNvSpPr>
-          <p:nvPr>
-            <p:ph type="body" sz="quarter" idx="13"/>
-          </p:nvPr>
-        </p:nvSpPr>
-        <p:spPr>
-          <a:xfrm>
-            <a:off x="431800" y="5029200"/>
-            <a:ext cx="3838864" cy="461665"/>
-          </a:xfrm>
-        </p:spPr>
-        <p:txBody>
-          <a:bodyPr/>
-          <a:lstStyle/>
-          <a:p>
-            <a:r>
-              <a:rPr lang="en-US" dirty="0" smtClean="0"/>
-              <a:t>Technical Trainer</a:t>
-            </a:r>
-            <a:endParaRPr lang="en-US" dirty="0"/>
-          </a:p>
-        </p:txBody>
-      </p:sp>
-      <p:sp>
-        <p:nvSpPr>
-          <p:cNvPr id="6" name="Text Placeholder 5"/>
-          <p:cNvSpPr>
-            <a:spLocks noGrp="1"/>
-          </p:cNvSpPr>
-          <p:nvPr>
-            <p:ph type="body" sz="quarter" idx="14"/>
-          </p:nvPr>
-        </p:nvSpPr>
-        <p:spPr>
-          <a:xfrm>
-            <a:off x="457200" y="5405735"/>
-            <a:ext cx="3810000" cy="369332"/>
-          </a:xfrm>
-        </p:spPr>
-        <p:txBody>
-          <a:bodyPr/>
-          <a:lstStyle/>
-          <a:p>
-            <a:r>
-              <a:rPr lang="en-US" sz="1800" dirty="0" smtClean="0">
-                <a:hlinkClick r:id="rId4"/>
-              </a:rPr>
-              <a:t>www.nakov.com</a:t>
-            </a:r>
-            <a:endParaRPr lang="en-US" sz="1800" dirty="0"/>
-          </a:p>
-        </p:txBody>
-      </p:sp>
       <p:pic>
         <p:nvPicPr>
           <p:cNvPr id="17" name="Picture 5"/>
@@ -6531,7 +6381,7 @@
           <p:nvPr/>
         </p:nvPicPr>
         <p:blipFill>
-          <a:blip r:embed="rId5">
+          <a:blip r:embed="rId3">
             <a:extLst>
               <a:ext uri="{28A0092B-C50C-407E-A947-70E740481C1C}">
                 <a14:useLocalDpi xmlns:a14="http://schemas.microsoft.com/office/drawing/2010/main"/>
@@ -6595,7 +6445,7 @@
           <p:nvPr/>
         </p:nvPicPr>
         <p:blipFill>
-          <a:blip r:embed="rId6">
+          <a:blip r:embed="rId4">
             <a:extLst>
               <a:ext uri="{28A0092B-C50C-407E-A947-70E740481C1C}">
                 <a14:useLocalDpi xmlns:a14="http://schemas.microsoft.com/office/drawing/2010/main" val="0"/>
@@ -6649,7 +6499,7 @@
           <p:nvPr/>
         </p:nvPicPr>
         <p:blipFill>
-          <a:blip r:embed="rId7">
+          <a:blip r:embed="rId5">
             <a:extLst>
               <a:ext uri="{28A0092B-C50C-407E-A947-70E740481C1C}">
                 <a14:useLocalDpi xmlns:a14="http://schemas.microsoft.com/office/drawing/2010/main" val="0"/>
@@ -6713,7 +6563,7 @@
           <p:nvPr/>
         </p:nvPicPr>
         <p:blipFill>
-          <a:blip r:embed="rId8">
+          <a:blip r:embed="rId6">
             <a:extLst>
               <a:ext uri="{28A0092B-C50C-407E-A947-70E740481C1C}">
                 <a14:useLocalDpi xmlns:a14="http://schemas.microsoft.com/office/drawing/2010/main" val="0"/>
@@ -6802,7 +6652,7 @@
       </p:grpSpPr>
       <p:sp>
         <p:nvSpPr>
-          <p:cNvPr id="4" name="Title 3"/>
+          <p:cNvPr id="2" name="Title 1"/>
           <p:cNvSpPr>
             <a:spLocks noGrp="1"/>
           </p:cNvSpPr>
@@ -6816,8 +6666,12 @@
           <a:lstStyle/>
           <a:p>
             <a:r>
-              <a:rPr lang="en-US" dirty="0" smtClean="0"/>
-              <a:t>Trainers Team</a:t>
+              <a:rPr lang="en-US" dirty="0"/>
+              <a:t>Trainers </a:t>
+            </a:r>
+            <a:r>
+              <a:rPr lang="en-US" dirty="0" smtClean="0"/>
+              <a:t>Team</a:t>
             </a:r>
             <a:endParaRPr lang="en-US" dirty="0"/>
           </a:p>
@@ -6825,7 +6679,7 @@
       </p:sp>
       <p:sp>
         <p:nvSpPr>
-          <p:cNvPr id="5" name="Content Placeholder 4"/>
+          <p:cNvPr id="3" name="Content Placeholder 2"/>
           <p:cNvSpPr>
             <a:spLocks noGrp="1"/>
           </p:cNvSpPr>
@@ -6857,11 +6711,7 @@
                   </a:schemeClr>
                 </a:solidFill>
               </a:rPr>
-              <a:t>Svetlin Nakov</a:t>
-            </a:r>
-            <a:r>
-              <a:rPr lang="en-US" dirty="0" smtClean="0"/>
-              <a:t>, PhD</a:t>
+              <a:t>Nikolay Kostov</a:t>
             </a:r>
           </a:p>
           <a:p>
@@ -6871,52 +6721,27 @@
               </a:lnSpc>
             </a:pPr>
             <a:r>
-              <a:rPr lang="en-US" dirty="0" smtClean="0"/>
-              <a:t>Manager Technical Training @</a:t>
+              <a:rPr lang="en-US" dirty="0"/>
+              <a:t>Team Lead, Senior </a:t>
+            </a:r>
+            <a:r>
+              <a:rPr lang="en-US" dirty="0" smtClean="0"/>
+              <a:t>Developer</a:t>
             </a:r>
             <a:br>
               <a:rPr lang="en-US" dirty="0" smtClean="0"/>
             </a:br>
             <a:r>
               <a:rPr lang="en-US" dirty="0" smtClean="0"/>
-              <a:t>Telerik Software Academy</a:t>
-            </a:r>
-            <a:endParaRPr lang="en-US" dirty="0"/>
-          </a:p>
-          <a:p>
-            <a:pPr lvl="1" eaLnBrk="1" hangingPunct="1">
-              <a:lnSpc>
-                <a:spcPct val="100000"/>
-              </a:lnSpc>
-            </a:pPr>
-            <a:r>
-              <a:rPr lang="en-US" dirty="0" smtClean="0">
-                <a:latin typeface="Consolas" pitchFamily="49" charset="0"/>
-                <a:cs typeface="Consolas" pitchFamily="49" charset="0"/>
-              </a:rPr>
-              <a:t>20</a:t>
-            </a:r>
-            <a:r>
-              <a:rPr lang="en-US" dirty="0" smtClean="0"/>
-              <a:t> years software development</a:t>
-            </a:r>
-            <a:br>
-              <a:rPr lang="en-US" dirty="0" smtClean="0"/>
-            </a:br>
-            <a:r>
-              <a:rPr lang="en-US" dirty="0" smtClean="0"/>
-              <a:t>experience</a:t>
-            </a:r>
-          </a:p>
-          <a:p>
-            <a:pPr lvl="1" eaLnBrk="1" hangingPunct="1">
-              <a:lnSpc>
-                <a:spcPct val="100000"/>
-              </a:lnSpc>
-            </a:pPr>
-            <a:r>
-              <a:rPr lang="en-US" dirty="0" smtClean="0"/>
-              <a:t>10+ years experience as trainer</a:t>
+              <a:t>and Trainer </a:t>
+            </a:r>
+            <a:r>
+              <a:rPr lang="en-US" dirty="0"/>
+              <a:t>@ </a:t>
+            </a:r>
+            <a:r>
+              <a:rPr lang="en-US" dirty="0" smtClean="0"/>
+              <a:t>Telerik Corp.</a:t>
             </a:r>
           </a:p>
           <a:p>
@@ -6926,12 +6751,19 @@
               </a:lnSpc>
             </a:pPr>
             <a:r>
-              <a:rPr lang="en-US" dirty="0"/>
-              <a:t>Author of 6 </a:t>
-            </a:r>
-            <a:r>
-              <a:rPr lang="en-US" dirty="0" smtClean="0"/>
-              <a:t>books</a:t>
+              <a:rPr lang="en-US" dirty="0" smtClean="0"/>
+              <a:t>Student at Sofia University</a:t>
+            </a:r>
+          </a:p>
+          <a:p>
+            <a:pPr lvl="2">
+              <a:lnSpc>
+                <a:spcPct val="100000"/>
+              </a:lnSpc>
+            </a:pPr>
+            <a:r>
+              <a:rPr lang="en-US" dirty="0" smtClean="0"/>
+              <a:t>Computer Science</a:t>
             </a:r>
           </a:p>
           <a:p>
@@ -6942,15 +6774,15 @@
             </a:pPr>
             <a:r>
               <a:rPr lang="en-US" dirty="0" smtClean="0"/>
-              <a:t>Speaker at </a:t>
+              <a:t>IT and </a:t>
             </a:r>
             <a:r>
               <a:rPr lang="en-US" dirty="0"/>
-              <a:t>hundreds of </a:t>
-            </a:r>
-            <a:r>
-              <a:rPr lang="en-US" dirty="0" smtClean="0"/>
-              <a:t>events</a:t>
+              <a:t>Informatics competitions </a:t>
+            </a:r>
+            <a:r>
+              <a:rPr lang="en-US" dirty="0" smtClean="0"/>
+              <a:t>contestant</a:t>
             </a:r>
           </a:p>
           <a:p>
@@ -6960,38 +6792,25 @@
               </a:lnSpc>
             </a:pPr>
             <a:r>
-              <a:rPr lang="en-US" dirty="0">
-                <a:solidFill>
-                  <a:srgbClr val="CCFF66">
-                    <a:lumMod val="40000"/>
-                    <a:lumOff val="60000"/>
-                  </a:srgbClr>
-                </a:solidFill>
-              </a:rPr>
-              <a:t>E-mail: </a:t>
-            </a:r>
-            <a:r>
-              <a:rPr lang="en-US" noProof="1">
-                <a:solidFill>
-                  <a:srgbClr val="CCFF66">
-                    <a:lumMod val="40000"/>
-                    <a:lumOff val="60000"/>
-                  </a:srgbClr>
-                </a:solidFill>
-              </a:rPr>
-              <a:t>svetlin.nakov</a:t>
-            </a:r>
-            <a:r>
-              <a:rPr lang="en-US" dirty="0">
-                <a:solidFill>
-                  <a:srgbClr val="CCFF66">
-                    <a:lumMod val="40000"/>
-                    <a:lumOff val="60000"/>
-                  </a:srgbClr>
-                </a:solidFill>
-              </a:rPr>
-              <a:t> [at] telerik.com</a:t>
-            </a:r>
+              <a:rPr lang="en-US" dirty="0"/>
+              <a:t>Graduate from the </a:t>
+            </a:r>
+            <a:r>
+              <a:rPr lang="en-US" dirty="0" smtClean="0"/>
+              <a:t>second season </a:t>
+            </a:r>
+            <a:r>
+              <a:rPr lang="en-US" dirty="0"/>
+              <a:t>of </a:t>
+            </a:r>
+            <a:br>
+              <a:rPr lang="en-US" dirty="0"/>
+            </a:br>
+            <a:r>
+              <a:rPr lang="en-US" dirty="0" smtClean="0"/>
+              <a:t>Telerik Software Academy</a:t>
+            </a:r>
+            <a:endParaRPr lang="en-US" dirty="0"/>
           </a:p>
           <a:p>
             <a:pPr lvl="1">
@@ -7000,58 +6819,60 @@
               </a:lnSpc>
             </a:pPr>
             <a:r>
-              <a:rPr lang="en-US" dirty="0">
-                <a:solidFill>
-                  <a:srgbClr val="CCFF66">
-                    <a:lumMod val="40000"/>
-                    <a:lumOff val="60000"/>
-                  </a:srgbClr>
-                </a:solidFill>
-              </a:rPr>
-              <a:t>Web site / Blog</a:t>
-            </a:r>
-            <a:r>
-              <a:rPr lang="ru-RU" dirty="0">
-                <a:solidFill>
-                  <a:srgbClr val="CCFF66">
-                    <a:lumMod val="40000"/>
-                    <a:lumOff val="60000"/>
-                  </a:srgbClr>
-                </a:solidFill>
-              </a:rPr>
+              <a:rPr lang="en-US" dirty="0" smtClean="0"/>
+              <a:t>Email</a:t>
+            </a:r>
+            <a:r>
+              <a:rPr lang="en-US" dirty="0"/>
               <a:t>: </a:t>
             </a:r>
             <a:r>
+              <a:rPr lang="en-US" noProof="1" smtClean="0"/>
+              <a:t>nikolay.kostov [at] telerik.com</a:t>
+            </a:r>
+          </a:p>
+          <a:p>
+            <a:pPr lvl="1">
+              <a:lnSpc>
+                <a:spcPct val="100000"/>
+              </a:lnSpc>
+            </a:pPr>
+            <a:r>
+              <a:rPr lang="en-US" dirty="0" smtClean="0"/>
+              <a:t>Blog</a:t>
+            </a:r>
+            <a:r>
+              <a:rPr lang="en-US" dirty="0"/>
+              <a:t>: </a:t>
+            </a:r>
+            <a:r>
               <a:rPr lang="en-US" dirty="0" smtClean="0">
-                <a:solidFill>
-                  <a:srgbClr val="CCFF66">
-                    <a:lumMod val="40000"/>
-                    <a:lumOff val="60000"/>
-                  </a:srgbClr>
-                </a:solidFill>
                 <a:hlinkClick r:id="rId2"/>
               </a:rPr>
-              <a:t>http://</a:t>
-            </a:r>
-            <a:r>
-              <a:rPr lang="ru-RU" dirty="0" smtClean="0">
-                <a:solidFill>
-                  <a:srgbClr val="CCFF66">
-                    <a:lumMod val="40000"/>
-                    <a:lumOff val="60000"/>
-                  </a:srgbClr>
-                </a:solidFill>
+              <a:t>http</a:t>
+            </a:r>
+            <a:r>
+              <a:rPr lang="en-US" dirty="0">
                 <a:hlinkClick r:id="rId2"/>
               </a:rPr>
-              <a:t>nakov.com</a:t>
-            </a:r>
-            <a:endParaRPr lang="en-US" dirty="0" smtClean="0"/>
+              <a:t>://</a:t>
+            </a:r>
+            <a:r>
+              <a:rPr lang="en-US" dirty="0" smtClean="0">
+                <a:hlinkClick r:id="rId2"/>
+              </a:rPr>
+              <a:t>nikolay.it</a:t>
+            </a:r>
+            <a:r>
+              <a:rPr lang="en-US" dirty="0" smtClean="0"/>
+              <a:t> </a:t>
+            </a:r>
           </a:p>
         </p:txBody>
       </p:sp>
       <p:sp>
         <p:nvSpPr>
-          <p:cNvPr id="7" name="Slide Number Placeholder 3"/>
+          <p:cNvPr id="5" name="Slide Number Placeholder 3"/>
           <p:cNvSpPr>
             <a:spLocks noGrp="1"/>
           </p:cNvSpPr>
@@ -7067,7 +6888,7 @@
             <a:pPr>
               <a:defRPr/>
             </a:pPr>
-            <a:fld id="{EA93F68D-FE3C-4D32-84BC-7CF1B4400E63}" type="slidenum">
+            <a:fld id="{BE91A763-B25C-411D-A4A3-CA96385075FA}" type="slidenum">
               <a:rPr lang="en-US" smtClean="0"/>
               <a:t>10</a:t>
             </a:fld>
@@ -7077,14 +6898,14 @@
       </p:sp>
       <p:pic>
         <p:nvPicPr>
-          <p:cNvPr id="6" name="Picture 6" descr="Svetlin-Nakov-face-small"/>
+          <p:cNvPr id="4" name="Picture 2"/>
           <p:cNvPicPr>
             <a:picLocks noChangeAspect="1" noChangeArrowheads="1"/>
           </p:cNvPicPr>
           <p:nvPr/>
         </p:nvPicPr>
         <p:blipFill>
-          <a:blip r:embed="rId3" cstate="print">
+          <a:blip r:embed="rId3">
             <a:extLst>
               <a:ext uri="{28A0092B-C50C-407E-A947-70E740481C1C}">
                 <a14:useLocalDpi xmlns:a14="http://schemas.microsoft.com/office/drawing/2010/main"/>
@@ -7098,20 +6919,14 @@
         </p:blipFill>
         <p:spPr bwMode="auto">
           <a:xfrm>
-            <a:off x="6781800" y="1295400"/>
-            <a:ext cx="1622425" cy="1981200"/>
+            <a:off x="6629400" y="1219200"/>
+            <a:ext cx="1905000" cy="2325114"/>
           </a:xfrm>
           <a:prstGeom prst="rect">
             <a:avLst/>
           </a:prstGeom>
           <a:ln>
-            <a:solidFill>
-              <a:schemeClr val="accent5">
-                <a:lumMod val="20000"/>
-                <a:lumOff val="80000"/>
-                <a:alpha val="30000"/>
-              </a:schemeClr>
-            </a:solidFill>
+            <a:noFill/>
           </a:ln>
           <a:effectLst>
             <a:outerShdw blurRad="190500" algn="tl" rotWithShape="0">
@@ -7120,12 +6935,21 @@
               </a:srgbClr>
             </a:outerShdw>
           </a:effectLst>
+          <a:extLst>
+            <a:ext uri="{909E8E84-426E-40DD-AFC4-6F175D3DCCD1}">
+              <a14:hiddenFill xmlns:a14="http://schemas.microsoft.com/office/drawing/2010/main">
+                <a:solidFill>
+                  <a:schemeClr val="accent1"/>
+                </a:solidFill>
+              </a14:hiddenFill>
+            </a:ext>
+          </a:extLst>
         </p:spPr>
       </p:pic>
     </p:spTree>
     <p:extLst>
       <p:ext uri="{BB962C8B-B14F-4D97-AF65-F5344CB8AC3E}">
-        <p14:creationId xmlns:p14="http://schemas.microsoft.com/office/powerpoint/2010/main" val="2763844971"/>
+        <p14:creationId xmlns:p14="http://schemas.microsoft.com/office/powerpoint/2010/main" val="1770630054"/>
       </p:ext>
     </p:extLst>
   </p:cSld>
@@ -7199,7 +7023,7 @@
         <p:spPr>
           <a:xfrm>
             <a:off x="228600" y="838200"/>
-            <a:ext cx="8686800" cy="5867400"/>
+            <a:ext cx="8686800" cy="5638800"/>
           </a:xfrm>
         </p:spPr>
         <p:txBody>
@@ -7220,7 +7044,7 @@
                   </a:schemeClr>
                 </a:solidFill>
               </a:rPr>
-              <a:t>Nikolay Kostov</a:t>
+              <a:t>Doncho Minkov</a:t>
             </a:r>
           </a:p>
           <a:p>
@@ -7231,14 +7055,14 @@
             </a:pPr>
             <a:r>
               <a:rPr lang="en-US" dirty="0" smtClean="0"/>
-              <a:t>Senior Software Developer and</a:t>
+              <a:t>Senior Technical Trainer</a:t>
             </a:r>
             <a:br>
               <a:rPr lang="en-US" dirty="0" smtClean="0"/>
             </a:br>
             <a:r>
               <a:rPr lang="en-US" dirty="0" smtClean="0"/>
-              <a:t>Technical Trainer @ Telerik Corp.</a:t>
+              <a:t>@ Telerik Software Academy</a:t>
             </a:r>
           </a:p>
           <a:p>
@@ -7260,7 +7084,7 @@
             </a:pPr>
             <a:r>
               <a:rPr lang="en-US" dirty="0" smtClean="0"/>
-              <a:t>Computer Science</a:t>
+              <a:t>Software Engineering</a:t>
             </a:r>
           </a:p>
           <a:p>
@@ -7271,15 +7095,7 @@
             </a:pPr>
             <a:r>
               <a:rPr lang="en-US" dirty="0" smtClean="0"/>
-              <a:t>IT and </a:t>
-            </a:r>
-            <a:r>
-              <a:rPr lang="en-US" dirty="0"/>
-              <a:t>Informatics competitions </a:t>
-            </a:r>
-            <a:r>
-              <a:rPr lang="en-US" dirty="0" smtClean="0"/>
-              <a:t>contestant</a:t>
+              <a:t>Contestant in the Informatics competitions</a:t>
             </a:r>
           </a:p>
           <a:p>
@@ -7290,15 +7106,20 @@
             </a:pPr>
             <a:r>
               <a:rPr lang="en-US" dirty="0" smtClean="0"/>
-              <a:t>Graduate from the second season of </a:t>
+              <a:t>Graduate from the first season of </a:t>
             </a:r>
             <a:br>
               <a:rPr lang="en-US" dirty="0" smtClean="0"/>
             </a:br>
             <a:r>
               <a:rPr lang="en-US" dirty="0" smtClean="0"/>
-              <a:t>Telerik Software Academy</a:t>
-            </a:r>
+              <a:t>Telerik Software </a:t>
+            </a:r>
+            <a:r>
+              <a:rPr lang="en-US" dirty="0"/>
+              <a:t>Academy</a:t>
+            </a:r>
+            <a:endParaRPr lang="en-US" dirty="0" smtClean="0"/>
           </a:p>
           <a:p>
             <a:pPr lvl="1">
@@ -7308,15 +7129,11 @@
             </a:pPr>
             <a:r>
               <a:rPr lang="en-US" dirty="0" smtClean="0"/>
-              <a:t>Email</a:t>
-            </a:r>
-            <a:r>
-              <a:rPr lang="en-US" dirty="0"/>
-              <a:t>: </a:t>
+              <a:t>Email: </a:t>
             </a:r>
             <a:r>
               <a:rPr lang="en-US" noProof="1" smtClean="0"/>
-              <a:t>nikolay.kostov [at] telerik.com</a:t>
+              <a:t>doncho.minkov [at] telerik.com</a:t>
             </a:r>
           </a:p>
           <a:p>
@@ -7327,29 +7144,13 @@
             </a:pPr>
             <a:r>
               <a:rPr lang="en-US" dirty="0" smtClean="0"/>
-              <a:t>Blog</a:t>
-            </a:r>
-            <a:r>
-              <a:rPr lang="en-US" dirty="0"/>
-              <a:t>: </a:t>
+              <a:t>Blog: </a:t>
             </a:r>
             <a:r>
               <a:rPr lang="en-US" dirty="0" smtClean="0">
                 <a:hlinkClick r:id="rId2"/>
               </a:rPr>
-              <a:t>http</a:t>
-            </a:r>
-            <a:r>
-              <a:rPr lang="en-US" dirty="0">
-                <a:hlinkClick r:id="rId2"/>
-              </a:rPr>
-              <a:t>://</a:t>
-            </a:r>
-            <a:r>
-              <a:rPr lang="en-US" dirty="0" smtClean="0">
-                <a:hlinkClick r:id="rId2"/>
-              </a:rPr>
-              <a:t>nikolay.it</a:t>
+              <a:t>http://minkov.it</a:t>
             </a:r>
             <a:r>
               <a:rPr lang="en-US" dirty="0" smtClean="0"/>
@@ -7360,41 +7161,42 @@
       </p:sp>
       <p:pic>
         <p:nvPicPr>
-          <p:cNvPr id="4" name="Picture 2"/>
+          <p:cNvPr id="4" name="Picture 2" descr="C:\Users\dminkov\Desktop\Doncho Minkov.jpg"/>
           <p:cNvPicPr>
             <a:picLocks noChangeAspect="1" noChangeArrowheads="1"/>
           </p:cNvPicPr>
           <p:nvPr/>
         </p:nvPicPr>
-        <p:blipFill>
-          <a:blip r:embed="rId3">
+        <p:blipFill rotWithShape="1">
+          <a:blip r:embed="rId3" cstate="screen">
             <a:extLst>
+              <a:ext uri="{BEBA8EAE-BF5A-486C-A8C5-ECC9F3942E4B}">
+                <a14:imgProps xmlns:a14="http://schemas.microsoft.com/office/drawing/2010/main">
+                  <a14:imgLayer r:embed="rId4">
+                    <a14:imgEffect>
+                      <a14:brightnessContrast bright="20000" contrast="20000"/>
+                    </a14:imgEffect>
+                  </a14:imgLayer>
+                </a14:imgProps>
+              </a:ext>
               <a:ext uri="{28A0092B-C50C-407E-A947-70E740481C1C}">
-                <a14:useLocalDpi xmlns:a14="http://schemas.microsoft.com/office/drawing/2010/main"/>
+                <a14:useLocalDpi xmlns:a14="http://schemas.microsoft.com/office/drawing/2010/main" val="0"/>
               </a:ext>
             </a:extLst>
           </a:blip>
           <a:srcRect/>
-          <a:stretch>
-            <a:fillRect/>
-          </a:stretch>
+          <a:stretch/>
         </p:blipFill>
         <p:spPr bwMode="auto">
           <a:xfrm>
-            <a:off x="6771164" y="1295400"/>
-            <a:ext cx="1687036" cy="2059082"/>
+            <a:off x="6656882" y="1295400"/>
+            <a:ext cx="1790432" cy="2133600"/>
           </a:xfrm>
           <a:prstGeom prst="rect">
             <a:avLst/>
           </a:prstGeom>
           <a:ln>
-            <a:solidFill>
-              <a:schemeClr val="accent5">
-                <a:lumMod val="20000"/>
-                <a:lumOff val="80000"/>
-                <a:alpha val="30000"/>
-              </a:schemeClr>
-            </a:solidFill>
+            <a:noFill/>
           </a:ln>
           <a:effectLst>
             <a:outerShdw blurRad="190500" algn="tl" rotWithShape="0">
@@ -7407,48 +7209,17 @@
             <a:ext uri="{909E8E84-426E-40DD-AFC4-6F175D3DCCD1}">
               <a14:hiddenFill xmlns:a14="http://schemas.microsoft.com/office/drawing/2010/main">
                 <a:solidFill>
-                  <a:schemeClr val="accent1"/>
+                  <a:srgbClr val="FFFFFF"/>
                 </a:solidFill>
               </a14:hiddenFill>
             </a:ext>
           </a:extLst>
         </p:spPr>
       </p:pic>
-      <p:sp>
-        <p:nvSpPr>
-          <p:cNvPr id="5" name="Slide Number Placeholder 3"/>
-          <p:cNvSpPr>
-            <a:spLocks noGrp="1"/>
-          </p:cNvSpPr>
-          <p:nvPr>
-            <p:ph type="sldNum" sz="quarter" idx="10"/>
-          </p:nvPr>
-        </p:nvSpPr>
-        <p:spPr>
-          <a:xfrm>
-            <a:off x="8610600" y="6553200"/>
-            <a:ext cx="457200" cy="228600"/>
-          </a:xfrm>
-        </p:spPr>
-        <p:txBody>
-          <a:bodyPr/>
-          <a:lstStyle/>
-          <a:p>
-            <a:pPr>
-              <a:defRPr/>
-            </a:pPr>
-            <a:fld id="{BE91A763-B25C-411D-A4A3-CA96385075FA}" type="slidenum">
-              <a:rPr lang="en-US" smtClean="0"/>
-              <a:t>11</a:t>
-            </a:fld>
-            <a:endParaRPr lang="en-US" dirty="0"/>
-          </a:p>
-        </p:txBody>
-      </p:sp>
     </p:spTree>
     <p:extLst>
       <p:ext uri="{BB962C8B-B14F-4D97-AF65-F5344CB8AC3E}">
-        <p14:creationId xmlns:p14="http://schemas.microsoft.com/office/powerpoint/2010/main" val="2328913953"/>
+        <p14:creationId xmlns:p14="http://schemas.microsoft.com/office/powerpoint/2010/main" val="3484179476"/>
       </p:ext>
     </p:extLst>
   </p:cSld>
@@ -7484,27 +7255,26 @@
       </p:grpSpPr>
       <p:sp>
         <p:nvSpPr>
-          <p:cNvPr id="4" name="Title 3"/>
+          <p:cNvPr id="2" name="Title 1"/>
           <p:cNvSpPr>
             <a:spLocks noGrp="1"/>
           </p:cNvSpPr>
           <p:nvPr>
-            <p:ph type="ctrTitle"/>
+            <p:ph type="title"/>
           </p:nvPr>
         </p:nvSpPr>
-        <p:spPr>
-          <a:xfrm>
-            <a:off x="381000" y="1524000"/>
-            <a:ext cx="5029200" cy="685800"/>
-          </a:xfrm>
-        </p:spPr>
+        <p:spPr/>
         <p:txBody>
           <a:bodyPr/>
           <a:lstStyle/>
           <a:p>
             <a:r>
-              <a:rPr lang="en-US" dirty="0" smtClean="0"/>
-              <a:t>Evaluation </a:t>
+              <a:rPr lang="en-US" dirty="0"/>
+              <a:t>Trainers Team </a:t>
+            </a:r>
+            <a:r>
+              <a:rPr lang="en-US" dirty="0" smtClean="0"/>
+              <a:t>(3)</a:t>
             </a:r>
             <a:endParaRPr lang="en-US" dirty="0"/>
           </a:p>
@@ -7512,316 +7282,224 @@
       </p:sp>
       <p:sp>
         <p:nvSpPr>
-          <p:cNvPr id="5" name="Subtitle 4"/>
+          <p:cNvPr id="3" name="Content Placeholder 2"/>
           <p:cNvSpPr>
             <a:spLocks noGrp="1"/>
           </p:cNvSpPr>
           <p:nvPr>
-            <p:ph type="subTitle" idx="1"/>
+            <p:ph idx="1"/>
           </p:nvPr>
         </p:nvSpPr>
-        <p:spPr>
-          <a:xfrm>
-            <a:off x="381000" y="2402680"/>
-            <a:ext cx="5029200" cy="569120"/>
-          </a:xfrm>
-        </p:spPr>
+        <p:spPr/>
         <p:txBody>
           <a:bodyPr/>
           <a:lstStyle/>
           <a:p>
             <a:r>
-              <a:rPr lang="en-US" dirty="0" smtClean="0"/>
-              <a:t>Thank God There Are Bonuses!</a:t>
-            </a:r>
+              <a:rPr lang="en-US" dirty="0" err="1" smtClean="0">
+                <a:solidFill>
+                  <a:schemeClr val="accent6">
+                    <a:lumMod val="20000"/>
+                    <a:lumOff val="80000"/>
+                  </a:schemeClr>
+                </a:solidFill>
+              </a:rPr>
+              <a:t>Ivaylo</a:t>
+            </a:r>
+            <a:r>
+              <a:rPr lang="en-US" dirty="0" smtClean="0">
+                <a:solidFill>
+                  <a:schemeClr val="accent6">
+                    <a:lumMod val="20000"/>
+                    <a:lumOff val="80000"/>
+                  </a:schemeClr>
+                </a:solidFill>
+              </a:rPr>
+              <a:t> </a:t>
+            </a:r>
+            <a:r>
+              <a:rPr lang="en-US" dirty="0" err="1" smtClean="0">
+                <a:solidFill>
+                  <a:schemeClr val="accent6">
+                    <a:lumMod val="20000"/>
+                    <a:lumOff val="80000"/>
+                  </a:schemeClr>
+                </a:solidFill>
+              </a:rPr>
+              <a:t>Kenov</a:t>
+            </a:r>
+            <a:endParaRPr lang="en-US" dirty="0" smtClean="0">
+              <a:solidFill>
+                <a:schemeClr val="accent6">
+                  <a:lumMod val="20000"/>
+                  <a:lumOff val="80000"/>
+                </a:schemeClr>
+              </a:solidFill>
+            </a:endParaRPr>
+          </a:p>
+          <a:p>
+            <a:pPr lvl="1">
+              <a:lnSpc>
+                <a:spcPct val="100000"/>
+              </a:lnSpc>
+            </a:pPr>
+            <a:r>
+              <a:rPr lang="en-US" dirty="0" smtClean="0"/>
+              <a:t>Technical Trainer</a:t>
+            </a:r>
+            <a:br>
+              <a:rPr lang="en-US" dirty="0" smtClean="0"/>
+            </a:br>
+            <a:r>
+              <a:rPr lang="en-US" dirty="0" smtClean="0"/>
+              <a:t>@ Telerik Software </a:t>
+            </a:r>
+            <a:r>
+              <a:rPr lang="en-US" dirty="0"/>
+              <a:t>Academy</a:t>
+            </a:r>
+          </a:p>
+          <a:p>
+            <a:pPr lvl="1"/>
+            <a:r>
+              <a:rPr lang="en-US" dirty="0"/>
+              <a:t>Graduate from the </a:t>
+            </a:r>
+            <a:r>
+              <a:rPr lang="en-US" dirty="0" smtClean="0"/>
+              <a:t>fourth season</a:t>
+            </a:r>
+            <a:br>
+              <a:rPr lang="en-US" dirty="0" smtClean="0"/>
+            </a:br>
+            <a:r>
+              <a:rPr lang="en-US" dirty="0" smtClean="0"/>
+              <a:t>of Telerik </a:t>
+            </a:r>
+            <a:r>
+              <a:rPr lang="en-US" dirty="0"/>
+              <a:t>Software Academy</a:t>
+            </a:r>
+          </a:p>
+          <a:p>
+            <a:pPr lvl="1"/>
+            <a:r>
+              <a:rPr lang="en-US" dirty="0" smtClean="0"/>
+              <a:t>Mathematical competitions contestant</a:t>
+            </a:r>
+          </a:p>
+          <a:p>
+            <a:pPr lvl="1"/>
+            <a:r>
+              <a:rPr lang="en-US" dirty="0" smtClean="0"/>
+              <a:t>E-mail: </a:t>
+            </a:r>
+            <a:r>
+              <a:rPr lang="en-US" dirty="0" err="1" smtClean="0"/>
+              <a:t>ivaylo.kenov</a:t>
+            </a:r>
+            <a:r>
+              <a:rPr lang="en-US" dirty="0" smtClean="0"/>
+              <a:t> [at] telerik.com</a:t>
+            </a:r>
+          </a:p>
+          <a:p>
+            <a:pPr lvl="1"/>
+            <a:r>
+              <a:rPr lang="en-US" dirty="0" smtClean="0"/>
+              <a:t>Champion in OOP and DSA</a:t>
+            </a:r>
+          </a:p>
+          <a:p>
+            <a:pPr lvl="1"/>
+            <a:r>
+              <a:rPr lang="en-US" dirty="0" smtClean="0">
+                <a:hlinkClick r:id="rId2"/>
+              </a:rPr>
+              <a:t>http://ivaylo.bgcoder.com</a:t>
+            </a:r>
+          </a:p>
+          <a:p>
+            <a:pPr marL="357188" lvl="1" indent="0">
+              <a:buNone/>
+            </a:pPr>
+            <a:endParaRPr lang="en-US" dirty="0"/>
+          </a:p>
+        </p:txBody>
+      </p:sp>
+      <p:sp>
+        <p:nvSpPr>
+          <p:cNvPr id="4" name="Slide Number Placeholder 3"/>
+          <p:cNvSpPr>
+            <a:spLocks noGrp="1"/>
+          </p:cNvSpPr>
+          <p:nvPr>
+            <p:ph type="sldNum" sz="quarter" idx="10"/>
+          </p:nvPr>
+        </p:nvSpPr>
+        <p:spPr/>
+        <p:txBody>
+          <a:bodyPr/>
+          <a:lstStyle/>
+          <a:p>
+            <a:pPr>
+              <a:defRPr/>
+            </a:pPr>
+            <a:fld id="{58452FF4-89E3-4D1B-9927-2DBDC00E58D7}" type="slidenum">
+              <a:rPr lang="en-US" smtClean="0"/>
+              <a:pPr>
+                <a:defRPr/>
+              </a:pPr>
+              <a:t>12</a:t>
+            </a:fld>
             <a:endParaRPr lang="en-US" dirty="0"/>
           </a:p>
         </p:txBody>
       </p:sp>
       <p:pic>
         <p:nvPicPr>
-          <p:cNvPr id="10242" name="Picture 2"/>
+          <p:cNvPr id="5" name="Picture 4"/>
           <p:cNvPicPr>
-            <a:picLocks noChangeAspect="1" noChangeArrowheads="1"/>
+            <a:picLocks noChangeAspect="1"/>
           </p:cNvPicPr>
           <p:nvPr/>
         </p:nvPicPr>
         <p:blipFill>
-          <a:blip r:embed="rId2">
+          <a:blip r:embed="rId3">
             <a:extLst>
               <a:ext uri="{28A0092B-C50C-407E-A947-70E740481C1C}">
-                <a14:useLocalDpi xmlns:a14="http://schemas.microsoft.com/office/drawing/2010/main"/>
+                <a14:useLocalDpi xmlns:a14="http://schemas.microsoft.com/office/drawing/2010/main" val="0"/>
               </a:ext>
             </a:extLst>
           </a:blip>
-          <a:srcRect/>
           <a:stretch>
             <a:fillRect/>
           </a:stretch>
         </p:blipFill>
-        <p:spPr bwMode="auto">
+        <p:spPr>
           <a:xfrm>
-            <a:off x="1219200" y="3962400"/>
-            <a:ext cx="1842502" cy="2076151"/>
+            <a:off x="6629400" y="1219200"/>
+            <a:ext cx="1857613" cy="2293478"/>
           </a:xfrm>
           <a:prstGeom prst="rect">
             <a:avLst/>
           </a:prstGeom>
-          <a:noFill/>
           <a:ln>
             <a:noFill/>
           </a:ln>
           <a:effectLst>
-            <a:glow rad="63500">
-              <a:schemeClr val="accent5">
-                <a:satMod val="175000"/>
-                <a:alpha val="40000"/>
-              </a:schemeClr>
-            </a:glow>
-            <a:outerShdw dist="35921" dir="2700000" algn="ctr" rotWithShape="0">
-              <a:schemeClr val="bg2"/>
+            <a:outerShdw blurRad="190500" algn="tl" rotWithShape="0">
+              <a:srgbClr val="000000">
+                <a:alpha val="70000"/>
+              </a:srgbClr>
             </a:outerShdw>
-            <a:softEdge rad="31750"/>
           </a:effectLst>
-          <a:extLst>
-            <a:ext uri="{909E8E84-426E-40DD-AFC4-6F175D3DCCD1}">
-              <a14:hiddenFill xmlns:a14="http://schemas.microsoft.com/office/drawing/2010/main">
-                <a:solidFill>
-                  <a:schemeClr val="accent1"/>
-                </a:solidFill>
-              </a14:hiddenFill>
-            </a:ext>
-            <a:ext uri="{91240B29-F687-4F45-9708-019B960494DF}">
-              <a14:hiddenLine xmlns:a14="http://schemas.microsoft.com/office/drawing/2010/main" w="9525">
-                <a:solidFill>
-                  <a:schemeClr val="tx1"/>
-                </a:solidFill>
-                <a:miter lim="800000"/>
-                <a:headEnd/>
-                <a:tailEnd/>
-              </a14:hiddenLine>
-            </a:ext>
-          </a:extLst>
-        </p:spPr>
-      </p:pic>
-      <p:pic>
-        <p:nvPicPr>
-          <p:cNvPr id="10245" name="Picture 5"/>
-          <p:cNvPicPr>
-            <a:picLocks noChangeAspect="1" noChangeArrowheads="1"/>
-          </p:cNvPicPr>
-          <p:nvPr/>
-        </p:nvPicPr>
-        <p:blipFill>
-          <a:blip r:embed="rId3" cstate="screen">
-            <a:extLst>
-              <a:ext uri="{28A0092B-C50C-407E-A947-70E740481C1C}">
-                <a14:useLocalDpi xmlns:a14="http://schemas.microsoft.com/office/drawing/2010/main"/>
-              </a:ext>
-            </a:extLst>
-          </a:blip>
-          <a:srcRect/>
-          <a:stretch>
-            <a:fillRect/>
-          </a:stretch>
-        </p:blipFill>
-        <p:spPr bwMode="auto">
-          <a:xfrm>
-            <a:off x="5736771" y="762000"/>
-            <a:ext cx="2634342" cy="2712064"/>
-          </a:xfrm>
-          <a:prstGeom prst="roundRect">
-            <a:avLst>
-              <a:gd name="adj" fmla="val 7163"/>
-            </a:avLst>
-          </a:prstGeom>
-          <a:noFill/>
-          <a:ln w="19050">
-            <a:solidFill>
-              <a:schemeClr val="accent3">
-                <a:lumMod val="60000"/>
-                <a:lumOff val="40000"/>
-              </a:schemeClr>
-            </a:solidFill>
-            <a:miter lim="800000"/>
-            <a:headEnd/>
-            <a:tailEnd/>
-          </a:ln>
-          <a:effectLst/>
-          <a:extLst>
-            <a:ext uri="{909E8E84-426E-40DD-AFC4-6F175D3DCCD1}">
-              <a14:hiddenFill xmlns:a14="http://schemas.microsoft.com/office/drawing/2010/main">
-                <a:solidFill>
-                  <a:schemeClr val="accent1"/>
-                </a:solidFill>
-              </a14:hiddenFill>
-            </a:ext>
-            <a:ext uri="{AF507438-7753-43E0-B8FC-AC1667EBCBE1}">
-              <a14:hiddenEffects xmlns:a14="http://schemas.microsoft.com/office/drawing/2010/main">
-                <a:effectLst>
-                  <a:outerShdw dist="35921" dir="2700000" algn="ctr" rotWithShape="0">
-                    <a:schemeClr val="bg2"/>
-                  </a:outerShdw>
-                </a:effectLst>
-              </a14:hiddenEffects>
-            </a:ext>
-          </a:extLst>
-        </p:spPr>
-      </p:pic>
-      <p:pic>
-        <p:nvPicPr>
-          <p:cNvPr id="10247" name="Picture 7" descr="http://images.yourdictionary.com/images/definitions/lg/evaluation.jpg"/>
-          <p:cNvPicPr>
-            <a:picLocks noChangeAspect="1" noChangeArrowheads="1"/>
-          </p:cNvPicPr>
-          <p:nvPr/>
-        </p:nvPicPr>
-        <p:blipFill>
-          <a:blip r:embed="rId4">
-            <a:extLst>
-              <a:ext uri="{28A0092B-C50C-407E-A947-70E740481C1C}">
-                <a14:useLocalDpi xmlns:a14="http://schemas.microsoft.com/office/drawing/2010/main"/>
-              </a:ext>
-            </a:extLst>
-          </a:blip>
-          <a:srcRect/>
-          <a:stretch>
-            <a:fillRect/>
-          </a:stretch>
-        </p:blipFill>
-        <p:spPr bwMode="auto">
-          <a:xfrm>
-            <a:off x="4572000" y="3994172"/>
-            <a:ext cx="3799114" cy="2113651"/>
-          </a:xfrm>
-          <a:prstGeom prst="roundRect">
-            <a:avLst>
-              <a:gd name="adj" fmla="val 7163"/>
-            </a:avLst>
-          </a:prstGeom>
-          <a:noFill/>
-          <a:ln w="19050">
-            <a:solidFill>
-              <a:schemeClr val="accent5">
-                <a:lumMod val="75000"/>
-              </a:schemeClr>
-            </a:solidFill>
-            <a:miter lim="800000"/>
-            <a:headEnd/>
-            <a:tailEnd/>
-          </a:ln>
-          <a:effectLst/>
-          <a:extLst>
-            <a:ext uri="{909E8E84-426E-40DD-AFC4-6F175D3DCCD1}">
-              <a14:hiddenFill xmlns:a14="http://schemas.microsoft.com/office/drawing/2010/main">
-                <a:solidFill>
-                  <a:srgbClr val="FFFFFF"/>
-                </a:solidFill>
-              </a14:hiddenFill>
-            </a:ext>
-          </a:extLst>
-        </p:spPr>
-      </p:pic>
-      <p:pic>
-        <p:nvPicPr>
-          <p:cNvPr id="7" name="Picture 2" descr="http://www.windward.net/images/csharplogo.png"/>
-          <p:cNvPicPr>
-            <a:picLocks noChangeAspect="1" noChangeArrowheads="1"/>
-          </p:cNvPicPr>
-          <p:nvPr/>
-        </p:nvPicPr>
-        <p:blipFill>
-          <a:blip r:embed="rId5" cstate="screen">
-            <a:duotone>
-              <a:prstClr val="black"/>
-              <a:schemeClr val="accent6">
-                <a:tint val="45000"/>
-                <a:satMod val="400000"/>
-              </a:schemeClr>
-            </a:duotone>
-            <a:extLst>
-              <a:ext uri="{28A0092B-C50C-407E-A947-70E740481C1C}">
-                <a14:useLocalDpi xmlns:a14="http://schemas.microsoft.com/office/drawing/2010/main"/>
-              </a:ext>
-            </a:extLst>
-          </a:blip>
-          <a:srcRect/>
-          <a:stretch>
-            <a:fillRect/>
-          </a:stretch>
-        </p:blipFill>
-        <p:spPr bwMode="auto">
-          <a:xfrm>
-            <a:off x="4659085" y="4051948"/>
-            <a:ext cx="1055915" cy="672452"/>
-          </a:xfrm>
-          <a:prstGeom prst="rect">
-            <a:avLst/>
-          </a:prstGeom>
-          <a:noFill/>
-          <a:extLst>
-            <a:ext uri="{909E8E84-426E-40DD-AFC4-6F175D3DCCD1}">
-              <a14:hiddenFill xmlns:a14="http://schemas.microsoft.com/office/drawing/2010/main">
-                <a:solidFill>
-                  <a:srgbClr val="FFFFFF"/>
-                </a:solidFill>
-              </a14:hiddenFill>
-            </a:ext>
-          </a:extLst>
-        </p:spPr>
-      </p:pic>
-      <p:pic>
-        <p:nvPicPr>
-          <p:cNvPr id="8" name="Picture 2" descr="http://www.windward.net/images/csharplogo.png"/>
-          <p:cNvPicPr>
-            <a:picLocks noChangeAspect="1" noChangeArrowheads="1"/>
-          </p:cNvPicPr>
-          <p:nvPr/>
-        </p:nvPicPr>
-        <p:blipFill>
-          <a:blip r:embed="rId6" cstate="screen">
-            <a:duotone>
-              <a:prstClr val="black"/>
-              <a:schemeClr val="accent3">
-                <a:tint val="45000"/>
-                <a:satMod val="400000"/>
-              </a:schemeClr>
-            </a:duotone>
-            <a:extLst>
-              <a:ext uri="{28A0092B-C50C-407E-A947-70E740481C1C}">
-                <a14:useLocalDpi xmlns:a14="http://schemas.microsoft.com/office/drawing/2010/main"/>
-              </a:ext>
-            </a:extLst>
-          </a:blip>
-          <a:srcRect/>
-          <a:stretch>
-            <a:fillRect/>
-          </a:stretch>
-        </p:blipFill>
-        <p:spPr bwMode="auto">
-          <a:xfrm>
-            <a:off x="5802086" y="2862944"/>
-            <a:ext cx="925660" cy="589500"/>
-          </a:xfrm>
-          <a:prstGeom prst="rect">
-            <a:avLst/>
-          </a:prstGeom>
-          <a:noFill/>
-          <a:extLst>
-            <a:ext uri="{909E8E84-426E-40DD-AFC4-6F175D3DCCD1}">
-              <a14:hiddenFill xmlns:a14="http://schemas.microsoft.com/office/drawing/2010/main">
-                <a:solidFill>
-                  <a:srgbClr val="FFFFFF"/>
-                </a:solidFill>
-              </a14:hiddenFill>
-            </a:ext>
-          </a:extLst>
         </p:spPr>
       </p:pic>
     </p:spTree>
     <p:extLst>
       <p:ext uri="{BB962C8B-B14F-4D97-AF65-F5344CB8AC3E}">
-        <p14:creationId xmlns:p14="http://schemas.microsoft.com/office/powerpoint/2010/main" val="832846619"/>
+        <p14:creationId xmlns:p14="http://schemas.microsoft.com/office/powerpoint/2010/main" val="499715455"/>
       </p:ext>
     </p:extLst>
   </p:cSld>
@@ -7857,7 +7535,7 @@
       </p:grpSpPr>
       <p:sp>
         <p:nvSpPr>
-          <p:cNvPr id="4" name="Title 3"/>
+          <p:cNvPr id="2" name="Title 1"/>
           <p:cNvSpPr>
             <a:spLocks noGrp="1"/>
           </p:cNvSpPr>
@@ -7871,8 +7549,12 @@
           <a:lstStyle/>
           <a:p>
             <a:r>
-              <a:rPr lang="en-US" dirty="0" smtClean="0"/>
-              <a:t>Databases – Evaluation</a:t>
+              <a:rPr lang="en-US" dirty="0"/>
+              <a:t>Trainers Team </a:t>
+            </a:r>
+            <a:r>
+              <a:rPr lang="en-US" dirty="0" smtClean="0"/>
+              <a:t>(4)</a:t>
             </a:r>
             <a:endParaRPr lang="en-US" dirty="0"/>
           </a:p>
@@ -7880,7 +7562,7 @@
       </p:sp>
       <p:sp>
         <p:nvSpPr>
-          <p:cNvPr id="5" name="Content Placeholder 4"/>
+          <p:cNvPr id="3" name="Content Placeholder 2"/>
           <p:cNvSpPr>
             <a:spLocks noGrp="1"/>
           </p:cNvSpPr>
@@ -7888,34 +7570,55 @@
             <p:ph idx="1"/>
           </p:nvPr>
         </p:nvSpPr>
-        <p:spPr>
-          <a:xfrm>
-            <a:off x="228600" y="762000"/>
-            <a:ext cx="8763000" cy="5867400"/>
-          </a:xfrm>
-        </p:spPr>
+        <p:spPr/>
         <p:txBody>
           <a:bodyPr/>
           <a:lstStyle/>
           <a:p>
             <a:pPr>
-              <a:lnSpc>
-                <a:spcPct val="95000"/>
-              </a:lnSpc>
               <a:spcBef>
-                <a:spcPts val="400"/>
+                <a:spcPts val="1200"/>
               </a:spcBef>
               <a:spcAft>
-                <a:spcPts val="400"/>
+                <a:spcPts val="1200"/>
               </a:spcAft>
             </a:pPr>
             <a:r>
-              <a:rPr lang="en-US" dirty="0" smtClean="0"/>
-              <a:t>Evaluation components</a:t>
-            </a:r>
-            <a:endParaRPr lang="en-US" dirty="0">
+              <a:rPr lang="en-US" dirty="0" err="1" smtClean="0">
+                <a:solidFill>
+                  <a:schemeClr val="accent6">
+                    <a:lumMod val="20000"/>
+                    <a:lumOff val="80000"/>
+                  </a:schemeClr>
+                </a:solidFill>
+              </a:rPr>
+              <a:t>Evlogi</a:t>
+            </a:r>
+            <a:r>
+              <a:rPr lang="en-US" dirty="0" smtClean="0">
+                <a:solidFill>
+                  <a:schemeClr val="accent6">
+                    <a:lumMod val="20000"/>
+                    <a:lumOff val="80000"/>
+                  </a:schemeClr>
+                </a:solidFill>
+              </a:rPr>
+              <a:t> </a:t>
+            </a:r>
+            <a:r>
+              <a:rPr lang="en-US" dirty="0" err="1" smtClean="0">
+                <a:solidFill>
+                  <a:schemeClr val="accent6">
+                    <a:lumMod val="20000"/>
+                    <a:lumOff val="80000"/>
+                  </a:schemeClr>
+                </a:solidFill>
+              </a:rPr>
+              <a:t>Hristov</a:t>
+            </a:r>
+            <a:endParaRPr lang="en-US" dirty="0" smtClean="0">
               <a:solidFill>
-                <a:schemeClr val="accent5">
+                <a:schemeClr val="accent6">
                   <a:lumMod val="20000"/>
                   <a:lumOff val="80000"/>
                 </a:schemeClr>
@@ -7925,513 +7628,91 @@
           <a:p>
             <a:pPr lvl="1">
               <a:lnSpc>
-                <a:spcPct val="95000"/>
+                <a:spcPct val="100000"/>
               </a:lnSpc>
               <a:spcBef>
-                <a:spcPts val="400"/>
+                <a:spcPts val="1200"/>
               </a:spcBef>
               <a:spcAft>
-                <a:spcPts val="400"/>
+                <a:spcPts val="1200"/>
               </a:spcAft>
             </a:pPr>
             <a:r>
-              <a:rPr lang="en-US" dirty="0" smtClean="0">
-                <a:solidFill>
-                  <a:schemeClr val="accent5">
-                    <a:lumMod val="20000"/>
-                    <a:lumOff val="80000"/>
-                  </a:schemeClr>
-                </a:solidFill>
-              </a:rPr>
-              <a:t>Practical exam</a:t>
-            </a:r>
-            <a:r>
-              <a:rPr lang="en-US" dirty="0" smtClean="0"/>
-              <a:t> </a:t>
+              <a:rPr lang="en-US" dirty="0" smtClean="0"/>
+              <a:t>Technical Trainer</a:t>
+            </a:r>
+            <a:br>
+              <a:rPr lang="en-US" dirty="0" smtClean="0"/>
+            </a:br>
+            <a:r>
+              <a:rPr lang="en-US" dirty="0" smtClean="0"/>
+              <a:t>@ Telerik Software </a:t>
             </a:r>
             <a:r>
               <a:rPr lang="en-US" dirty="0"/>
-              <a:t>– </a:t>
-            </a:r>
-            <a:r>
-              <a:rPr lang="en-US" dirty="0" smtClean="0">
-                <a:solidFill>
-                  <a:schemeClr val="accent5">
-                    <a:lumMod val="20000"/>
-                    <a:lumOff val="80000"/>
-                  </a:schemeClr>
-                </a:solidFill>
-                <a:latin typeface="Consolas" pitchFamily="49" charset="0"/>
-                <a:cs typeface="Consolas" pitchFamily="49" charset="0"/>
-              </a:rPr>
-              <a:t>55</a:t>
-            </a:r>
-            <a:r>
-              <a:rPr lang="en-US" dirty="0" smtClean="0">
-                <a:solidFill>
-                  <a:schemeClr val="accent5">
-                    <a:lumMod val="20000"/>
-                    <a:lumOff val="80000"/>
-                  </a:schemeClr>
-                </a:solidFill>
-              </a:rPr>
-              <a:t>%</a:t>
-            </a:r>
-          </a:p>
-          <a:p>
-            <a:pPr lvl="2">
-              <a:lnSpc>
-                <a:spcPct val="95000"/>
-              </a:lnSpc>
+              <a:t>Academy</a:t>
+            </a:r>
+          </a:p>
+          <a:p>
+            <a:pPr lvl="1">
               <a:spcBef>
-                <a:spcPts val="400"/>
+                <a:spcPts val="1200"/>
               </a:spcBef>
               <a:spcAft>
-                <a:spcPts val="400"/>
+                <a:spcPts val="1200"/>
               </a:spcAft>
             </a:pPr>
             <a:r>
-              <a:rPr lang="en-US" dirty="0" smtClean="0">
-                <a:solidFill>
-                  <a:schemeClr val="accent5">
-                    <a:lumMod val="20000"/>
-                    <a:lumOff val="80000"/>
-                  </a:schemeClr>
-                </a:solidFill>
-              </a:rPr>
-              <a:t>Peer review – 10 exams</a:t>
+              <a:rPr lang="en-US" dirty="0" smtClean="0"/>
+              <a:t>Graduate </a:t>
+            </a:r>
+            <a:r>
+              <a:rPr lang="en-US" dirty="0"/>
+              <a:t>from the </a:t>
+            </a:r>
+            <a:r>
+              <a:rPr lang="en-US" dirty="0" smtClean="0"/>
+              <a:t>fourth season</a:t>
+            </a:r>
+            <a:br>
+              <a:rPr lang="en-US" dirty="0" smtClean="0"/>
+            </a:br>
+            <a:r>
+              <a:rPr lang="en-US" dirty="0" smtClean="0"/>
+              <a:t>of Telerik </a:t>
+            </a:r>
+            <a:r>
+              <a:rPr lang="en-US" dirty="0"/>
+              <a:t>Software Academy</a:t>
             </a:r>
           </a:p>
           <a:p>
             <a:pPr lvl="1">
-              <a:lnSpc>
-                <a:spcPct val="95000"/>
-              </a:lnSpc>
               <a:spcBef>
-                <a:spcPts val="400"/>
+                <a:spcPts val="1200"/>
               </a:spcBef>
               <a:spcAft>
-                <a:spcPts val="400"/>
+                <a:spcPts val="1200"/>
               </a:spcAft>
             </a:pPr>
             <a:r>
-              <a:rPr lang="en-US" dirty="0" smtClean="0">
-                <a:solidFill>
-                  <a:schemeClr val="accent5">
-                    <a:lumMod val="20000"/>
-                    <a:lumOff val="80000"/>
-                  </a:schemeClr>
-                </a:solidFill>
-              </a:rPr>
-              <a:t>Teamwork</a:t>
-            </a:r>
-            <a:r>
-              <a:rPr lang="en-US" dirty="0"/>
-              <a:t> – </a:t>
-            </a:r>
-            <a:r>
-              <a:rPr lang="en-US" dirty="0">
-                <a:solidFill>
-                  <a:schemeClr val="accent5">
-                    <a:lumMod val="20000"/>
-                    <a:lumOff val="80000"/>
-                  </a:schemeClr>
-                </a:solidFill>
-                <a:latin typeface="Consolas" pitchFamily="49" charset="0"/>
-                <a:cs typeface="Consolas" pitchFamily="49" charset="0"/>
-              </a:rPr>
-              <a:t>20%</a:t>
-            </a:r>
-          </a:p>
-          <a:p>
-            <a:pPr lvl="1">
-              <a:lnSpc>
-                <a:spcPct val="95000"/>
-              </a:lnSpc>
-              <a:spcBef>
-                <a:spcPts val="400"/>
-              </a:spcBef>
-              <a:spcAft>
-                <a:spcPts val="400"/>
-              </a:spcAft>
-            </a:pPr>
-            <a:r>
-              <a:rPr lang="en-US" dirty="0">
-                <a:solidFill>
-                  <a:schemeClr val="accent5">
-                    <a:lumMod val="20000"/>
-                    <a:lumOff val="80000"/>
-                  </a:schemeClr>
-                </a:solidFill>
-              </a:rPr>
-              <a:t>Homework</a:t>
-            </a:r>
-            <a:r>
-              <a:rPr lang="en-US" dirty="0"/>
-              <a:t> – </a:t>
-            </a:r>
-            <a:r>
-              <a:rPr lang="en-US" dirty="0" smtClean="0">
-                <a:solidFill>
-                  <a:schemeClr val="accent5">
-                    <a:lumMod val="20000"/>
-                    <a:lumOff val="80000"/>
-                  </a:schemeClr>
-                </a:solidFill>
-                <a:latin typeface="Consolas" pitchFamily="49" charset="0"/>
-                <a:cs typeface="Consolas" pitchFamily="49" charset="0"/>
-              </a:rPr>
-              <a:t>10</a:t>
-            </a:r>
-            <a:r>
-              <a:rPr lang="en-US" dirty="0" smtClean="0">
-                <a:solidFill>
-                  <a:schemeClr val="accent5">
-                    <a:lumMod val="20000"/>
-                    <a:lumOff val="80000"/>
-                  </a:schemeClr>
-                </a:solidFill>
-              </a:rPr>
-              <a:t>%</a:t>
-            </a:r>
-            <a:endParaRPr lang="en-US" dirty="0">
-              <a:solidFill>
-                <a:schemeClr val="accent5">
-                  <a:lumMod val="20000"/>
-                  <a:lumOff val="80000"/>
-                </a:schemeClr>
-              </a:solidFill>
-            </a:endParaRPr>
-          </a:p>
-          <a:p>
-            <a:pPr lvl="1">
-              <a:lnSpc>
-                <a:spcPct val="95000"/>
-              </a:lnSpc>
-              <a:spcBef>
-                <a:spcPts val="400"/>
-              </a:spcBef>
-              <a:spcAft>
-                <a:spcPts val="400"/>
-              </a:spcAft>
-            </a:pPr>
-            <a:r>
-              <a:rPr lang="en-US" dirty="0"/>
-              <a:t>Homework </a:t>
-            </a:r>
-            <a:r>
-              <a:rPr lang="en-US" dirty="0">
-                <a:solidFill>
-                  <a:schemeClr val="accent5">
-                    <a:lumMod val="20000"/>
-                    <a:lumOff val="80000"/>
-                  </a:schemeClr>
-                </a:solidFill>
-              </a:rPr>
-              <a:t>evaluation </a:t>
-            </a:r>
-            <a:r>
-              <a:rPr lang="en-US" dirty="0" smtClean="0"/>
-              <a:t>– </a:t>
-            </a:r>
-            <a:r>
-              <a:rPr lang="en-US" dirty="0">
-                <a:solidFill>
-                  <a:schemeClr val="accent5">
-                    <a:lumMod val="20000"/>
-                    <a:lumOff val="80000"/>
-                  </a:schemeClr>
-                </a:solidFill>
-                <a:latin typeface="Consolas" pitchFamily="49" charset="0"/>
-                <a:cs typeface="Consolas" pitchFamily="49" charset="0"/>
-              </a:rPr>
-              <a:t>5</a:t>
-            </a:r>
-            <a:r>
-              <a:rPr lang="en-US" dirty="0" smtClean="0">
-                <a:solidFill>
-                  <a:schemeClr val="accent5">
-                    <a:lumMod val="20000"/>
-                    <a:lumOff val="80000"/>
-                  </a:schemeClr>
-                </a:solidFill>
-              </a:rPr>
-              <a:t>%</a:t>
-            </a:r>
-          </a:p>
-          <a:p>
-            <a:pPr lvl="2">
-              <a:lnSpc>
-                <a:spcPct val="95000"/>
-              </a:lnSpc>
-              <a:spcBef>
-                <a:spcPts val="400"/>
-              </a:spcBef>
-              <a:spcAft>
-                <a:spcPts val="400"/>
-              </a:spcAft>
-            </a:pPr>
-            <a:r>
-              <a:rPr lang="en-US" dirty="0" smtClean="0">
-                <a:solidFill>
-                  <a:schemeClr val="tx1">
-                    <a:lumMod val="40000"/>
-                    <a:lumOff val="60000"/>
-                  </a:schemeClr>
-                </a:solidFill>
-                <a:latin typeface="Consolas" panose="020B0609020204030204" pitchFamily="49" charset="0"/>
-                <a:cs typeface="Consolas" panose="020B0609020204030204" pitchFamily="49" charset="0"/>
-              </a:rPr>
-              <a:t>3</a:t>
-            </a:r>
-            <a:r>
-              <a:rPr lang="en-US" dirty="0" smtClean="0">
-                <a:solidFill>
-                  <a:schemeClr val="tx1">
-                    <a:lumMod val="40000"/>
-                    <a:lumOff val="60000"/>
-                  </a:schemeClr>
-                </a:solidFill>
-              </a:rPr>
-              <a:t> peer </a:t>
-            </a:r>
-            <a:r>
-              <a:rPr lang="en-US" dirty="0">
-                <a:solidFill>
-                  <a:schemeClr val="tx1">
-                    <a:lumMod val="40000"/>
-                    <a:lumOff val="60000"/>
-                  </a:schemeClr>
-                </a:solidFill>
-              </a:rPr>
-              <a:t>reviews </a:t>
-            </a:r>
-            <a:r>
-              <a:rPr lang="en-US" dirty="0" smtClean="0">
-                <a:solidFill>
-                  <a:schemeClr val="tx1">
-                    <a:lumMod val="40000"/>
-                    <a:lumOff val="60000"/>
-                  </a:schemeClr>
-                </a:solidFill>
-              </a:rPr>
-              <a:t>per homework (excellent, OK, bad)</a:t>
-            </a:r>
-            <a:endParaRPr lang="en-US" dirty="0">
-              <a:solidFill>
-                <a:schemeClr val="tx1">
-                  <a:lumMod val="40000"/>
-                  <a:lumOff val="60000"/>
-                </a:schemeClr>
-              </a:solidFill>
-            </a:endParaRPr>
-          </a:p>
-          <a:p>
-            <a:pPr lvl="1">
-              <a:lnSpc>
-                <a:spcPct val="95000"/>
-              </a:lnSpc>
-              <a:spcBef>
-                <a:spcPts val="400"/>
-              </a:spcBef>
-              <a:spcAft>
-                <a:spcPts val="400"/>
-              </a:spcAft>
-            </a:pPr>
-            <a:r>
-              <a:rPr lang="en-US" dirty="0" smtClean="0">
-                <a:solidFill>
-                  <a:schemeClr val="accent5">
-                    <a:lumMod val="20000"/>
-                    <a:lumOff val="80000"/>
-                  </a:schemeClr>
-                </a:solidFill>
-              </a:rPr>
-              <a:t>Attendance</a:t>
-            </a:r>
-            <a:r>
-              <a:rPr lang="bg-BG" dirty="0" smtClean="0"/>
-              <a:t> </a:t>
-            </a:r>
-            <a:r>
-              <a:rPr lang="en-US" dirty="0" smtClean="0"/>
-              <a:t>in class</a:t>
-            </a:r>
-            <a:r>
-              <a:rPr lang="en-US" dirty="0" smtClean="0">
-                <a:solidFill>
-                  <a:schemeClr val="accent5">
-                    <a:lumMod val="20000"/>
-                    <a:lumOff val="80000"/>
-                  </a:schemeClr>
-                </a:solidFill>
-              </a:rPr>
-              <a:t> </a:t>
-            </a:r>
-            <a:r>
-              <a:rPr lang="en-US" dirty="0"/>
-              <a:t>– </a:t>
-            </a:r>
-            <a:r>
-              <a:rPr lang="en-US" dirty="0">
-                <a:solidFill>
-                  <a:schemeClr val="accent5">
-                    <a:lumMod val="20000"/>
-                    <a:lumOff val="80000"/>
-                  </a:schemeClr>
-                </a:solidFill>
-                <a:latin typeface="Consolas" pitchFamily="49" charset="0"/>
-                <a:cs typeface="Consolas" pitchFamily="49" charset="0"/>
-              </a:rPr>
-              <a:t>10</a:t>
-            </a:r>
-            <a:r>
-              <a:rPr lang="en-US" dirty="0" smtClean="0">
-                <a:solidFill>
-                  <a:schemeClr val="accent5">
-                    <a:lumMod val="20000"/>
-                    <a:lumOff val="80000"/>
-                  </a:schemeClr>
-                </a:solidFill>
-              </a:rPr>
-              <a:t>%</a:t>
-            </a:r>
-          </a:p>
-          <a:p>
-            <a:pPr>
-              <a:lnSpc>
-                <a:spcPct val="95000"/>
-              </a:lnSpc>
-              <a:spcBef>
-                <a:spcPts val="400"/>
-              </a:spcBef>
-              <a:spcAft>
-                <a:spcPts val="400"/>
-              </a:spcAft>
-            </a:pPr>
-            <a:r>
-              <a:rPr lang="en-US" dirty="0" smtClean="0"/>
-              <a:t>Bonuses</a:t>
-            </a:r>
-            <a:endParaRPr lang="en-US" dirty="0">
-              <a:solidFill>
-                <a:schemeClr val="accent5">
-                  <a:lumMod val="20000"/>
-                  <a:lumOff val="80000"/>
-                </a:schemeClr>
-              </a:solidFill>
-            </a:endParaRPr>
-          </a:p>
-          <a:p>
-            <a:pPr lvl="1">
-              <a:lnSpc>
-                <a:spcPct val="95000"/>
-              </a:lnSpc>
-              <a:spcBef>
-                <a:spcPts val="400"/>
-              </a:spcBef>
-              <a:spcAft>
-                <a:spcPts val="400"/>
-              </a:spcAft>
-            </a:pPr>
-            <a:r>
-              <a:rPr lang="en-US" dirty="0" smtClean="0">
-                <a:solidFill>
-                  <a:schemeClr val="accent5">
-                    <a:lumMod val="20000"/>
-                    <a:lumOff val="80000"/>
-                  </a:schemeClr>
-                </a:solidFill>
-              </a:rPr>
-              <a:t>Forums</a:t>
-            </a:r>
-            <a:r>
-              <a:rPr lang="en-US" dirty="0" smtClean="0"/>
-              <a:t> </a:t>
-            </a:r>
-            <a:r>
-              <a:rPr lang="en-US" dirty="0" smtClean="0">
-                <a:solidFill>
-                  <a:schemeClr val="accent5">
-                    <a:lumMod val="20000"/>
-                    <a:lumOff val="80000"/>
-                  </a:schemeClr>
-                </a:solidFill>
-              </a:rPr>
-              <a:t>activity</a:t>
-            </a:r>
-            <a:r>
-              <a:rPr lang="en-US" dirty="0" smtClean="0"/>
-              <a:t> – bonus up to </a:t>
-            </a:r>
-            <a:r>
-              <a:rPr lang="en-US" dirty="0" smtClean="0">
-                <a:solidFill>
-                  <a:schemeClr val="accent5">
-                    <a:lumMod val="20000"/>
-                    <a:lumOff val="80000"/>
-                  </a:schemeClr>
-                </a:solidFill>
-                <a:latin typeface="Consolas" pitchFamily="49" charset="0"/>
-                <a:cs typeface="Consolas" pitchFamily="49" charset="0"/>
-              </a:rPr>
-              <a:t>10</a:t>
-            </a:r>
-            <a:r>
-              <a:rPr lang="en-US" dirty="0" smtClean="0">
-                <a:solidFill>
-                  <a:schemeClr val="accent5">
-                    <a:lumMod val="20000"/>
-                    <a:lumOff val="80000"/>
-                  </a:schemeClr>
-                </a:solidFill>
-              </a:rPr>
-              <a:t>%</a:t>
-            </a:r>
-          </a:p>
-          <a:p>
-            <a:pPr lvl="1">
-              <a:lnSpc>
-                <a:spcPct val="95000"/>
-              </a:lnSpc>
-              <a:spcBef>
-                <a:spcPts val="400"/>
-              </a:spcBef>
-              <a:spcAft>
-                <a:spcPts val="400"/>
-              </a:spcAft>
-            </a:pPr>
-            <a:r>
-              <a:rPr lang="en-US" dirty="0" smtClean="0">
-                <a:solidFill>
-                  <a:schemeClr val="accent5">
-                    <a:lumMod val="20000"/>
-                    <a:lumOff val="80000"/>
-                  </a:schemeClr>
-                </a:solidFill>
-              </a:rPr>
-              <a:t>Helping</a:t>
-            </a:r>
-            <a:r>
-              <a:rPr lang="en-US" dirty="0" smtClean="0"/>
-              <a:t> new C# students – bonus</a:t>
-            </a:r>
-            <a:endParaRPr lang="en-US" dirty="0">
-              <a:solidFill>
-                <a:schemeClr val="accent5">
-                  <a:lumMod val="20000"/>
-                  <a:lumOff val="80000"/>
-                </a:schemeClr>
-              </a:solidFill>
-              <a:latin typeface="Consolas" pitchFamily="49" charset="0"/>
-              <a:cs typeface="Consolas" pitchFamily="49" charset="0"/>
-            </a:endParaRPr>
+              <a:rPr lang="en-US" dirty="0" smtClean="0"/>
+              <a:t>E-mail: </a:t>
+            </a:r>
+            <a:r>
+              <a:rPr lang="en-US" dirty="0" err="1" smtClean="0"/>
+              <a:t>evlogi.hristov</a:t>
+            </a:r>
+            <a:r>
+              <a:rPr lang="en-US" dirty="0" smtClean="0"/>
+              <a:t> [at] telerik.com</a:t>
+            </a:r>
           </a:p>
         </p:txBody>
       </p:sp>
       <p:sp>
         <p:nvSpPr>
-          <p:cNvPr id="6" name="Slide Number Placeholder 3"/>
+          <p:cNvPr id="4" name="Slide Number Placeholder 3"/>
           <p:cNvSpPr>
             <a:spLocks noGrp="1"/>
           </p:cNvSpPr>
@@ -8439,12 +7720,7 @@
             <p:ph type="sldNum" sz="quarter" idx="10"/>
           </p:nvPr>
         </p:nvSpPr>
-        <p:spPr>
-          <a:xfrm>
-            <a:off x="8610600" y="6553200"/>
-            <a:ext cx="457200" cy="228600"/>
-          </a:xfrm>
-        </p:spPr>
+        <p:spPr/>
         <p:txBody>
           <a:bodyPr/>
           <a:lstStyle/>
@@ -8452,8 +7728,11 @@
             <a:pPr>
               <a:defRPr/>
             </a:pPr>
-            <a:fld id="{65F6953F-1329-4013-BAA1-01481098A94E}" type="slidenum">
+            <a:fld id="{58452FF4-89E3-4D1B-9927-2DBDC00E58D7}" type="slidenum">
               <a:rPr lang="en-US" smtClean="0"/>
+              <a:pPr>
+                <a:defRPr/>
+              </a:pPr>
               <a:t>13</a:t>
             </a:fld>
             <a:endParaRPr lang="en-US" dirty="0"/>
@@ -8462,104 +7741,42 @@
       </p:sp>
       <p:pic>
         <p:nvPicPr>
-          <p:cNvPr id="12290" name="Picture 2" descr="http://us.123rf.com/400wm/400/400/ivelinradkov/ivelinradkov1108/ivelinradkov110800011/10309197-customer-service-evaluation-form-with-green-tick-on-excellent-with-felt-tip-pen.jpg"/>
+          <p:cNvPr id="6" name="Picture 5"/>
           <p:cNvPicPr>
-            <a:picLocks noChangeAspect="1" noChangeArrowheads="1"/>
-          </p:cNvPicPr>
-          <p:nvPr/>
-        </p:nvPicPr>
-        <p:blipFill rotWithShape="1">
-          <a:blip r:embed="rId2" cstate="screen">
-            <a:extLst>
-              <a:ext uri="{28A0092B-C50C-407E-A947-70E740481C1C}">
-                <a14:useLocalDpi xmlns:a14="http://schemas.microsoft.com/office/drawing/2010/main"/>
-              </a:ext>
-            </a:extLst>
-          </a:blip>
-          <a:srcRect/>
-          <a:stretch/>
-        </p:blipFill>
-        <p:spPr bwMode="auto">
-          <a:xfrm>
-            <a:off x="5867400" y="1371600"/>
-            <a:ext cx="2815922" cy="1404596"/>
-          </a:xfrm>
-          <a:prstGeom prst="rect">
-            <a:avLst/>
-          </a:prstGeom>
-          <a:noFill/>
-          <a:ln>
-            <a:solidFill>
-              <a:schemeClr val="accent5">
-                <a:lumMod val="20000"/>
-                <a:lumOff val="80000"/>
-              </a:schemeClr>
-            </a:solidFill>
-          </a:ln>
-          <a:extLst>
-            <a:ext uri="{909E8E84-426E-40DD-AFC4-6F175D3DCCD1}">
-              <a14:hiddenFill xmlns:a14="http://schemas.microsoft.com/office/drawing/2010/main">
-                <a:solidFill>
-                  <a:srgbClr val="FFFFFF"/>
-                </a:solidFill>
-              </a14:hiddenFill>
-            </a:ext>
-          </a:extLst>
-        </p:spPr>
-      </p:pic>
-      <p:pic>
-        <p:nvPicPr>
-          <p:cNvPr id="12292" name="Picture 4" descr="http://academy.telerik.com/images/default-album/telerik-software-academy-exam.jpg?sfvrsn=2"/>
-          <p:cNvPicPr>
-            <a:picLocks noChangeAspect="1" noChangeArrowheads="1"/>
+            <a:picLocks noChangeAspect="1"/>
           </p:cNvPicPr>
           <p:nvPr/>
         </p:nvPicPr>
         <p:blipFill>
-          <a:blip r:embed="rId3" cstate="screen">
-            <a:extLst>
-              <a:ext uri="{28A0092B-C50C-407E-A947-70E740481C1C}">
-                <a14:useLocalDpi xmlns:a14="http://schemas.microsoft.com/office/drawing/2010/main"/>
-              </a:ext>
-            </a:extLst>
-          </a:blip>
-          <a:srcRect/>
+          <a:blip r:embed="rId2"/>
           <a:stretch>
             <a:fillRect/>
           </a:stretch>
         </p:blipFill>
-        <p:spPr bwMode="auto">
+        <p:spPr>
           <a:xfrm>
-            <a:off x="7006922" y="4800600"/>
-            <a:ext cx="1676400" cy="1037273"/>
+            <a:off x="6620113" y="1170551"/>
+            <a:ext cx="1866900" cy="2390775"/>
           </a:xfrm>
           <a:prstGeom prst="rect">
             <a:avLst/>
           </a:prstGeom>
-          <a:noFill/>
           <a:ln>
-            <a:solidFill>
-              <a:schemeClr val="accent5">
-                <a:lumMod val="20000"/>
-                <a:lumOff val="80000"/>
-              </a:schemeClr>
-            </a:solidFill>
+            <a:noFill/>
           </a:ln>
-          <a:extLst>
-            <a:ext uri="{909E8E84-426E-40DD-AFC4-6F175D3DCCD1}">
-              <a14:hiddenFill xmlns:a14="http://schemas.microsoft.com/office/drawing/2010/main">
-                <a:solidFill>
-                  <a:srgbClr val="FFFFFF"/>
-                </a:solidFill>
-              </a14:hiddenFill>
-            </a:ext>
-          </a:extLst>
+          <a:effectLst>
+            <a:outerShdw blurRad="190500" algn="tl" rotWithShape="0">
+              <a:srgbClr val="000000">
+                <a:alpha val="70000"/>
+              </a:srgbClr>
+            </a:outerShdw>
+          </a:effectLst>
         </p:spPr>
       </p:pic>
     </p:spTree>
     <p:extLst>
       <p:ext uri="{BB962C8B-B14F-4D97-AF65-F5344CB8AC3E}">
-        <p14:creationId xmlns:p14="http://schemas.microsoft.com/office/powerpoint/2010/main" val="1015679300"/>
+        <p14:creationId xmlns:p14="http://schemas.microsoft.com/office/powerpoint/2010/main" val="198671242"/>
       </p:ext>
     </p:extLst>
   </p:cSld>
@@ -8595,22 +7812,27 @@
       </p:grpSpPr>
       <p:sp>
         <p:nvSpPr>
-          <p:cNvPr id="2" name="Title 1"/>
+          <p:cNvPr id="4" name="Title 3"/>
           <p:cNvSpPr>
             <a:spLocks noGrp="1"/>
           </p:cNvSpPr>
           <p:nvPr>
-            <p:ph type="title"/>
+            <p:ph type="ctrTitle"/>
           </p:nvPr>
         </p:nvSpPr>
-        <p:spPr/>
+        <p:spPr>
+          <a:xfrm>
+            <a:off x="381000" y="1524000"/>
+            <a:ext cx="5029200" cy="685800"/>
+          </a:xfrm>
+        </p:spPr>
         <p:txBody>
           <a:bodyPr/>
           <a:lstStyle/>
           <a:p>
             <a:r>
               <a:rPr lang="en-US" dirty="0" smtClean="0"/>
-              <a:t>Pass / Excellence / Fail Criteria</a:t>
+              <a:t>Evaluation </a:t>
             </a:r>
             <a:endParaRPr lang="en-US" dirty="0"/>
           </a:p>
@@ -8618,180 +7840,35 @@
       </p:sp>
       <p:sp>
         <p:nvSpPr>
-          <p:cNvPr id="3" name="Content Placeholder 2"/>
+          <p:cNvPr id="5" name="Subtitle 4"/>
           <p:cNvSpPr>
             <a:spLocks noGrp="1"/>
           </p:cNvSpPr>
           <p:nvPr>
-            <p:ph idx="1"/>
+            <p:ph type="subTitle" idx="1"/>
           </p:nvPr>
         </p:nvSpPr>
         <p:spPr>
           <a:xfrm>
-            <a:off x="228600" y="990600"/>
-            <a:ext cx="8686800" cy="5715000"/>
+            <a:off x="381000" y="2402680"/>
+            <a:ext cx="5029200" cy="569120"/>
           </a:xfrm>
         </p:spPr>
         <p:txBody>
           <a:bodyPr/>
           <a:lstStyle/>
           <a:p>
-            <a:pPr marL="282575" lvl="1" indent="-282575">
-              <a:buClr>
-                <a:schemeClr val="accent5">
-                  <a:lumMod val="40000"/>
-                  <a:lumOff val="60000"/>
-                </a:schemeClr>
-              </a:buClr>
-              <a:buSzPct val="70000"/>
-              <a:buFont typeface="Wingdings 2" pitchFamily="18" charset="2"/>
-              <a:buChar char=""/>
-              <a:tabLst>
-                <a:tab pos="282575" algn="l"/>
-              </a:tabLst>
-            </a:pPr>
-            <a:r>
-              <a:rPr lang="en-US" sz="3200" dirty="0" smtClean="0"/>
-              <a:t>Criteria for pass / pass with excellence / fail</a:t>
-            </a:r>
-          </a:p>
-          <a:p>
-            <a:pPr marL="574675" lvl="2" indent="-282575">
-              <a:buClr>
-                <a:schemeClr val="accent5">
-                  <a:lumMod val="40000"/>
-                  <a:lumOff val="60000"/>
-                </a:schemeClr>
-              </a:buClr>
-              <a:buSzPct val="70000"/>
-              <a:buFont typeface="Wingdings 2" pitchFamily="18" charset="2"/>
-              <a:buChar char=""/>
-              <a:tabLst>
-                <a:tab pos="282575" algn="l"/>
-              </a:tabLst>
-            </a:pPr>
-            <a:r>
-              <a:rPr lang="en-US" dirty="0" smtClean="0">
-                <a:solidFill>
-                  <a:schemeClr val="accent5">
-                    <a:lumMod val="20000"/>
-                    <a:lumOff val="80000"/>
-                  </a:schemeClr>
-                </a:solidFill>
-              </a:rPr>
-              <a:t>Pass </a:t>
-            </a:r>
-            <a:r>
-              <a:rPr lang="en-US" dirty="0">
-                <a:solidFill>
-                  <a:schemeClr val="accent5">
-                    <a:lumMod val="20000"/>
-                    <a:lumOff val="80000"/>
-                  </a:schemeClr>
-                </a:solidFill>
-              </a:rPr>
-              <a:t>with excellence</a:t>
-            </a:r>
-          </a:p>
-          <a:p>
-            <a:pPr lvl="2"/>
-            <a:r>
-              <a:rPr lang="en-US" dirty="0" smtClean="0"/>
-              <a:t>Very high exam results</a:t>
-            </a:r>
-          </a:p>
-          <a:p>
-            <a:pPr marL="649288" lvl="2" indent="0">
-              <a:buNone/>
-            </a:pPr>
-            <a:r>
-              <a:rPr lang="en-US" dirty="0" smtClean="0"/>
-              <a:t>	  or</a:t>
-            </a:r>
-          </a:p>
-          <a:p>
-            <a:pPr lvl="2"/>
-            <a:r>
-              <a:rPr lang="en-US" dirty="0" smtClean="0"/>
-              <a:t>High total results</a:t>
-            </a:r>
-          </a:p>
-          <a:p>
-            <a:pPr lvl="1"/>
-            <a:r>
-              <a:rPr lang="en-US" dirty="0" smtClean="0">
-                <a:solidFill>
-                  <a:schemeClr val="accent5">
-                    <a:lumMod val="20000"/>
-                    <a:lumOff val="80000"/>
-                  </a:schemeClr>
-                </a:solidFill>
-              </a:rPr>
-              <a:t>Pass</a:t>
-            </a:r>
-          </a:p>
-          <a:p>
-            <a:pPr lvl="2"/>
-            <a:r>
-              <a:rPr lang="en-US" dirty="0" smtClean="0"/>
-              <a:t>Average total results</a:t>
-            </a:r>
-          </a:p>
-          <a:p>
-            <a:pPr lvl="1"/>
-            <a:r>
-              <a:rPr lang="en-US" dirty="0" smtClean="0">
-                <a:solidFill>
-                  <a:schemeClr val="accent5">
-                    <a:lumMod val="20000"/>
-                    <a:lumOff val="80000"/>
-                  </a:schemeClr>
-                </a:solidFill>
-              </a:rPr>
-              <a:t>Fail</a:t>
-            </a:r>
-          </a:p>
-          <a:p>
-            <a:pPr lvl="2"/>
-            <a:r>
-              <a:rPr lang="en-US" dirty="0" smtClean="0"/>
-              <a:t>Low total results or low exam results</a:t>
-            </a:r>
-          </a:p>
-        </p:txBody>
-      </p:sp>
-      <p:sp>
-        <p:nvSpPr>
-          <p:cNvPr id="4" name="Slide Number Placeholder 3"/>
-          <p:cNvSpPr>
-            <a:spLocks noGrp="1"/>
-          </p:cNvSpPr>
-          <p:nvPr>
-            <p:ph type="sldNum" sz="quarter" idx="10"/>
-          </p:nvPr>
-        </p:nvSpPr>
-        <p:spPr/>
-        <p:txBody>
-          <a:bodyPr/>
-          <a:lstStyle/>
-          <a:p>
-            <a:pPr>
-              <a:defRPr/>
-            </a:pPr>
-            <a:fld id="{58452FF4-89E3-4D1B-9927-2DBDC00E58D7}" type="slidenum">
-              <a:rPr lang="en-US" smtClean="0"/>
-              <a:pPr>
-                <a:defRPr/>
-              </a:pPr>
-              <a:t>14</a:t>
-            </a:fld>
+            <a:r>
+              <a:rPr lang="en-US" dirty="0" smtClean="0"/>
+              <a:t>Thank God There Are Bonuses!</a:t>
+            </a:r>
             <a:endParaRPr lang="en-US" dirty="0"/>
           </a:p>
         </p:txBody>
       </p:sp>
       <p:pic>
         <p:nvPicPr>
-          <p:cNvPr id="6146" name="Picture 2" descr="haken, installed, ok, package, richtig, right, tick, updated icon"/>
+          <p:cNvPr id="10242" name="Picture 2"/>
           <p:cNvPicPr>
             <a:picLocks noChangeAspect="1" noChangeArrowheads="1"/>
           </p:cNvPicPr>
@@ -8812,86 +7889,52 @@
         </p:blipFill>
         <p:spPr bwMode="auto">
           <a:xfrm>
-            <a:off x="5029200" y="4190999"/>
-            <a:ext cx="1219200" cy="1219201"/>
+            <a:off x="1219200" y="3962400"/>
+            <a:ext cx="1842502" cy="2076151"/>
           </a:xfrm>
           <a:prstGeom prst="rect">
             <a:avLst/>
           </a:prstGeom>
           <a:noFill/>
+          <a:ln>
+            <a:noFill/>
+          </a:ln>
           <a:effectLst>
-            <a:outerShdw blurRad="101600" sx="102000" sy="102000" algn="ctr" rotWithShape="0">
-              <a:schemeClr val="tx2">
-                <a:lumMod val="60000"/>
-                <a:lumOff val="40000"/>
-                <a:alpha val="70000"/>
+            <a:glow rad="63500">
+              <a:schemeClr val="accent5">
+                <a:satMod val="175000"/>
+                <a:alpha val="40000"/>
               </a:schemeClr>
+            </a:glow>
+            <a:outerShdw dist="35921" dir="2700000" algn="ctr" rotWithShape="0">
+              <a:schemeClr val="bg2"/>
             </a:outerShdw>
+            <a:softEdge rad="31750"/>
           </a:effectLst>
           <a:extLst>
             <a:ext uri="{909E8E84-426E-40DD-AFC4-6F175D3DCCD1}">
               <a14:hiddenFill xmlns:a14="http://schemas.microsoft.com/office/drawing/2010/main">
                 <a:solidFill>
-                  <a:srgbClr val="FFFFFF"/>
+                  <a:schemeClr val="accent1"/>
                 </a:solidFill>
               </a14:hiddenFill>
+            </a:ext>
+            <a:ext uri="{91240B29-F687-4F45-9708-019B960494DF}">
+              <a14:hiddenLine xmlns:a14="http://schemas.microsoft.com/office/drawing/2010/main" w="9525">
+                <a:solidFill>
+                  <a:schemeClr val="tx1"/>
+                </a:solidFill>
+                <a:miter lim="800000"/>
+                <a:headEnd/>
+                <a:tailEnd/>
+              </a14:hiddenLine>
             </a:ext>
           </a:extLst>
         </p:spPr>
       </p:pic>
       <p:pic>
         <p:nvPicPr>
-          <p:cNvPr id="6148" name="Picture 4" descr="haken, installed, ok, package, richtig, right, tick, updated icon"/>
-          <p:cNvPicPr>
-            <a:picLocks noChangeAspect="1" noChangeArrowheads="1"/>
-          </p:cNvPicPr>
-          <p:nvPr/>
-        </p:nvPicPr>
-        <p:blipFill>
-          <a:blip r:embed="rId2">
-            <a:extLst>
-              <a:ext uri="{28A0092B-C50C-407E-A947-70E740481C1C}">
-                <a14:useLocalDpi xmlns:a14="http://schemas.microsoft.com/office/drawing/2010/main"/>
-              </a:ext>
-            </a:extLst>
-          </a:blip>
-          <a:srcRect/>
-          <a:stretch>
-            <a:fillRect/>
-          </a:stretch>
-        </p:blipFill>
-        <p:spPr bwMode="auto">
-          <a:xfrm>
-            <a:off x="6267450" y="1905000"/>
-            <a:ext cx="2019300" cy="2019300"/>
-          </a:xfrm>
-          <a:prstGeom prst="rect">
-            <a:avLst/>
-          </a:prstGeom>
-          <a:noFill/>
-          <a:effectLst>
-            <a:glow rad="266700">
-              <a:schemeClr val="tx2">
-                <a:lumMod val="60000"/>
-                <a:lumOff val="40000"/>
-                <a:alpha val="60000"/>
-              </a:schemeClr>
-            </a:glow>
-          </a:effectLst>
-          <a:extLst>
-            <a:ext uri="{909E8E84-426E-40DD-AFC4-6F175D3DCCD1}">
-              <a14:hiddenFill xmlns:a14="http://schemas.microsoft.com/office/drawing/2010/main">
-                <a:solidFill>
-                  <a:srgbClr val="FFFFFF"/>
-                </a:solidFill>
-              </a14:hiddenFill>
-            </a:ext>
-          </a:extLst>
-        </p:spPr>
-      </p:pic>
-      <p:pic>
-        <p:nvPicPr>
-          <p:cNvPr id="6150" name="Picture 6" descr="approve, block, cancel, delete, reject icon"/>
+          <p:cNvPr id="10245" name="Picture 5"/>
           <p:cNvPicPr>
             <a:picLocks noChangeAspect="1" noChangeArrowheads="1"/>
           </p:cNvPicPr>
@@ -8912,20 +7955,186 @@
         </p:blipFill>
         <p:spPr bwMode="auto">
           <a:xfrm>
-            <a:off x="7239000" y="5334000"/>
-            <a:ext cx="1143000" cy="1143000"/>
+            <a:off x="5736771" y="762000"/>
+            <a:ext cx="2634342" cy="2712064"/>
+          </a:xfrm>
+          <a:prstGeom prst="roundRect">
+            <a:avLst>
+              <a:gd name="adj" fmla="val 7163"/>
+            </a:avLst>
+          </a:prstGeom>
+          <a:noFill/>
+          <a:ln w="19050">
+            <a:solidFill>
+              <a:schemeClr val="accent3">
+                <a:lumMod val="60000"/>
+                <a:lumOff val="40000"/>
+              </a:schemeClr>
+            </a:solidFill>
+            <a:miter lim="800000"/>
+            <a:headEnd/>
+            <a:tailEnd/>
+          </a:ln>
+          <a:effectLst/>
+          <a:extLst>
+            <a:ext uri="{909E8E84-426E-40DD-AFC4-6F175D3DCCD1}">
+              <a14:hiddenFill xmlns:a14="http://schemas.microsoft.com/office/drawing/2010/main">
+                <a:solidFill>
+                  <a:schemeClr val="accent1"/>
+                </a:solidFill>
+              </a14:hiddenFill>
+            </a:ext>
+            <a:ext uri="{AF507438-7753-43E0-B8FC-AC1667EBCBE1}">
+              <a14:hiddenEffects xmlns:a14="http://schemas.microsoft.com/office/drawing/2010/main">
+                <a:effectLst>
+                  <a:outerShdw dist="35921" dir="2700000" algn="ctr" rotWithShape="0">
+                    <a:schemeClr val="bg2"/>
+                  </a:outerShdw>
+                </a:effectLst>
+              </a14:hiddenEffects>
+            </a:ext>
+          </a:extLst>
+        </p:spPr>
+      </p:pic>
+      <p:pic>
+        <p:nvPicPr>
+          <p:cNvPr id="10247" name="Picture 7" descr="http://images.yourdictionary.com/images/definitions/lg/evaluation.jpg"/>
+          <p:cNvPicPr>
+            <a:picLocks noChangeAspect="1" noChangeArrowheads="1"/>
+          </p:cNvPicPr>
+          <p:nvPr/>
+        </p:nvPicPr>
+        <p:blipFill>
+          <a:blip r:embed="rId4">
+            <a:extLst>
+              <a:ext uri="{28A0092B-C50C-407E-A947-70E740481C1C}">
+                <a14:useLocalDpi xmlns:a14="http://schemas.microsoft.com/office/drawing/2010/main"/>
+              </a:ext>
+            </a:extLst>
+          </a:blip>
+          <a:srcRect/>
+          <a:stretch>
+            <a:fillRect/>
+          </a:stretch>
+        </p:blipFill>
+        <p:spPr bwMode="auto">
+          <a:xfrm>
+            <a:off x="4572000" y="3994172"/>
+            <a:ext cx="3799114" cy="2113651"/>
+          </a:xfrm>
+          <a:prstGeom prst="roundRect">
+            <a:avLst>
+              <a:gd name="adj" fmla="val 7163"/>
+            </a:avLst>
+          </a:prstGeom>
+          <a:noFill/>
+          <a:ln w="19050">
+            <a:solidFill>
+              <a:schemeClr val="accent5">
+                <a:lumMod val="75000"/>
+              </a:schemeClr>
+            </a:solidFill>
+            <a:miter lim="800000"/>
+            <a:headEnd/>
+            <a:tailEnd/>
+          </a:ln>
+          <a:effectLst/>
+          <a:extLst>
+            <a:ext uri="{909E8E84-426E-40DD-AFC4-6F175D3DCCD1}">
+              <a14:hiddenFill xmlns:a14="http://schemas.microsoft.com/office/drawing/2010/main">
+                <a:solidFill>
+                  <a:srgbClr val="FFFFFF"/>
+                </a:solidFill>
+              </a14:hiddenFill>
+            </a:ext>
+          </a:extLst>
+        </p:spPr>
+      </p:pic>
+      <p:pic>
+        <p:nvPicPr>
+          <p:cNvPr id="7" name="Picture 2" descr="http://www.windward.net/images/csharplogo.png"/>
+          <p:cNvPicPr>
+            <a:picLocks noChangeAspect="1" noChangeArrowheads="1"/>
+          </p:cNvPicPr>
+          <p:nvPr/>
+        </p:nvPicPr>
+        <p:blipFill>
+          <a:blip r:embed="rId5" cstate="screen">
+            <a:duotone>
+              <a:prstClr val="black"/>
+              <a:schemeClr val="accent6">
+                <a:tint val="45000"/>
+                <a:satMod val="400000"/>
+              </a:schemeClr>
+            </a:duotone>
+            <a:extLst>
+              <a:ext uri="{28A0092B-C50C-407E-A947-70E740481C1C}">
+                <a14:useLocalDpi xmlns:a14="http://schemas.microsoft.com/office/drawing/2010/main"/>
+              </a:ext>
+            </a:extLst>
+          </a:blip>
+          <a:srcRect/>
+          <a:stretch>
+            <a:fillRect/>
+          </a:stretch>
+        </p:blipFill>
+        <p:spPr bwMode="auto">
+          <a:xfrm>
+            <a:off x="4659085" y="4051948"/>
+            <a:ext cx="1055915" cy="672452"/>
           </a:xfrm>
           <a:prstGeom prst="rect">
             <a:avLst/>
           </a:prstGeom>
           <a:noFill/>
-          <a:effectLst>
-            <a:outerShdw blurRad="101600" sx="102000" sy="102000" algn="ctr" rotWithShape="0">
-              <a:srgbClr val="FF3300">
-                <a:alpha val="69804"/>
-              </a:srgbClr>
-            </a:outerShdw>
-          </a:effectLst>
+          <a:extLst>
+            <a:ext uri="{909E8E84-426E-40DD-AFC4-6F175D3DCCD1}">
+              <a14:hiddenFill xmlns:a14="http://schemas.microsoft.com/office/drawing/2010/main">
+                <a:solidFill>
+                  <a:srgbClr val="FFFFFF"/>
+                </a:solidFill>
+              </a14:hiddenFill>
+            </a:ext>
+          </a:extLst>
+        </p:spPr>
+      </p:pic>
+      <p:pic>
+        <p:nvPicPr>
+          <p:cNvPr id="8" name="Picture 2" descr="http://www.windward.net/images/csharplogo.png"/>
+          <p:cNvPicPr>
+            <a:picLocks noChangeAspect="1" noChangeArrowheads="1"/>
+          </p:cNvPicPr>
+          <p:nvPr/>
+        </p:nvPicPr>
+        <p:blipFill>
+          <a:blip r:embed="rId6" cstate="screen">
+            <a:duotone>
+              <a:prstClr val="black"/>
+              <a:schemeClr val="accent3">
+                <a:tint val="45000"/>
+                <a:satMod val="400000"/>
+              </a:schemeClr>
+            </a:duotone>
+            <a:extLst>
+              <a:ext uri="{28A0092B-C50C-407E-A947-70E740481C1C}">
+                <a14:useLocalDpi xmlns:a14="http://schemas.microsoft.com/office/drawing/2010/main"/>
+              </a:ext>
+            </a:extLst>
+          </a:blip>
+          <a:srcRect/>
+          <a:stretch>
+            <a:fillRect/>
+          </a:stretch>
+        </p:blipFill>
+        <p:spPr bwMode="auto">
+          <a:xfrm>
+            <a:off x="5802086" y="2862944"/>
+            <a:ext cx="925660" cy="589500"/>
+          </a:xfrm>
+          <a:prstGeom prst="rect">
+            <a:avLst/>
+          </a:prstGeom>
+          <a:noFill/>
           <a:extLst>
             <a:ext uri="{909E8E84-426E-40DD-AFC4-6F175D3DCCD1}">
               <a14:hiddenFill xmlns:a14="http://schemas.microsoft.com/office/drawing/2010/main">
@@ -8940,7 +8149,7 @@
     </p:spTree>
     <p:extLst>
       <p:ext uri="{BB962C8B-B14F-4D97-AF65-F5344CB8AC3E}">
-        <p14:creationId xmlns:p14="http://schemas.microsoft.com/office/powerpoint/2010/main" val="4024637459"/>
+        <p14:creationId xmlns:p14="http://schemas.microsoft.com/office/powerpoint/2010/main" val="832846619"/>
       </p:ext>
     </p:extLst>
   </p:cSld>
@@ -8976,7 +8185,7 @@
       </p:grpSpPr>
       <p:sp>
         <p:nvSpPr>
-          <p:cNvPr id="2" name="Title 1"/>
+          <p:cNvPr id="4" name="Title 3"/>
           <p:cNvSpPr>
             <a:spLocks noGrp="1"/>
           </p:cNvSpPr>
@@ -8991,7 +8200,7 @@
           <a:p>
             <a:r>
               <a:rPr lang="en-US" dirty="0" smtClean="0"/>
-              <a:t>Homework Peer Reviews</a:t>
+              <a:t>Databases – Evaluation</a:t>
             </a:r>
             <a:endParaRPr lang="en-US" dirty="0"/>
           </a:p>
@@ -8999,7 +8208,7 @@
       </p:sp>
       <p:sp>
         <p:nvSpPr>
-          <p:cNvPr id="3" name="Content Placeholder 2"/>
+          <p:cNvPr id="5" name="Content Placeholder 4"/>
           <p:cNvSpPr>
             <a:spLocks noGrp="1"/>
           </p:cNvSpPr>
@@ -9009,8 +8218,8 @@
         </p:nvSpPr>
         <p:spPr>
           <a:xfrm>
-            <a:off x="228600" y="914400"/>
-            <a:ext cx="8686800" cy="5791200"/>
+            <a:off x="228600" y="762000"/>
+            <a:ext cx="8763000" cy="5867400"/>
           </a:xfrm>
         </p:spPr>
         <p:txBody>
@@ -9021,11 +8230,38 @@
               <a:lnSpc>
                 <a:spcPct val="95000"/>
               </a:lnSpc>
+              <a:spcBef>
+                <a:spcPts val="400"/>
+              </a:spcBef>
+              <a:spcAft>
+                <a:spcPts val="400"/>
+              </a:spcAft>
             </a:pPr>
             <a:r>
               <a:rPr lang="en-US" dirty="0" smtClean="0"/>
-              <a:t>Everyone will </a:t>
-            </a:r>
+              <a:t>Evaluation components</a:t>
+            </a:r>
+            <a:endParaRPr lang="en-US" dirty="0">
+              <a:solidFill>
+                <a:schemeClr val="accent5">
+                  <a:lumMod val="20000"/>
+                  <a:lumOff val="80000"/>
+                </a:schemeClr>
+              </a:solidFill>
+            </a:endParaRPr>
+          </a:p>
+          <a:p>
+            <a:pPr lvl="1">
+              <a:lnSpc>
+                <a:spcPct val="95000"/>
+              </a:lnSpc>
+              <a:spcBef>
+                <a:spcPts val="400"/>
+              </a:spcBef>
+              <a:spcAft>
+                <a:spcPts val="400"/>
+              </a:spcAft>
+            </a:pPr>
             <a:r>
               <a:rPr lang="en-US" dirty="0" smtClean="0">
                 <a:solidFill>
@@ -9035,11 +8271,358 @@
                   </a:schemeClr>
                 </a:solidFill>
               </a:rPr>
-              <a:t>get feedback </a:t>
-            </a:r>
-            <a:r>
-              <a:rPr lang="en-US" dirty="0" smtClean="0"/>
-              <a:t>for their homework</a:t>
+              <a:t>Practical exam</a:t>
+            </a:r>
+            <a:r>
+              <a:rPr lang="en-US" dirty="0" smtClean="0"/>
+              <a:t> </a:t>
+            </a:r>
+            <a:r>
+              <a:rPr lang="en-US" dirty="0"/>
+              <a:t>– </a:t>
+            </a:r>
+            <a:r>
+              <a:rPr lang="en-US" dirty="0" smtClean="0">
+                <a:solidFill>
+                  <a:schemeClr val="accent5">
+                    <a:lumMod val="20000"/>
+                    <a:lumOff val="80000"/>
+                  </a:schemeClr>
+                </a:solidFill>
+                <a:latin typeface="Consolas" pitchFamily="49" charset="0"/>
+                <a:cs typeface="Consolas" pitchFamily="49" charset="0"/>
+              </a:rPr>
+              <a:t>55</a:t>
+            </a:r>
+            <a:r>
+              <a:rPr lang="en-US" dirty="0" smtClean="0">
+                <a:solidFill>
+                  <a:schemeClr val="accent5">
+                    <a:lumMod val="20000"/>
+                    <a:lumOff val="80000"/>
+                  </a:schemeClr>
+                </a:solidFill>
+              </a:rPr>
+              <a:t>%</a:t>
+            </a:r>
+          </a:p>
+          <a:p>
+            <a:pPr lvl="2">
+              <a:lnSpc>
+                <a:spcPct val="95000"/>
+              </a:lnSpc>
+              <a:spcBef>
+                <a:spcPts val="400"/>
+              </a:spcBef>
+              <a:spcAft>
+                <a:spcPts val="400"/>
+              </a:spcAft>
+            </a:pPr>
+            <a:r>
+              <a:rPr lang="en-US" dirty="0" smtClean="0">
+                <a:solidFill>
+                  <a:schemeClr val="accent5">
+                    <a:lumMod val="20000"/>
+                    <a:lumOff val="80000"/>
+                  </a:schemeClr>
+                </a:solidFill>
+              </a:rPr>
+              <a:t>Peer review – 10 exams</a:t>
+            </a:r>
+          </a:p>
+          <a:p>
+            <a:pPr lvl="1">
+              <a:lnSpc>
+                <a:spcPct val="95000"/>
+              </a:lnSpc>
+              <a:spcBef>
+                <a:spcPts val="400"/>
+              </a:spcBef>
+              <a:spcAft>
+                <a:spcPts val="400"/>
+              </a:spcAft>
+            </a:pPr>
+            <a:r>
+              <a:rPr lang="en-US" dirty="0" smtClean="0">
+                <a:solidFill>
+                  <a:schemeClr val="accent5">
+                    <a:lumMod val="20000"/>
+                    <a:lumOff val="80000"/>
+                  </a:schemeClr>
+                </a:solidFill>
+              </a:rPr>
+              <a:t>Teamwork</a:t>
+            </a:r>
+            <a:r>
+              <a:rPr lang="en-US" dirty="0"/>
+              <a:t> – </a:t>
+            </a:r>
+            <a:r>
+              <a:rPr lang="en-US" dirty="0">
+                <a:solidFill>
+                  <a:schemeClr val="accent5">
+                    <a:lumMod val="20000"/>
+                    <a:lumOff val="80000"/>
+                  </a:schemeClr>
+                </a:solidFill>
+                <a:latin typeface="Consolas" pitchFamily="49" charset="0"/>
+                <a:cs typeface="Consolas" pitchFamily="49" charset="0"/>
+              </a:rPr>
+              <a:t>20%</a:t>
+            </a:r>
+          </a:p>
+          <a:p>
+            <a:pPr lvl="1">
+              <a:lnSpc>
+                <a:spcPct val="95000"/>
+              </a:lnSpc>
+              <a:spcBef>
+                <a:spcPts val="400"/>
+              </a:spcBef>
+              <a:spcAft>
+                <a:spcPts val="400"/>
+              </a:spcAft>
+            </a:pPr>
+            <a:r>
+              <a:rPr lang="en-US" dirty="0">
+                <a:solidFill>
+                  <a:schemeClr val="accent5">
+                    <a:lumMod val="20000"/>
+                    <a:lumOff val="80000"/>
+                  </a:schemeClr>
+                </a:solidFill>
+              </a:rPr>
+              <a:t>Homework</a:t>
+            </a:r>
+            <a:r>
+              <a:rPr lang="en-US" dirty="0"/>
+              <a:t> – </a:t>
+            </a:r>
+            <a:r>
+              <a:rPr lang="en-US" dirty="0" smtClean="0">
+                <a:solidFill>
+                  <a:schemeClr val="accent5">
+                    <a:lumMod val="20000"/>
+                    <a:lumOff val="80000"/>
+                  </a:schemeClr>
+                </a:solidFill>
+                <a:latin typeface="Consolas" pitchFamily="49" charset="0"/>
+                <a:cs typeface="Consolas" pitchFamily="49" charset="0"/>
+              </a:rPr>
+              <a:t>10</a:t>
+            </a:r>
+            <a:r>
+              <a:rPr lang="en-US" dirty="0" smtClean="0">
+                <a:solidFill>
+                  <a:schemeClr val="accent5">
+                    <a:lumMod val="20000"/>
+                    <a:lumOff val="80000"/>
+                  </a:schemeClr>
+                </a:solidFill>
+              </a:rPr>
+              <a:t>%</a:t>
+            </a:r>
+            <a:endParaRPr lang="en-US" dirty="0">
+              <a:solidFill>
+                <a:schemeClr val="accent5">
+                  <a:lumMod val="20000"/>
+                  <a:lumOff val="80000"/>
+                </a:schemeClr>
+              </a:solidFill>
+            </a:endParaRPr>
+          </a:p>
+          <a:p>
+            <a:pPr lvl="1">
+              <a:lnSpc>
+                <a:spcPct val="95000"/>
+              </a:lnSpc>
+              <a:spcBef>
+                <a:spcPts val="400"/>
+              </a:spcBef>
+              <a:spcAft>
+                <a:spcPts val="400"/>
+              </a:spcAft>
+            </a:pPr>
+            <a:r>
+              <a:rPr lang="en-US" dirty="0"/>
+              <a:t>Homework </a:t>
+            </a:r>
+            <a:r>
+              <a:rPr lang="en-US" dirty="0">
+                <a:solidFill>
+                  <a:schemeClr val="accent5">
+                    <a:lumMod val="20000"/>
+                    <a:lumOff val="80000"/>
+                  </a:schemeClr>
+                </a:solidFill>
+              </a:rPr>
+              <a:t>evaluation </a:t>
+            </a:r>
+            <a:r>
+              <a:rPr lang="en-US" dirty="0" smtClean="0"/>
+              <a:t>– </a:t>
+            </a:r>
+            <a:r>
+              <a:rPr lang="en-US" dirty="0">
+                <a:solidFill>
+                  <a:schemeClr val="accent5">
+                    <a:lumMod val="20000"/>
+                    <a:lumOff val="80000"/>
+                  </a:schemeClr>
+                </a:solidFill>
+                <a:latin typeface="Consolas" pitchFamily="49" charset="0"/>
+                <a:cs typeface="Consolas" pitchFamily="49" charset="0"/>
+              </a:rPr>
+              <a:t>5</a:t>
+            </a:r>
+            <a:r>
+              <a:rPr lang="en-US" dirty="0" smtClean="0">
+                <a:solidFill>
+                  <a:schemeClr val="accent5">
+                    <a:lumMod val="20000"/>
+                    <a:lumOff val="80000"/>
+                  </a:schemeClr>
+                </a:solidFill>
+              </a:rPr>
+              <a:t>%</a:t>
+            </a:r>
+          </a:p>
+          <a:p>
+            <a:pPr lvl="2">
+              <a:lnSpc>
+                <a:spcPct val="95000"/>
+              </a:lnSpc>
+              <a:spcBef>
+                <a:spcPts val="400"/>
+              </a:spcBef>
+              <a:spcAft>
+                <a:spcPts val="400"/>
+              </a:spcAft>
+            </a:pPr>
+            <a:r>
+              <a:rPr lang="en-US" dirty="0" smtClean="0">
+                <a:solidFill>
+                  <a:schemeClr val="tx1">
+                    <a:lumMod val="40000"/>
+                    <a:lumOff val="60000"/>
+                  </a:schemeClr>
+                </a:solidFill>
+                <a:latin typeface="Consolas" panose="020B0609020204030204" pitchFamily="49" charset="0"/>
+                <a:cs typeface="Consolas" panose="020B0609020204030204" pitchFamily="49" charset="0"/>
+              </a:rPr>
+              <a:t>3</a:t>
+            </a:r>
+            <a:r>
+              <a:rPr lang="en-US" dirty="0" smtClean="0">
+                <a:solidFill>
+                  <a:schemeClr val="tx1">
+                    <a:lumMod val="40000"/>
+                    <a:lumOff val="60000"/>
+                  </a:schemeClr>
+                </a:solidFill>
+              </a:rPr>
+              <a:t> peer </a:t>
+            </a:r>
+            <a:r>
+              <a:rPr lang="en-US" dirty="0">
+                <a:solidFill>
+                  <a:schemeClr val="tx1">
+                    <a:lumMod val="40000"/>
+                    <a:lumOff val="60000"/>
+                  </a:schemeClr>
+                </a:solidFill>
+              </a:rPr>
+              <a:t>reviews </a:t>
+            </a:r>
+            <a:r>
+              <a:rPr lang="en-US" dirty="0" smtClean="0">
+                <a:solidFill>
+                  <a:schemeClr val="tx1">
+                    <a:lumMod val="40000"/>
+                    <a:lumOff val="60000"/>
+                  </a:schemeClr>
+                </a:solidFill>
+              </a:rPr>
+              <a:t>per homework (excellent, OK, bad)</a:t>
+            </a:r>
+            <a:endParaRPr lang="en-US" dirty="0">
+              <a:solidFill>
+                <a:schemeClr val="tx1">
+                  <a:lumMod val="40000"/>
+                  <a:lumOff val="60000"/>
+                </a:schemeClr>
+              </a:solidFill>
+            </a:endParaRPr>
+          </a:p>
+          <a:p>
+            <a:pPr lvl="1">
+              <a:lnSpc>
+                <a:spcPct val="95000"/>
+              </a:lnSpc>
+              <a:spcBef>
+                <a:spcPts val="400"/>
+              </a:spcBef>
+              <a:spcAft>
+                <a:spcPts val="400"/>
+              </a:spcAft>
+            </a:pPr>
+            <a:r>
+              <a:rPr lang="en-US" dirty="0" smtClean="0">
+                <a:solidFill>
+                  <a:schemeClr val="accent5">
+                    <a:lumMod val="20000"/>
+                    <a:lumOff val="80000"/>
+                  </a:schemeClr>
+                </a:solidFill>
+              </a:rPr>
+              <a:t>Attendance</a:t>
+            </a:r>
+            <a:r>
+              <a:rPr lang="bg-BG" dirty="0" smtClean="0"/>
+              <a:t> </a:t>
+            </a:r>
+            <a:r>
+              <a:rPr lang="en-US" dirty="0" smtClean="0"/>
+              <a:t>in class</a:t>
+            </a:r>
+            <a:r>
+              <a:rPr lang="en-US" dirty="0" smtClean="0">
+                <a:solidFill>
+                  <a:schemeClr val="accent5">
+                    <a:lumMod val="20000"/>
+                    <a:lumOff val="80000"/>
+                  </a:schemeClr>
+                </a:solidFill>
+              </a:rPr>
+              <a:t> </a:t>
+            </a:r>
+            <a:r>
+              <a:rPr lang="en-US" dirty="0"/>
+              <a:t>– </a:t>
+            </a:r>
+            <a:r>
+              <a:rPr lang="en-US" dirty="0">
+                <a:solidFill>
+                  <a:schemeClr val="accent5">
+                    <a:lumMod val="20000"/>
+                    <a:lumOff val="80000"/>
+                  </a:schemeClr>
+                </a:solidFill>
+                <a:latin typeface="Consolas" pitchFamily="49" charset="0"/>
+                <a:cs typeface="Consolas" pitchFamily="49" charset="0"/>
+              </a:rPr>
+              <a:t>10</a:t>
+            </a:r>
+            <a:r>
+              <a:rPr lang="en-US" dirty="0" smtClean="0">
+                <a:solidFill>
+                  <a:schemeClr val="accent5">
+                    <a:lumMod val="20000"/>
+                    <a:lumOff val="80000"/>
+                  </a:schemeClr>
+                </a:solidFill>
+              </a:rPr>
+              <a:t>%</a:t>
             </a:r>
           </a:p>
           <a:p>
@@ -9047,11 +8630,38 @@
               <a:lnSpc>
                 <a:spcPct val="95000"/>
               </a:lnSpc>
+              <a:spcBef>
+                <a:spcPts val="400"/>
+              </a:spcBef>
+              <a:spcAft>
+                <a:spcPts val="400"/>
+              </a:spcAft>
             </a:pPr>
             <a:r>
               <a:rPr lang="en-US" dirty="0" smtClean="0"/>
-              <a:t>Everyone will </a:t>
-            </a:r>
+              <a:t>Bonuses</a:t>
+            </a:r>
+            <a:endParaRPr lang="en-US" dirty="0">
+              <a:solidFill>
+                <a:schemeClr val="accent5">
+                  <a:lumMod val="20000"/>
+                  <a:lumOff val="80000"/>
+                </a:schemeClr>
+              </a:solidFill>
+            </a:endParaRPr>
+          </a:p>
+          <a:p>
+            <a:pPr lvl="1">
+              <a:lnSpc>
+                <a:spcPct val="95000"/>
+              </a:lnSpc>
+              <a:spcBef>
+                <a:spcPts val="400"/>
+              </a:spcBef>
+              <a:spcAft>
+                <a:spcPts val="400"/>
+              </a:spcAft>
+            </a:pPr>
             <a:r>
               <a:rPr lang="en-US" dirty="0" smtClean="0">
                 <a:solidFill>
@@ -9061,22 +8671,11 @@
                   </a:schemeClr>
                 </a:solidFill>
               </a:rPr>
-              <a:t>give feedback </a:t>
-            </a:r>
-            <a:r>
-              <a:rPr lang="en-US" dirty="0" smtClean="0"/>
-              <a:t>for few random homework submissions</a:t>
-            </a:r>
-          </a:p>
-          <a:p>
-            <a:pPr lvl="1">
-              <a:lnSpc>
-                <a:spcPct val="95000"/>
-              </a:lnSpc>
-            </a:pPr>
-            <a:r>
-              <a:rPr lang="en-US" dirty="0" smtClean="0"/>
-              <a:t>Students submit homework </a:t>
+              <a:t>Forums</a:t>
+            </a:r>
+            <a:r>
+              <a:rPr lang="en-US" dirty="0" smtClean="0"/>
+              <a:t> </a:t>
             </a:r>
             <a:r>
               <a:rPr lang="en-US" dirty="0" smtClean="0">
@@ -9087,56 +8686,24 @@
                   </a:schemeClr>
                 </a:solidFill>
               </a:rPr>
-              <a:t>anonymously</a:t>
-            </a:r>
-          </a:p>
-          <a:p>
-            <a:pPr lvl="2">
-              <a:lnSpc>
-                <a:spcPct val="95000"/>
-              </a:lnSpc>
-            </a:pPr>
-            <a:r>
-              <a:rPr lang="en-US" dirty="0" smtClean="0"/>
-              <a:t>Please exclude your name from the submissions!</a:t>
-            </a:r>
-          </a:p>
-          <a:p>
-            <a:pPr lvl="1">
-              <a:lnSpc>
-                <a:spcPct val="95000"/>
-              </a:lnSpc>
-            </a:pPr>
-            <a:r>
-              <a:rPr lang="en-US" dirty="0" smtClean="0"/>
-              <a:t>For each homework</a:t>
-            </a:r>
-            <a:r>
-              <a:rPr lang="en-US" dirty="0"/>
-              <a:t> submitted</a:t>
-            </a:r>
-            <a:endParaRPr lang="en-US" dirty="0" smtClean="0"/>
-          </a:p>
-          <a:p>
-            <a:pPr lvl="2">
-              <a:lnSpc>
-                <a:spcPct val="95000"/>
-              </a:lnSpc>
-            </a:pPr>
-            <a:r>
-              <a:rPr lang="en-US" dirty="0" smtClean="0"/>
-              <a:t>Students </a:t>
-            </a:r>
-            <a:r>
-              <a:rPr lang="en-US" dirty="0" smtClean="0">
+              <a:t>activity</a:t>
+            </a:r>
+            <a:r>
+              <a:rPr lang="en-US" dirty="0" smtClean="0"/>
+              <a:t> – bonus up to </a:t>
+            </a:r>
+            <a:r>
+              <a:rPr lang="en-US" dirty="0">
                 <a:solidFill>
                   <a:schemeClr val="accent5">
                     <a:lumMod val="20000"/>
                     <a:lumOff val="80000"/>
                   </a:schemeClr>
                 </a:solidFill>
+                <a:latin typeface="Consolas" pitchFamily="49" charset="0"/>
+                <a:cs typeface="Consolas" pitchFamily="49" charset="0"/>
               </a:rPr>
-              <a:t>evaluate </a:t>
+              <a:t>5</a:t>
             </a:r>
             <a:r>
               <a:rPr lang="en-US" dirty="0" smtClean="0">
@@ -9146,72 +8713,15 @@
                     <a:lumOff val="80000"/>
                   </a:schemeClr>
                 </a:solidFill>
-                <a:latin typeface="Consolas" panose="020B0609020204030204" pitchFamily="49" charset="0"/>
-                <a:cs typeface="Consolas" panose="020B0609020204030204" pitchFamily="49" charset="0"/>
               </a:rPr>
-              <a:t>3</a:t>
-            </a:r>
-            <a:r>
-              <a:rPr lang="en-US" dirty="0" smtClean="0">
-                <a:solidFill>
-                  <a:schemeClr val="accent5">
-                    <a:lumMod val="20000"/>
-                    <a:lumOff val="80000"/>
-                  </a:schemeClr>
-                </a:solidFill>
-              </a:rPr>
-              <a:t> random homeworks</a:t>
-            </a:r>
-          </a:p>
-          <a:p>
-            <a:pPr lvl="2">
-              <a:lnSpc>
-                <a:spcPct val="95000"/>
-              </a:lnSpc>
-            </a:pPr>
-            <a:r>
-              <a:rPr lang="en-US" dirty="0"/>
-              <a:t>From the same topic, after the deadline</a:t>
-            </a:r>
-          </a:p>
-          <a:p>
-            <a:pPr lvl="2">
-              <a:lnSpc>
-                <a:spcPct val="95000"/>
-              </a:lnSpc>
-            </a:pPr>
-            <a:r>
-              <a:rPr lang="en-US" dirty="0" smtClean="0"/>
-              <a:t>Homework comments are </a:t>
-            </a:r>
-            <a:r>
-              <a:rPr lang="en-US" dirty="0" smtClean="0">
-                <a:solidFill>
-                  <a:schemeClr val="accent5">
-                    <a:lumMod val="20000"/>
-                    <a:lumOff val="80000"/>
-                  </a:schemeClr>
-                </a:solidFill>
-              </a:rPr>
-              <a:t>not </a:t>
-            </a:r>
-            <a:r>
-              <a:rPr lang="en-US" dirty="0">
-                <a:solidFill>
-                  <a:schemeClr val="accent5">
-                    <a:lumMod val="20000"/>
-                    <a:lumOff val="80000"/>
-                  </a:schemeClr>
-                </a:solidFill>
-              </a:rPr>
-              <a:t>obligatory</a:t>
+              <a:t>%</a:t>
             </a:r>
           </a:p>
         </p:txBody>
       </p:sp>
       <p:sp>
         <p:nvSpPr>
-          <p:cNvPr id="4" name="Slide Number Placeholder 3"/>
+          <p:cNvPr id="6" name="Slide Number Placeholder 3"/>
           <p:cNvSpPr>
             <a:spLocks noGrp="1"/>
           </p:cNvSpPr>
@@ -9219,7 +8729,12 @@
             <p:ph type="sldNum" sz="quarter" idx="10"/>
           </p:nvPr>
         </p:nvSpPr>
-        <p:spPr/>
+        <p:spPr>
+          <a:xfrm>
+            <a:off x="8610600" y="6553200"/>
+            <a:ext cx="457200" cy="228600"/>
+          </a:xfrm>
+        </p:spPr>
         <p:txBody>
           <a:bodyPr/>
           <a:lstStyle/>
@@ -9227,27 +8742,127 @@
             <a:pPr>
               <a:defRPr/>
             </a:pPr>
-            <a:fld id="{58452FF4-89E3-4D1B-9927-2DBDC00E58D7}" type="slidenum">
+            <a:fld id="{65F6953F-1329-4013-BAA1-01481098A94E}" type="slidenum">
               <a:rPr lang="en-US" smtClean="0"/>
-              <a:pPr>
-                <a:defRPr/>
-              </a:pPr>
               <a:t>15</a:t>
             </a:fld>
             <a:endParaRPr lang="en-US" dirty="0"/>
           </a:p>
         </p:txBody>
       </p:sp>
+      <p:pic>
+        <p:nvPicPr>
+          <p:cNvPr id="12290" name="Picture 2" descr="http://us.123rf.com/400wm/400/400/ivelinradkov/ivelinradkov1108/ivelinradkov110800011/10309197-customer-service-evaluation-form-with-green-tick-on-excellent-with-felt-tip-pen.jpg"/>
+          <p:cNvPicPr>
+            <a:picLocks noChangeAspect="1" noChangeArrowheads="1"/>
+          </p:cNvPicPr>
+          <p:nvPr/>
+        </p:nvPicPr>
+        <p:blipFill rotWithShape="1">
+          <a:blip r:embed="rId2" cstate="screen">
+            <a:extLst>
+              <a:ext uri="{28A0092B-C50C-407E-A947-70E740481C1C}">
+                <a14:useLocalDpi xmlns:a14="http://schemas.microsoft.com/office/drawing/2010/main"/>
+              </a:ext>
+            </a:extLst>
+          </a:blip>
+          <a:srcRect/>
+          <a:stretch/>
+        </p:blipFill>
+        <p:spPr bwMode="auto">
+          <a:xfrm>
+            <a:off x="5867400" y="1371600"/>
+            <a:ext cx="2815922" cy="1404596"/>
+          </a:xfrm>
+          <a:prstGeom prst="rect">
+            <a:avLst/>
+          </a:prstGeom>
+          <a:noFill/>
+          <a:ln>
+            <a:solidFill>
+              <a:schemeClr val="accent5">
+                <a:lumMod val="20000"/>
+                <a:lumOff val="80000"/>
+              </a:schemeClr>
+            </a:solidFill>
+          </a:ln>
+          <a:extLst>
+            <a:ext uri="{909E8E84-426E-40DD-AFC4-6F175D3DCCD1}">
+              <a14:hiddenFill xmlns:a14="http://schemas.microsoft.com/office/drawing/2010/main">
+                <a:solidFill>
+                  <a:srgbClr val="FFFFFF"/>
+                </a:solidFill>
+              </a14:hiddenFill>
+            </a:ext>
+          </a:extLst>
+        </p:spPr>
+      </p:pic>
+      <p:pic>
+        <p:nvPicPr>
+          <p:cNvPr id="12292" name="Picture 4" descr="http://academy.telerik.com/images/default-album/telerik-software-academy-exam.jpg?sfvrsn=2"/>
+          <p:cNvPicPr>
+            <a:picLocks noChangeAspect="1" noChangeArrowheads="1"/>
+          </p:cNvPicPr>
+          <p:nvPr/>
+        </p:nvPicPr>
+        <p:blipFill>
+          <a:blip r:embed="rId3" cstate="screen">
+            <a:extLst>
+              <a:ext uri="{28A0092B-C50C-407E-A947-70E740481C1C}">
+                <a14:useLocalDpi xmlns:a14="http://schemas.microsoft.com/office/drawing/2010/main"/>
+              </a:ext>
+            </a:extLst>
+          </a:blip>
+          <a:srcRect/>
+          <a:stretch>
+            <a:fillRect/>
+          </a:stretch>
+        </p:blipFill>
+        <p:spPr bwMode="auto">
+          <a:xfrm>
+            <a:off x="7006922" y="4800600"/>
+            <a:ext cx="1676400" cy="1037273"/>
+          </a:xfrm>
+          <a:prstGeom prst="rect">
+            <a:avLst/>
+          </a:prstGeom>
+          <a:noFill/>
+          <a:ln>
+            <a:solidFill>
+              <a:schemeClr val="accent5">
+                <a:lumMod val="20000"/>
+                <a:lumOff val="80000"/>
+              </a:schemeClr>
+            </a:solidFill>
+          </a:ln>
+          <a:extLst>
+            <a:ext uri="{909E8E84-426E-40DD-AFC4-6F175D3DCCD1}">
+              <a14:hiddenFill xmlns:a14="http://schemas.microsoft.com/office/drawing/2010/main">
+                <a:solidFill>
+                  <a:srgbClr val="FFFFFF"/>
+                </a:solidFill>
+              </a14:hiddenFill>
+            </a:ext>
+          </a:extLst>
+        </p:spPr>
+      </p:pic>
     </p:spTree>
     <p:extLst>
       <p:ext uri="{BB962C8B-B14F-4D97-AF65-F5344CB8AC3E}">
-        <p14:creationId xmlns:p14="http://schemas.microsoft.com/office/powerpoint/2010/main" val="1425299899"/>
+        <p14:creationId xmlns:p14="http://schemas.microsoft.com/office/powerpoint/2010/main" val="1015679300"/>
       </p:ext>
     </p:extLst>
   </p:cSld>
   <p:clrMapOvr>
     <a:masterClrMapping/>
   </p:clrMapOvr>
+  <p:timing>
+    <p:tnLst>
+      <p:par>
+        <p:cTn id="1" dur="indefinite" restart="never" nodeType="tmRoot"/>
+      </p:par>
+    </p:tnLst>
+  </p:timing>
 </p:sld>
 </file>
 
@@ -9285,7 +8900,7 @@
           <a:p>
             <a:r>
               <a:rPr lang="en-US" dirty="0" smtClean="0"/>
-              <a:t>Check Your Presence</a:t>
+              <a:t>Pass / Excellence / Fail Criteria</a:t>
             </a:r>
             <a:endParaRPr lang="en-US" dirty="0"/>
           </a:p>
@@ -9301,17 +8916,52 @@
             <p:ph idx="1"/>
           </p:nvPr>
         </p:nvSpPr>
-        <p:spPr/>
+        <p:spPr>
+          <a:xfrm>
+            <a:off x="228600" y="990600"/>
+            <a:ext cx="8686800" cy="5715000"/>
+          </a:xfrm>
+        </p:spPr>
         <p:txBody>
           <a:bodyPr/>
           <a:lstStyle/>
           <a:p>
-            <a:r>
-              <a:rPr lang="en-US" dirty="0" smtClean="0"/>
-              <a:t>From now on you should check your presence on the barcode reader </a:t>
-            </a:r>
-            <a:r>
-              <a:rPr lang="en-US" sz="3000" dirty="0">
+            <a:pPr marL="282575" lvl="1" indent="-282575">
+              <a:buClr>
+                <a:schemeClr val="accent5">
+                  <a:lumMod val="40000"/>
+                  <a:lumOff val="60000"/>
+                </a:schemeClr>
+              </a:buClr>
+              <a:buSzPct val="70000"/>
+              <a:buFont typeface="Wingdings 2" pitchFamily="18" charset="2"/>
+              <a:buChar char=""/>
+              <a:tabLst>
+                <a:tab pos="282575" algn="l"/>
+              </a:tabLst>
+            </a:pPr>
+            <a:r>
+              <a:rPr lang="en-US" sz="3200" dirty="0" smtClean="0"/>
+              <a:t>Criteria for pass / pass with excellence / fail</a:t>
+            </a:r>
+          </a:p>
+          <a:p>
+            <a:pPr marL="574675" lvl="2" indent="-282575">
+              <a:buClr>
+                <a:schemeClr val="accent5">
+                  <a:lumMod val="40000"/>
+                  <a:lumOff val="60000"/>
+                </a:schemeClr>
+              </a:buClr>
+              <a:buSzPct val="70000"/>
+              <a:buFont typeface="Wingdings 2" pitchFamily="18" charset="2"/>
+              <a:buChar char=""/>
+              <a:tabLst>
+                <a:tab pos="282575" algn="l"/>
+              </a:tabLst>
+            </a:pPr>
+            <a:r>
+              <a:rPr lang="en-US" dirty="0" smtClean="0">
                 <a:solidFill>
                   <a:schemeClr val="accent5">
                     <a:lumMod val="20000"/>
@@ -9319,37 +8969,84 @@
                   </a:schemeClr>
                 </a:solidFill>
               </a:rPr>
-              <a:t>3 times a day</a:t>
-            </a:r>
-            <a:r>
-              <a:rPr lang="en-US" dirty="0" smtClean="0"/>
-              <a:t>:</a:t>
+              <a:t>Pass </a:t>
+            </a:r>
+            <a:r>
+              <a:rPr lang="en-US" dirty="0">
+                <a:solidFill>
+                  <a:schemeClr val="accent5">
+                    <a:lumMod val="20000"/>
+                    <a:lumOff val="80000"/>
+                  </a:schemeClr>
+                </a:solidFill>
+              </a:rPr>
+              <a:t>with excellence</a:t>
+            </a:r>
+          </a:p>
+          <a:p>
+            <a:pPr lvl="2"/>
+            <a:r>
+              <a:rPr lang="en-US" dirty="0" smtClean="0"/>
+              <a:t>Very high exam results</a:t>
+            </a:r>
+          </a:p>
+          <a:p>
+            <a:pPr marL="649288" lvl="2" indent="0">
+              <a:buNone/>
+            </a:pPr>
+            <a:r>
+              <a:rPr lang="en-US" dirty="0" smtClean="0"/>
+              <a:t>	  or</a:t>
+            </a:r>
+          </a:p>
+          <a:p>
+            <a:pPr lvl="2"/>
+            <a:r>
+              <a:rPr lang="en-US" dirty="0" smtClean="0"/>
+              <a:t>High total results</a:t>
             </a:r>
           </a:p>
           <a:p>
             <a:pPr lvl="1"/>
             <a:r>
-              <a:rPr lang="en-US" dirty="0" smtClean="0"/>
-              <a:t>In the morning when lectures begin (~10:30)</a:t>
+              <a:rPr lang="en-US" dirty="0" smtClean="0">
+                <a:solidFill>
+                  <a:schemeClr val="accent5">
+                    <a:lumMod val="20000"/>
+                    <a:lumOff val="80000"/>
+                  </a:schemeClr>
+                </a:solidFill>
+              </a:rPr>
+              <a:t>Pass</a:t>
+            </a:r>
+          </a:p>
+          <a:p>
+            <a:pPr lvl="2"/>
+            <a:r>
+              <a:rPr lang="en-US" dirty="0" smtClean="0"/>
+              <a:t>Average total results</a:t>
             </a:r>
           </a:p>
           <a:p>
             <a:pPr lvl="1"/>
             <a:r>
-              <a:rPr lang="en-US" dirty="0" smtClean="0"/>
-              <a:t>After lunch break (~13:30)</a:t>
-            </a:r>
-          </a:p>
-          <a:p>
-            <a:pPr lvl="1"/>
-            <a:r>
-              <a:rPr lang="en-US" dirty="0" smtClean="0"/>
-              <a:t>When you leave academy halls (~19:00)</a:t>
-            </a:r>
-          </a:p>
-          <a:p>
-            <a:pPr lvl="1"/>
-            <a:endParaRPr lang="en-US" dirty="0"/>
+              <a:rPr lang="en-US" dirty="0" smtClean="0">
+                <a:solidFill>
+                  <a:schemeClr val="accent5">
+                    <a:lumMod val="20000"/>
+                    <a:lumOff val="80000"/>
+                  </a:schemeClr>
+                </a:solidFill>
+              </a:rPr>
+              <a:t>Fail</a:t>
+            </a:r>
+          </a:p>
+          <a:p>
+            <a:pPr lvl="2"/>
+            <a:r>
+              <a:rPr lang="en-US" dirty="0" smtClean="0"/>
+              <a:t>Low total results or low exam results</a:t>
+            </a:r>
           </a:p>
         </p:txBody>
       </p:sp>
@@ -9384,51 +9081,169 @@
       </p:sp>
       <p:pic>
         <p:nvPicPr>
-          <p:cNvPr id="5" name="Picture 4"/>
+          <p:cNvPr id="6146" name="Picture 2" descr="haken, installed, ok, package, richtig, right, tick, updated icon"/>
           <p:cNvPicPr>
-            <a:picLocks noChangeAspect="1"/>
+            <a:picLocks noChangeAspect="1" noChangeArrowheads="1"/>
           </p:cNvPicPr>
           <p:nvPr/>
         </p:nvPicPr>
         <p:blipFill>
-          <a:blip r:embed="rId2"/>
+          <a:blip r:embed="rId2">
+            <a:extLst>
+              <a:ext uri="{28A0092B-C50C-407E-A947-70E740481C1C}">
+                <a14:useLocalDpi xmlns:a14="http://schemas.microsoft.com/office/drawing/2010/main"/>
+              </a:ext>
+            </a:extLst>
+          </a:blip>
+          <a:srcRect/>
           <a:stretch>
             <a:fillRect/>
           </a:stretch>
         </p:blipFill>
-        <p:spPr>
+        <p:spPr bwMode="auto">
           <a:xfrm>
-            <a:off x="2624137" y="4143375"/>
-            <a:ext cx="3895725" cy="1733550"/>
-          </a:xfrm>
-          <a:prstGeom prst="roundRect">
-            <a:avLst>
-              <a:gd name="adj" fmla="val 8594"/>
-            </a:avLst>
+            <a:off x="5029200" y="4190999"/>
+            <a:ext cx="1219200" cy="1219201"/>
+          </a:xfrm>
+          <a:prstGeom prst="rect">
+            <a:avLst/>
           </a:prstGeom>
-          <a:solidFill>
-            <a:srgbClr val="FFFFFF">
-              <a:shade val="85000"/>
-            </a:srgbClr>
-          </a:solidFill>
-          <a:ln>
-            <a:noFill/>
-          </a:ln>
+          <a:noFill/>
           <a:effectLst>
-            <a:reflection blurRad="12700" stA="38000" endPos="28000" dist="5000" dir="5400000" sy="-100000" algn="bl" rotWithShape="0"/>
+            <a:outerShdw blurRad="101600" sx="102000" sy="102000" algn="ctr" rotWithShape="0">
+              <a:schemeClr val="tx2">
+                <a:lumMod val="60000"/>
+                <a:lumOff val="40000"/>
+                <a:alpha val="70000"/>
+              </a:schemeClr>
+            </a:outerShdw>
           </a:effectLst>
+          <a:extLst>
+            <a:ext uri="{909E8E84-426E-40DD-AFC4-6F175D3DCCD1}">
+              <a14:hiddenFill xmlns:a14="http://schemas.microsoft.com/office/drawing/2010/main">
+                <a:solidFill>
+                  <a:srgbClr val="FFFFFF"/>
+                </a:solidFill>
+              </a14:hiddenFill>
+            </a:ext>
+          </a:extLst>
+        </p:spPr>
+      </p:pic>
+      <p:pic>
+        <p:nvPicPr>
+          <p:cNvPr id="6148" name="Picture 4" descr="haken, installed, ok, package, richtig, right, tick, updated icon"/>
+          <p:cNvPicPr>
+            <a:picLocks noChangeAspect="1" noChangeArrowheads="1"/>
+          </p:cNvPicPr>
+          <p:nvPr/>
+        </p:nvPicPr>
+        <p:blipFill>
+          <a:blip r:embed="rId2">
+            <a:extLst>
+              <a:ext uri="{28A0092B-C50C-407E-A947-70E740481C1C}">
+                <a14:useLocalDpi xmlns:a14="http://schemas.microsoft.com/office/drawing/2010/main"/>
+              </a:ext>
+            </a:extLst>
+          </a:blip>
+          <a:srcRect/>
+          <a:stretch>
+            <a:fillRect/>
+          </a:stretch>
+        </p:blipFill>
+        <p:spPr bwMode="auto">
+          <a:xfrm>
+            <a:off x="6267450" y="1905000"/>
+            <a:ext cx="2019300" cy="2019300"/>
+          </a:xfrm>
+          <a:prstGeom prst="rect">
+            <a:avLst/>
+          </a:prstGeom>
+          <a:noFill/>
+          <a:effectLst>
+            <a:glow rad="266700">
+              <a:schemeClr val="tx2">
+                <a:lumMod val="60000"/>
+                <a:lumOff val="40000"/>
+                <a:alpha val="60000"/>
+              </a:schemeClr>
+            </a:glow>
+          </a:effectLst>
+          <a:extLst>
+            <a:ext uri="{909E8E84-426E-40DD-AFC4-6F175D3DCCD1}">
+              <a14:hiddenFill xmlns:a14="http://schemas.microsoft.com/office/drawing/2010/main">
+                <a:solidFill>
+                  <a:srgbClr val="FFFFFF"/>
+                </a:solidFill>
+              </a14:hiddenFill>
+            </a:ext>
+          </a:extLst>
+        </p:spPr>
+      </p:pic>
+      <p:pic>
+        <p:nvPicPr>
+          <p:cNvPr id="6150" name="Picture 6" descr="approve, block, cancel, delete, reject icon"/>
+          <p:cNvPicPr>
+            <a:picLocks noChangeAspect="1" noChangeArrowheads="1"/>
+          </p:cNvPicPr>
+          <p:nvPr/>
+        </p:nvPicPr>
+        <p:blipFill>
+          <a:blip r:embed="rId3" cstate="screen">
+            <a:extLst>
+              <a:ext uri="{28A0092B-C50C-407E-A947-70E740481C1C}">
+                <a14:useLocalDpi xmlns:a14="http://schemas.microsoft.com/office/drawing/2010/main"/>
+              </a:ext>
+            </a:extLst>
+          </a:blip>
+          <a:srcRect/>
+          <a:stretch>
+            <a:fillRect/>
+          </a:stretch>
+        </p:blipFill>
+        <p:spPr bwMode="auto">
+          <a:xfrm>
+            <a:off x="7239000" y="5334000"/>
+            <a:ext cx="1143000" cy="1143000"/>
+          </a:xfrm>
+          <a:prstGeom prst="rect">
+            <a:avLst/>
+          </a:prstGeom>
+          <a:noFill/>
+          <a:effectLst>
+            <a:outerShdw blurRad="101600" sx="102000" sy="102000" algn="ctr" rotWithShape="0">
+              <a:srgbClr val="FF3300">
+                <a:alpha val="69804"/>
+              </a:srgbClr>
+            </a:outerShdw>
+          </a:effectLst>
+          <a:extLst>
+            <a:ext uri="{909E8E84-426E-40DD-AFC4-6F175D3DCCD1}">
+              <a14:hiddenFill xmlns:a14="http://schemas.microsoft.com/office/drawing/2010/main">
+                <a:solidFill>
+                  <a:srgbClr val="FFFFFF"/>
+                </a:solidFill>
+              </a14:hiddenFill>
+            </a:ext>
+          </a:extLst>
         </p:spPr>
       </p:pic>
     </p:spTree>
     <p:extLst>
       <p:ext uri="{BB962C8B-B14F-4D97-AF65-F5344CB8AC3E}">
-        <p14:creationId xmlns:p14="http://schemas.microsoft.com/office/powerpoint/2010/main" val="285027201"/>
+        <p14:creationId xmlns:p14="http://schemas.microsoft.com/office/powerpoint/2010/main" val="4024637459"/>
       </p:ext>
     </p:extLst>
   </p:cSld>
   <p:clrMapOvr>
     <a:masterClrMapping/>
   </p:clrMapOvr>
+  <p:timing>
+    <p:tnLst>
+      <p:par>
+        <p:cTn id="1" dur="indefinite" restart="never" nodeType="tmRoot"/>
+      </p:par>
+    </p:tnLst>
+  </p:timing>
 </p:sld>
 </file>
 
@@ -9456,403 +9271,273 @@
             <a:spLocks noGrp="1"/>
           </p:cNvSpPr>
           <p:nvPr>
-            <p:ph type="ctrTitle"/>
+            <p:ph type="title"/>
+          </p:nvPr>
+        </p:nvSpPr>
+        <p:spPr/>
+        <p:txBody>
+          <a:bodyPr/>
+          <a:lstStyle/>
+          <a:p>
+            <a:r>
+              <a:rPr lang="en-US" dirty="0" smtClean="0"/>
+              <a:t>Homework Peer Reviews</a:t>
+            </a:r>
+            <a:endParaRPr lang="en-US" dirty="0"/>
+          </a:p>
+        </p:txBody>
+      </p:sp>
+      <p:sp>
+        <p:nvSpPr>
+          <p:cNvPr id="3" name="Content Placeholder 2"/>
+          <p:cNvSpPr>
+            <a:spLocks noGrp="1"/>
+          </p:cNvSpPr>
+          <p:nvPr>
+            <p:ph idx="1"/>
           </p:nvPr>
         </p:nvSpPr>
         <p:spPr>
           <a:xfrm>
-            <a:off x="1447800" y="2006601"/>
-            <a:ext cx="7086600" cy="685800"/>
+            <a:off x="228600" y="914400"/>
+            <a:ext cx="8686800" cy="5791200"/>
           </a:xfrm>
         </p:spPr>
         <p:txBody>
           <a:bodyPr/>
           <a:lstStyle/>
           <a:p>
-            <a:pPr algn="r"/>
-            <a:r>
-              <a:rPr lang="en-US" dirty="0" smtClean="0"/>
-              <a:t>Resources</a:t>
-            </a:r>
-            <a:endParaRPr lang="en-US" dirty="0"/>
+            <a:pPr>
+              <a:lnSpc>
+                <a:spcPct val="95000"/>
+              </a:lnSpc>
+            </a:pPr>
+            <a:r>
+              <a:rPr lang="en-US" dirty="0" smtClean="0"/>
+              <a:t>Everyone will </a:t>
+            </a:r>
+            <a:r>
+              <a:rPr lang="en-US" dirty="0" smtClean="0">
+                <a:solidFill>
+                  <a:schemeClr val="accent5">
+                    <a:lumMod val="20000"/>
+                    <a:lumOff val="80000"/>
+                  </a:schemeClr>
+                </a:solidFill>
+              </a:rPr>
+              <a:t>get feedback </a:t>
+            </a:r>
+            <a:r>
+              <a:rPr lang="en-US" dirty="0" smtClean="0"/>
+              <a:t>for their homework</a:t>
+            </a:r>
+          </a:p>
+          <a:p>
+            <a:pPr>
+              <a:lnSpc>
+                <a:spcPct val="95000"/>
+              </a:lnSpc>
+            </a:pPr>
+            <a:r>
+              <a:rPr lang="en-US" dirty="0" smtClean="0"/>
+              <a:t>Everyone will </a:t>
+            </a:r>
+            <a:r>
+              <a:rPr lang="en-US" dirty="0" smtClean="0">
+                <a:solidFill>
+                  <a:schemeClr val="accent5">
+                    <a:lumMod val="20000"/>
+                    <a:lumOff val="80000"/>
+                  </a:schemeClr>
+                </a:solidFill>
+              </a:rPr>
+              <a:t>give feedback </a:t>
+            </a:r>
+            <a:r>
+              <a:rPr lang="en-US" dirty="0" smtClean="0"/>
+              <a:t>for few random homework submissions</a:t>
+            </a:r>
+          </a:p>
+          <a:p>
+            <a:pPr lvl="1">
+              <a:lnSpc>
+                <a:spcPct val="95000"/>
+              </a:lnSpc>
+            </a:pPr>
+            <a:r>
+              <a:rPr lang="en-US" dirty="0" smtClean="0"/>
+              <a:t>Students submit homework </a:t>
+            </a:r>
+            <a:r>
+              <a:rPr lang="en-US" dirty="0" smtClean="0">
+                <a:solidFill>
+                  <a:schemeClr val="accent5">
+                    <a:lumMod val="20000"/>
+                    <a:lumOff val="80000"/>
+                  </a:schemeClr>
+                </a:solidFill>
+              </a:rPr>
+              <a:t>anonymously</a:t>
+            </a:r>
+          </a:p>
+          <a:p>
+            <a:pPr lvl="2">
+              <a:lnSpc>
+                <a:spcPct val="95000"/>
+              </a:lnSpc>
+            </a:pPr>
+            <a:r>
+              <a:rPr lang="en-US" dirty="0" smtClean="0"/>
+              <a:t>Please exclude your name from the submissions!</a:t>
+            </a:r>
+          </a:p>
+          <a:p>
+            <a:pPr lvl="1">
+              <a:lnSpc>
+                <a:spcPct val="95000"/>
+              </a:lnSpc>
+            </a:pPr>
+            <a:r>
+              <a:rPr lang="en-US" dirty="0" smtClean="0"/>
+              <a:t>For each homework</a:t>
+            </a:r>
+            <a:r>
+              <a:rPr lang="en-US" dirty="0"/>
+              <a:t> submitted</a:t>
+            </a:r>
+            <a:endParaRPr lang="en-US" dirty="0" smtClean="0"/>
+          </a:p>
+          <a:p>
+            <a:pPr lvl="2">
+              <a:lnSpc>
+                <a:spcPct val="95000"/>
+              </a:lnSpc>
+            </a:pPr>
+            <a:r>
+              <a:rPr lang="en-US" dirty="0" smtClean="0"/>
+              <a:t>Students </a:t>
+            </a:r>
+            <a:r>
+              <a:rPr lang="en-US" dirty="0" smtClean="0">
+                <a:solidFill>
+                  <a:schemeClr val="accent5">
+                    <a:lumMod val="20000"/>
+                    <a:lumOff val="80000"/>
+                  </a:schemeClr>
+                </a:solidFill>
+              </a:rPr>
+              <a:t>evaluate </a:t>
+            </a:r>
+            <a:r>
+              <a:rPr lang="en-US" dirty="0" smtClean="0">
+                <a:solidFill>
+                  <a:schemeClr val="accent5">
+                    <a:lumMod val="20000"/>
+                    <a:lumOff val="80000"/>
+                  </a:schemeClr>
+                </a:solidFill>
+                <a:latin typeface="Consolas" panose="020B0609020204030204" pitchFamily="49" charset="0"/>
+                <a:cs typeface="Consolas" panose="020B0609020204030204" pitchFamily="49" charset="0"/>
+              </a:rPr>
+              <a:t>3</a:t>
+            </a:r>
+            <a:r>
+              <a:rPr lang="en-US" dirty="0" smtClean="0">
+                <a:solidFill>
+                  <a:schemeClr val="accent5">
+                    <a:lumMod val="20000"/>
+                    <a:lumOff val="80000"/>
+                  </a:schemeClr>
+                </a:solidFill>
+              </a:rPr>
+              <a:t> random homeworks</a:t>
+            </a:r>
+          </a:p>
+          <a:p>
+            <a:pPr lvl="2">
+              <a:lnSpc>
+                <a:spcPct val="95000"/>
+              </a:lnSpc>
+            </a:pPr>
+            <a:r>
+              <a:rPr lang="en-US" dirty="0"/>
+              <a:t>From the same topic, after the deadline</a:t>
+            </a:r>
+          </a:p>
+          <a:p>
+            <a:pPr lvl="2">
+              <a:lnSpc>
+                <a:spcPct val="95000"/>
+              </a:lnSpc>
+            </a:pPr>
+            <a:r>
+              <a:rPr lang="en-US" dirty="0" smtClean="0"/>
+              <a:t>Homework comments are </a:t>
+            </a:r>
+            <a:r>
+              <a:rPr lang="en-US" dirty="0" smtClean="0">
+                <a:solidFill>
+                  <a:schemeClr val="accent5">
+                    <a:lumMod val="20000"/>
+                    <a:lumOff val="80000"/>
+                  </a:schemeClr>
+                </a:solidFill>
+              </a:rPr>
+              <a:t>not </a:t>
+            </a:r>
+            <a:r>
+              <a:rPr lang="en-US" dirty="0">
+                <a:solidFill>
+                  <a:schemeClr val="accent5">
+                    <a:lumMod val="20000"/>
+                    <a:lumOff val="80000"/>
+                  </a:schemeClr>
+                </a:solidFill>
+              </a:rPr>
+              <a:t>obligatory</a:t>
+            </a:r>
           </a:p>
         </p:txBody>
       </p:sp>
       <p:sp>
         <p:nvSpPr>
-          <p:cNvPr id="3" name="Subtitle 2"/>
+          <p:cNvPr id="4" name="Slide Number Placeholder 3"/>
           <p:cNvSpPr>
             <a:spLocks noGrp="1"/>
           </p:cNvSpPr>
           <p:nvPr>
-            <p:ph type="subTitle" idx="1"/>
+            <p:ph type="sldNum" sz="quarter" idx="10"/>
           </p:nvPr>
         </p:nvSpPr>
-        <p:spPr>
-          <a:xfrm>
-            <a:off x="676275" y="2834480"/>
-            <a:ext cx="7858125" cy="569120"/>
-          </a:xfrm>
-        </p:spPr>
+        <p:spPr/>
         <p:txBody>
           <a:bodyPr/>
           <a:lstStyle/>
           <a:p>
-            <a:pPr algn="r"/>
-            <a:r>
-              <a:rPr lang="en-US" dirty="0" smtClean="0"/>
-              <a:t>What We Need in Addition to this Course Content?</a:t>
-            </a:r>
+            <a:pPr>
+              <a:defRPr/>
+            </a:pPr>
+            <a:fld id="{58452FF4-89E3-4D1B-9927-2DBDC00E58D7}" type="slidenum">
+              <a:rPr lang="en-US" smtClean="0"/>
+              <a:pPr>
+                <a:defRPr/>
+              </a:pPr>
+              <a:t>17</a:t>
+            </a:fld>
             <a:endParaRPr lang="en-US" dirty="0"/>
           </a:p>
         </p:txBody>
       </p:sp>
-      <p:pic>
-        <p:nvPicPr>
-          <p:cNvPr id="10242" name="Picture 2" descr="http://headrush.typepad.com/photos/uncategorized/books.jpg"/>
-          <p:cNvPicPr>
-            <a:picLocks noChangeAspect="1" noChangeArrowheads="1"/>
-          </p:cNvPicPr>
-          <p:nvPr/>
-        </p:nvPicPr>
-        <p:blipFill>
-          <a:blip r:embed="rId2" cstate="screen">
-            <a:extLst>
-              <a:ext uri="{28A0092B-C50C-407E-A947-70E740481C1C}">
-                <a14:useLocalDpi xmlns:a14="http://schemas.microsoft.com/office/drawing/2010/main"/>
-              </a:ext>
-            </a:extLst>
-          </a:blip>
-          <a:srcRect/>
-          <a:stretch>
-            <a:fillRect/>
-          </a:stretch>
-        </p:blipFill>
-        <p:spPr bwMode="auto">
-          <a:xfrm>
-            <a:off x="609600" y="3724588"/>
-            <a:ext cx="3918458" cy="2600012"/>
-          </a:xfrm>
-          <a:prstGeom prst="rect">
-            <a:avLst/>
-          </a:prstGeom>
-          <a:ln>
-            <a:noFill/>
-          </a:ln>
-          <a:effectLst>
-            <a:softEdge rad="112500"/>
-          </a:effectLst>
-        </p:spPr>
-      </p:pic>
-      <p:pic>
-        <p:nvPicPr>
-          <p:cNvPr id="10244" name="Picture 4" descr="http://www.bbc.co.uk/blogs/ni/books.jpg"/>
-          <p:cNvPicPr>
-            <a:picLocks noChangeAspect="1" noChangeArrowheads="1"/>
-          </p:cNvPicPr>
-          <p:nvPr/>
-        </p:nvPicPr>
-        <p:blipFill>
-          <a:blip r:embed="rId3" cstate="screen">
-            <a:extLst>
-              <a:ext uri="{28A0092B-C50C-407E-A947-70E740481C1C}">
-                <a14:useLocalDpi xmlns:a14="http://schemas.microsoft.com/office/drawing/2010/main"/>
-              </a:ext>
-            </a:extLst>
-          </a:blip>
-          <a:srcRect/>
-          <a:stretch>
-            <a:fillRect/>
-          </a:stretch>
-        </p:blipFill>
-        <p:spPr bwMode="auto">
-          <a:xfrm>
-            <a:off x="6810375" y="3729089"/>
-            <a:ext cx="1724025" cy="2595511"/>
-          </a:xfrm>
-          <a:prstGeom prst="rect">
-            <a:avLst/>
-          </a:prstGeom>
-          <a:ln>
-            <a:noFill/>
-          </a:ln>
-          <a:effectLst>
-            <a:softEdge rad="112500"/>
-          </a:effectLst>
-        </p:spPr>
-      </p:pic>
-      <p:pic>
-        <p:nvPicPr>
-          <p:cNvPr id="5122" name="Picture 2" descr="dashboard, widgets icon"/>
-          <p:cNvPicPr>
-            <a:picLocks noChangeAspect="1" noChangeArrowheads="1"/>
-          </p:cNvPicPr>
-          <p:nvPr/>
-        </p:nvPicPr>
-        <p:blipFill>
-          <a:blip r:embed="rId4">
-            <a:extLst>
-              <a:ext uri="{28A0092B-C50C-407E-A947-70E740481C1C}">
-                <a14:useLocalDpi xmlns:a14="http://schemas.microsoft.com/office/drawing/2010/main"/>
-              </a:ext>
-            </a:extLst>
-          </a:blip>
-          <a:srcRect/>
-          <a:stretch>
-            <a:fillRect/>
-          </a:stretch>
-        </p:blipFill>
-        <p:spPr bwMode="auto">
-          <a:xfrm>
-            <a:off x="2692400" y="641349"/>
-            <a:ext cx="1695450" cy="1695451"/>
-          </a:xfrm>
-          <a:prstGeom prst="rect">
-            <a:avLst/>
-          </a:prstGeom>
-          <a:noFill/>
-          <a:extLst>
-            <a:ext uri="{909E8E84-426E-40DD-AFC4-6F175D3DCCD1}">
-              <a14:hiddenFill xmlns:a14="http://schemas.microsoft.com/office/drawing/2010/main">
-                <a:solidFill>
-                  <a:srgbClr val="FFFFFF"/>
-                </a:solidFill>
-              </a14:hiddenFill>
-            </a:ext>
-          </a:extLst>
-        </p:spPr>
-      </p:pic>
-      <p:pic>
-        <p:nvPicPr>
-          <p:cNvPr id="5126" name="Picture 6" descr="earth, folder, internet, web icon"/>
-          <p:cNvPicPr>
-            <a:picLocks noChangeAspect="1" noChangeArrowheads="1"/>
-          </p:cNvPicPr>
-          <p:nvPr/>
-        </p:nvPicPr>
-        <p:blipFill>
-          <a:blip r:embed="rId5">
-            <a:extLst>
-              <a:ext uri="{28A0092B-C50C-407E-A947-70E740481C1C}">
-                <a14:useLocalDpi xmlns:a14="http://schemas.microsoft.com/office/drawing/2010/main"/>
-              </a:ext>
-            </a:extLst>
-          </a:blip>
-          <a:srcRect/>
-          <a:stretch>
-            <a:fillRect/>
-          </a:stretch>
-        </p:blipFill>
-        <p:spPr bwMode="auto">
-          <a:xfrm>
-            <a:off x="4730751" y="361950"/>
-            <a:ext cx="1390649" cy="1390650"/>
-          </a:xfrm>
-          <a:prstGeom prst="rect">
-            <a:avLst/>
-          </a:prstGeom>
-          <a:noFill/>
-          <a:extLst>
-            <a:ext uri="{909E8E84-426E-40DD-AFC4-6F175D3DCCD1}">
-              <a14:hiddenFill xmlns:a14="http://schemas.microsoft.com/office/drawing/2010/main">
-                <a:solidFill>
-                  <a:srgbClr val="FFFFFF"/>
-                </a:solidFill>
-              </a14:hiddenFill>
-            </a:ext>
-          </a:extLst>
-        </p:spPr>
-      </p:pic>
-      <p:pic>
-        <p:nvPicPr>
-          <p:cNvPr id="5130" name="Picture 10" descr=" icon"/>
-          <p:cNvPicPr>
-            <a:picLocks noChangeAspect="1" noChangeArrowheads="1"/>
-          </p:cNvPicPr>
-          <p:nvPr/>
-        </p:nvPicPr>
-        <p:blipFill>
-          <a:blip r:embed="rId6">
-            <a:extLst>
-              <a:ext uri="{28A0092B-C50C-407E-A947-70E740481C1C}">
-                <a14:useLocalDpi xmlns:a14="http://schemas.microsoft.com/office/drawing/2010/main"/>
-              </a:ext>
-            </a:extLst>
-          </a:blip>
-          <a:srcRect/>
-          <a:stretch>
-            <a:fillRect/>
-          </a:stretch>
-        </p:blipFill>
-        <p:spPr bwMode="auto">
-          <a:xfrm>
-            <a:off x="6146800" y="304799"/>
-            <a:ext cx="1219200" cy="1219201"/>
-          </a:xfrm>
-          <a:prstGeom prst="rect">
-            <a:avLst/>
-          </a:prstGeom>
-          <a:noFill/>
-          <a:extLst>
-            <a:ext uri="{909E8E84-426E-40DD-AFC4-6F175D3DCCD1}">
-              <a14:hiddenFill xmlns:a14="http://schemas.microsoft.com/office/drawing/2010/main">
-                <a:solidFill>
-                  <a:srgbClr val="FFFFFF"/>
-                </a:solidFill>
-              </a14:hiddenFill>
-            </a:ext>
-          </a:extLst>
-        </p:spPr>
-      </p:pic>
-      <p:pic>
-        <p:nvPicPr>
-          <p:cNvPr id="5132" name="Picture 12" descr="folder icon"/>
-          <p:cNvPicPr>
-            <a:picLocks noChangeAspect="1" noChangeArrowheads="1"/>
-          </p:cNvPicPr>
-          <p:nvPr/>
-        </p:nvPicPr>
-        <p:blipFill>
-          <a:blip r:embed="rId7">
-            <a:extLst>
-              <a:ext uri="{28A0092B-C50C-407E-A947-70E740481C1C}">
-                <a14:useLocalDpi xmlns:a14="http://schemas.microsoft.com/office/drawing/2010/main"/>
-              </a:ext>
-            </a:extLst>
-          </a:blip>
-          <a:srcRect/>
-          <a:stretch>
-            <a:fillRect/>
-          </a:stretch>
-        </p:blipFill>
-        <p:spPr bwMode="auto">
-          <a:xfrm>
-            <a:off x="7677149" y="495298"/>
-            <a:ext cx="1104902" cy="1104902"/>
-          </a:xfrm>
-          <a:prstGeom prst="rect">
-            <a:avLst/>
-          </a:prstGeom>
-          <a:noFill/>
-          <a:extLst>
-            <a:ext uri="{909E8E84-426E-40DD-AFC4-6F175D3DCCD1}">
-              <a14:hiddenFill xmlns:a14="http://schemas.microsoft.com/office/drawing/2010/main">
-                <a:solidFill>
-                  <a:srgbClr val="FFFFFF"/>
-                </a:solidFill>
-              </a14:hiddenFill>
-            </a:ext>
-          </a:extLst>
-        </p:spPr>
-      </p:pic>
-      <p:pic>
-        <p:nvPicPr>
-          <p:cNvPr id="13314" name="Picture 2" descr="http://www.manager.bg/sites/default/files/news_photos/wikipedia-logo-en-big.png"/>
-          <p:cNvPicPr>
-            <a:picLocks noChangeAspect="1" noChangeArrowheads="1"/>
-          </p:cNvPicPr>
-          <p:nvPr/>
-        </p:nvPicPr>
-        <p:blipFill>
-          <a:blip r:embed="rId8" cstate="screen">
-            <a:extLst>
-              <a:ext uri="{28A0092B-C50C-407E-A947-70E740481C1C}">
-                <a14:useLocalDpi xmlns:a14="http://schemas.microsoft.com/office/drawing/2010/main"/>
-              </a:ext>
-            </a:extLst>
-          </a:blip>
-          <a:srcRect/>
-          <a:stretch>
-            <a:fillRect/>
-          </a:stretch>
-        </p:blipFill>
-        <p:spPr bwMode="auto">
-          <a:xfrm>
-            <a:off x="4797067" y="3962401"/>
-            <a:ext cx="1734266" cy="2124386"/>
-          </a:xfrm>
-          <a:prstGeom prst="rect">
-            <a:avLst/>
-          </a:prstGeom>
-          <a:noFill/>
-          <a:effectLst>
-            <a:glow rad="127000">
-              <a:schemeClr val="accent4">
-                <a:lumMod val="60000"/>
-                <a:lumOff val="40000"/>
-                <a:alpha val="25000"/>
-              </a:schemeClr>
-            </a:glow>
-          </a:effectLst>
-          <a:extLst>
-            <a:ext uri="{909E8E84-426E-40DD-AFC4-6F175D3DCCD1}">
-              <a14:hiddenFill xmlns:a14="http://schemas.microsoft.com/office/drawing/2010/main">
-                <a:solidFill>
-                  <a:srgbClr val="FFFFFF"/>
-                </a:solidFill>
-              </a14:hiddenFill>
-            </a:ext>
-          </a:extLst>
-        </p:spPr>
-      </p:pic>
-      <p:pic>
-        <p:nvPicPr>
-          <p:cNvPr id="13318" name="Picture 6" descr="document, file, find, search, text icon"/>
-          <p:cNvPicPr>
-            <a:picLocks noChangeAspect="1" noChangeArrowheads="1"/>
-          </p:cNvPicPr>
-          <p:nvPr/>
-        </p:nvPicPr>
-        <p:blipFill>
-          <a:blip r:embed="rId9">
-            <a:extLst>
-              <a:ext uri="{28A0092B-C50C-407E-A947-70E740481C1C}">
-                <a14:useLocalDpi xmlns:a14="http://schemas.microsoft.com/office/drawing/2010/main"/>
-              </a:ext>
-            </a:extLst>
-          </a:blip>
-          <a:srcRect/>
-          <a:stretch>
-            <a:fillRect/>
-          </a:stretch>
-        </p:blipFill>
-        <p:spPr bwMode="auto">
-          <a:xfrm rot="162075">
-            <a:off x="797108" y="1030194"/>
-            <a:ext cx="1716331" cy="1530347"/>
-          </a:xfrm>
-          <a:prstGeom prst="rect">
-            <a:avLst/>
-          </a:prstGeom>
-          <a:noFill/>
-          <a:extLst>
-            <a:ext uri="{909E8E84-426E-40DD-AFC4-6F175D3DCCD1}">
-              <a14:hiddenFill xmlns:a14="http://schemas.microsoft.com/office/drawing/2010/main">
-                <a:solidFill>
-                  <a:srgbClr val="FFFFFF"/>
-                </a:solidFill>
-              </a14:hiddenFill>
-            </a:ext>
-          </a:extLst>
-        </p:spPr>
-      </p:pic>
     </p:spTree>
     <p:extLst>
       <p:ext uri="{BB962C8B-B14F-4D97-AF65-F5344CB8AC3E}">
-        <p14:creationId xmlns:p14="http://schemas.microsoft.com/office/powerpoint/2010/main" val="3245202437"/>
+        <p14:creationId xmlns:p14="http://schemas.microsoft.com/office/powerpoint/2010/main" val="1425299899"/>
       </p:ext>
     </p:extLst>
   </p:cSld>
   <p:clrMapOvr>
     <a:masterClrMapping/>
   </p:clrMapOvr>
-  <p:timing>
-    <p:tnLst>
-      <p:par>
-        <p:cTn id="1" dur="indefinite" restart="never" nodeType="tmRoot"/>
-      </p:par>
-    </p:tnLst>
-  </p:timing>
 </p:sld>
 </file>
 
@@ -9890,7 +9575,7 @@
           <a:p>
             <a:r>
               <a:rPr lang="en-US" dirty="0" smtClean="0"/>
-              <a:t>Course Web Site &amp; Forums</a:t>
+              <a:t>Check Your Presence</a:t>
             </a:r>
             <a:endParaRPr lang="en-US" dirty="0"/>
           </a:p>
@@ -9908,8 +9593,8 @@
         </p:nvSpPr>
         <p:spPr>
           <a:xfrm>
-            <a:off x="228600" y="1066800"/>
-            <a:ext cx="8686800" cy="5562600"/>
+            <a:off x="228600" y="838200"/>
+            <a:ext cx="8686800" cy="5791200"/>
           </a:xfrm>
         </p:spPr>
         <p:txBody>
@@ -9918,62 +9603,59 @@
           <a:p>
             <a:r>
               <a:rPr lang="en-US" dirty="0" smtClean="0"/>
-              <a:t>Register for the "Telerik Academy Forums":</a:t>
+              <a:t>From now on you should check your presence on the barcode reader </a:t>
+            </a:r>
+            <a:r>
+              <a:rPr lang="en-US" sz="3000" dirty="0" smtClean="0">
+                <a:solidFill>
+                  <a:schemeClr val="accent5">
+                    <a:lumMod val="20000"/>
+                    <a:lumOff val="80000"/>
+                  </a:schemeClr>
+                </a:solidFill>
+              </a:rPr>
+              <a:t>2-3 </a:t>
+            </a:r>
+            <a:r>
+              <a:rPr lang="en-US" sz="3000" dirty="0">
+                <a:solidFill>
+                  <a:schemeClr val="accent5">
+                    <a:lumMod val="20000"/>
+                    <a:lumOff val="80000"/>
+                  </a:schemeClr>
+                </a:solidFill>
+              </a:rPr>
+              <a:t>times a day</a:t>
+            </a:r>
+            <a:r>
+              <a:rPr lang="en-US" dirty="0" smtClean="0"/>
+              <a:t>:</a:t>
             </a:r>
           </a:p>
           <a:p>
             <a:pPr lvl="1"/>
-            <a:endParaRPr lang="en-US" sz="2900" dirty="0" smtClean="0"/>
-          </a:p>
-          <a:p>
-            <a:pPr lvl="1">
-              <a:spcBef>
-                <a:spcPts val="2400"/>
-              </a:spcBef>
-            </a:pPr>
-            <a:r>
-              <a:rPr lang="en-US" sz="2900" dirty="0" smtClean="0"/>
-              <a:t>Discuss the course exercises with your colleagues</a:t>
+            <a:r>
+              <a:rPr lang="en-US" dirty="0" smtClean="0"/>
+              <a:t>In the morning when lectures begin (~10:30)</a:t>
             </a:r>
           </a:p>
           <a:p>
             <a:pPr lvl="1"/>
             <a:r>
-              <a:rPr lang="en-US" sz="2900" dirty="0" smtClean="0"/>
-              <a:t>Find solutions for the exercises</a:t>
+              <a:rPr lang="en-US" dirty="0" smtClean="0"/>
+              <a:t>After lunch break (~13:30)</a:t>
             </a:r>
           </a:p>
           <a:p>
             <a:pPr lvl="1"/>
             <a:r>
-              <a:rPr lang="en-US" sz="2900" dirty="0" smtClean="0"/>
-              <a:t>Share source code / discuss ideas</a:t>
-            </a:r>
-          </a:p>
-          <a:p>
-            <a:pPr>
-              <a:spcBef>
-                <a:spcPts val="1200"/>
-              </a:spcBef>
-            </a:pPr>
-            <a:r>
-              <a:rPr lang="en-US" dirty="0"/>
-              <a:t>The </a:t>
-            </a:r>
-            <a:r>
-              <a:rPr lang="en-US" dirty="0" smtClean="0"/>
-              <a:t>databases official </a:t>
-            </a:r>
-            <a:r>
-              <a:rPr lang="en-US" dirty="0"/>
-              <a:t>web site:</a:t>
-            </a:r>
-          </a:p>
-          <a:p>
-            <a:endParaRPr lang="en-US" sz="3100" dirty="0" smtClean="0"/>
-          </a:p>
-          <a:p>
-            <a:endParaRPr lang="en-US" sz="3100" dirty="0"/>
+              <a:rPr lang="en-US" dirty="0" smtClean="0"/>
+              <a:t>When you have data structures and algorithms when the lecture starts (~18:00)</a:t>
+            </a:r>
+          </a:p>
+          <a:p>
+            <a:pPr lvl="1"/>
+            <a:endParaRPr lang="en-US" dirty="0"/>
           </a:p>
         </p:txBody>
       </p:sp>
@@ -10006,274 +9688,53 @@
           </a:p>
         </p:txBody>
       </p:sp>
-      <p:sp>
-        <p:nvSpPr>
-          <p:cNvPr id="7" name="Rounded Rectangle 6"/>
-          <p:cNvSpPr/>
-          <p:nvPr/>
-        </p:nvSpPr>
-        <p:spPr>
-          <a:xfrm>
-            <a:off x="533400" y="1699904"/>
-            <a:ext cx="8077200" cy="863600"/>
-          </a:xfrm>
-          <a:prstGeom prst="roundRect">
-            <a:avLst>
-              <a:gd name="adj" fmla="val 5953"/>
-            </a:avLst>
-          </a:prstGeom>
-          <a:solidFill>
-            <a:schemeClr val="accent5">
-              <a:lumMod val="60000"/>
-              <a:lumOff val="40000"/>
-              <a:alpha val="15000"/>
-            </a:schemeClr>
-          </a:solidFill>
-          <a:ln w="6350" algn="ctr">
-            <a:solidFill>
-              <a:schemeClr val="accent5">
-                <a:lumMod val="60000"/>
-                <a:lumOff val="40000"/>
-                <a:alpha val="70000"/>
-              </a:schemeClr>
-            </a:solidFill>
-            <a:round/>
-            <a:headEnd/>
-            <a:tailEnd/>
-          </a:ln>
-          <a:effectLst/>
-        </p:spPr>
-        <p:txBody>
-          <a:bodyPr lIns="108000" tIns="108000" rIns="108000" bIns="108000" anchor="ctr"/>
-          <a:lstStyle/>
-          <a:p>
-            <a:pPr algn="ctr"/>
-            <a:r>
-              <a:rPr lang="en-US" sz="2400" b="1" noProof="1">
-                <a:solidFill>
-                  <a:schemeClr val="tx1">
-                    <a:lumMod val="40000"/>
-                    <a:lumOff val="60000"/>
-                  </a:schemeClr>
-                </a:solidFill>
-                <a:effectLst>
-                  <a:outerShdw blurRad="38100" dist="38100" dir="2700000" algn="tl">
-                    <a:srgbClr val="000000">
-                      <a:alpha val="43137"/>
-                    </a:srgbClr>
-                  </a:outerShdw>
-                </a:effectLst>
-                <a:latin typeface="Consolas" pitchFamily="49" charset="0"/>
-                <a:cs typeface="Consolas" pitchFamily="49" charset="0"/>
-                <a:hlinkClick r:id="rId3"/>
-              </a:rPr>
-              <a:t>http://</a:t>
-            </a:r>
-            <a:r>
-              <a:rPr lang="en-US" sz="2400" b="1" noProof="1" smtClean="0">
-                <a:solidFill>
-                  <a:schemeClr val="tx1">
-                    <a:lumMod val="40000"/>
-                    <a:lumOff val="60000"/>
-                  </a:schemeClr>
-                </a:solidFill>
-                <a:effectLst>
-                  <a:outerShdw blurRad="38100" dist="38100" dir="2700000" algn="tl">
-                    <a:srgbClr val="000000">
-                      <a:alpha val="43137"/>
-                    </a:srgbClr>
-                  </a:outerShdw>
-                </a:effectLst>
-                <a:latin typeface="Consolas" pitchFamily="49" charset="0"/>
-                <a:cs typeface="Consolas" pitchFamily="49" charset="0"/>
-                <a:hlinkClick r:id="rId3"/>
-              </a:rPr>
-              <a:t>forums.academy.telerik.com/web-development/databases</a:t>
-            </a:r>
-            <a:endParaRPr lang="en-US" sz="2400" b="1" noProof="1">
-              <a:solidFill>
-                <a:schemeClr val="tx1">
-                  <a:lumMod val="40000"/>
-                  <a:lumOff val="60000"/>
-                </a:schemeClr>
-              </a:solidFill>
-              <a:effectLst>
-                <a:outerShdw blurRad="38100" dist="38100" dir="2700000" algn="tl">
-                  <a:srgbClr val="000000">
-                    <a:alpha val="43137"/>
-                  </a:srgbClr>
-                </a:outerShdw>
-              </a:effectLst>
-              <a:latin typeface="Consolas" pitchFamily="49" charset="0"/>
-              <a:cs typeface="Consolas" pitchFamily="49" charset="0"/>
-            </a:endParaRPr>
-          </a:p>
-        </p:txBody>
-      </p:sp>
-      <p:sp>
-        <p:nvSpPr>
-          <p:cNvPr id="8" name="Rounded Rectangle 7"/>
-          <p:cNvSpPr/>
-          <p:nvPr/>
-        </p:nvSpPr>
-        <p:spPr>
-          <a:xfrm>
-            <a:off x="533400" y="5306704"/>
-            <a:ext cx="8077200" cy="1017896"/>
-          </a:xfrm>
-          <a:prstGeom prst="roundRect">
-            <a:avLst>
-              <a:gd name="adj" fmla="val 5953"/>
-            </a:avLst>
-          </a:prstGeom>
-          <a:solidFill>
-            <a:schemeClr val="accent5">
-              <a:lumMod val="60000"/>
-              <a:lumOff val="40000"/>
-              <a:alpha val="15000"/>
-            </a:schemeClr>
-          </a:solidFill>
-          <a:ln w="6350" algn="ctr">
-            <a:solidFill>
-              <a:schemeClr val="accent5">
-                <a:lumMod val="60000"/>
-                <a:lumOff val="40000"/>
-                <a:alpha val="70000"/>
-              </a:schemeClr>
-            </a:solidFill>
-            <a:round/>
-            <a:headEnd/>
-            <a:tailEnd/>
-          </a:ln>
-          <a:effectLst/>
-        </p:spPr>
-        <p:txBody>
-          <a:bodyPr lIns="108000" tIns="108000" rIns="108000" bIns="108000" anchor="ctr"/>
-          <a:lstStyle/>
-          <a:p>
-            <a:pPr algn="ctr"/>
-            <a:r>
-              <a:rPr lang="en-US" sz="2400" b="1" noProof="1">
-                <a:solidFill>
-                  <a:schemeClr val="tx1">
-                    <a:lumMod val="40000"/>
-                    <a:lumOff val="60000"/>
-                  </a:schemeClr>
-                </a:solidFill>
-                <a:effectLst>
-                  <a:outerShdw blurRad="38100" dist="38100" dir="2700000" algn="tl">
-                    <a:srgbClr val="000000">
-                      <a:alpha val="43137"/>
-                    </a:srgbClr>
-                  </a:outerShdw>
-                </a:effectLst>
-                <a:latin typeface="Consolas" pitchFamily="49" charset="0"/>
-                <a:cs typeface="Consolas" pitchFamily="49" charset="0"/>
-                <a:hlinkClick r:id="rId4"/>
-              </a:rPr>
-              <a:t>http://</a:t>
-            </a:r>
-            <a:r>
-              <a:rPr lang="en-US" sz="2400" b="1" noProof="1" smtClean="0">
-                <a:solidFill>
-                  <a:schemeClr val="tx1">
-                    <a:lumMod val="40000"/>
-                    <a:lumOff val="60000"/>
-                  </a:schemeClr>
-                </a:solidFill>
-                <a:effectLst>
-                  <a:outerShdw blurRad="38100" dist="38100" dir="2700000" algn="tl">
-                    <a:srgbClr val="000000">
-                      <a:alpha val="43137"/>
-                    </a:srgbClr>
-                  </a:outerShdw>
-                </a:effectLst>
-                <a:latin typeface="Consolas" pitchFamily="49" charset="0"/>
-                <a:cs typeface="Consolas" pitchFamily="49" charset="0"/>
-                <a:hlinkClick r:id="rId4"/>
-              </a:rPr>
-              <a:t>academy.telerik.com/student-courses/programming/databases/about</a:t>
-            </a:r>
-            <a:endParaRPr lang="en-US" sz="2400" b="1" noProof="1">
-              <a:solidFill>
-                <a:schemeClr val="tx1">
-                  <a:lumMod val="40000"/>
-                  <a:lumOff val="60000"/>
-                </a:schemeClr>
-              </a:solidFill>
-              <a:effectLst>
-                <a:outerShdw blurRad="38100" dist="38100" dir="2700000" algn="tl">
-                  <a:srgbClr val="000000">
-                    <a:alpha val="43137"/>
-                  </a:srgbClr>
-                </a:outerShdw>
-              </a:effectLst>
-              <a:latin typeface="Consolas" pitchFamily="49" charset="0"/>
-              <a:cs typeface="Consolas" pitchFamily="49" charset="0"/>
-            </a:endParaRPr>
-          </a:p>
-        </p:txBody>
-      </p:sp>
       <p:pic>
         <p:nvPicPr>
-          <p:cNvPr id="9" name="Picture 2">
-            <a:hlinkClick r:id="rId5" tooltip="C# Fundamentals course"/>
-          </p:cNvPr>
+          <p:cNvPr id="5" name="Picture 4"/>
           <p:cNvPicPr>
-            <a:picLocks noChangeAspect="1" noChangeArrowheads="1"/>
+            <a:picLocks noChangeAspect="1"/>
           </p:cNvPicPr>
           <p:nvPr/>
         </p:nvPicPr>
         <p:blipFill>
-          <a:blip r:embed="rId6" cstate="screen">
-            <a:extLst>
-              <a:ext uri="{28A0092B-C50C-407E-A947-70E740481C1C}">
-                <a14:useLocalDpi xmlns:a14="http://schemas.microsoft.com/office/drawing/2010/main"/>
-              </a:ext>
-            </a:extLst>
-          </a:blip>
-          <a:srcRect/>
+          <a:blip r:embed="rId2"/>
           <a:stretch>
             <a:fillRect/>
           </a:stretch>
         </p:blipFill>
-        <p:spPr bwMode="auto">
+        <p:spPr>
           <a:xfrm>
-            <a:off x="6705600" y="3371026"/>
-            <a:ext cx="1429576" cy="1429574"/>
-          </a:xfrm>
-          <a:prstGeom prst="rect">
-            <a:avLst/>
+            <a:off x="2624137" y="4495800"/>
+            <a:ext cx="3895725" cy="1733550"/>
+          </a:xfrm>
+          <a:prstGeom prst="roundRect">
+            <a:avLst>
+              <a:gd name="adj" fmla="val 8594"/>
+            </a:avLst>
           </a:prstGeom>
-          <a:noFill/>
-          <a:extLst>
-            <a:ext uri="{909E8E84-426E-40DD-AFC4-6F175D3DCCD1}">
-              <a14:hiddenFill xmlns:a14="http://schemas.microsoft.com/office/drawing/2010/main">
-                <a:solidFill>
-                  <a:srgbClr val="FFFFFF"/>
-                </a:solidFill>
-              </a14:hiddenFill>
-            </a:ext>
-          </a:extLst>
+          <a:solidFill>
+            <a:srgbClr val="FFFFFF">
+              <a:shade val="85000"/>
+            </a:srgbClr>
+          </a:solidFill>
+          <a:ln>
+            <a:noFill/>
+          </a:ln>
+          <a:effectLst>
+            <a:reflection blurRad="12700" stA="38000" endPos="28000" dist="5000" dir="5400000" sy="-100000" algn="bl" rotWithShape="0"/>
+          </a:effectLst>
         </p:spPr>
       </p:pic>
     </p:spTree>
     <p:extLst>
       <p:ext uri="{BB962C8B-B14F-4D97-AF65-F5344CB8AC3E}">
-        <p14:creationId xmlns:p14="http://schemas.microsoft.com/office/powerpoint/2010/main" val="3161721864"/>
+        <p14:creationId xmlns:p14="http://schemas.microsoft.com/office/powerpoint/2010/main" val="285027201"/>
       </p:ext>
     </p:extLst>
   </p:cSld>
   <p:clrMapOvr>
     <a:masterClrMapping/>
   </p:clrMapOvr>
-  <p:timing>
-    <p:tnLst>
-      <p:par>
-        <p:cTn id="1" dur="indefinite" restart="never" nodeType="tmRoot"/>
-      </p:par>
-    </p:tnLst>
-  </p:timing>
 </p:sld>
 </file>
 
@@ -10301,29 +9762,23 @@
             <a:spLocks noGrp="1"/>
           </p:cNvSpPr>
           <p:nvPr>
-            <p:ph type="title"/>
+            <p:ph type="ctrTitle"/>
           </p:nvPr>
         </p:nvSpPr>
         <p:spPr>
           <a:xfrm>
-            <a:off x="1828800" y="228600"/>
-            <a:ext cx="7086600" cy="838200"/>
+            <a:off x="1447800" y="2006601"/>
+            <a:ext cx="7086600" cy="685800"/>
           </a:xfrm>
         </p:spPr>
         <p:txBody>
           <a:bodyPr/>
           <a:lstStyle/>
           <a:p>
-            <a:r>
-              <a:rPr lang="en-US" dirty="0" smtClean="0"/>
-              <a:t>Telerik Integrated</a:t>
-            </a:r>
-            <a:br>
-              <a:rPr lang="en-US" dirty="0" smtClean="0"/>
-            </a:br>
-            <a:r>
-              <a:rPr lang="en-US" dirty="0" smtClean="0"/>
-              <a:t>Learning System (TILS)</a:t>
+            <a:pPr algn="r"/>
+            <a:r>
+              <a:rPr lang="en-US" dirty="0" smtClean="0"/>
+              <a:t>Resources</a:t>
             </a:r>
             <a:endParaRPr lang="en-US" dirty="0"/>
           </a:p>
@@ -10331,207 +9786,58 @@
       </p:sp>
       <p:sp>
         <p:nvSpPr>
-          <p:cNvPr id="3" name="Content Placeholder 2"/>
+          <p:cNvPr id="3" name="Subtitle 2"/>
           <p:cNvSpPr>
             <a:spLocks noGrp="1"/>
           </p:cNvSpPr>
           <p:nvPr>
-            <p:ph idx="1"/>
+            <p:ph type="subTitle" idx="1"/>
           </p:nvPr>
         </p:nvSpPr>
         <p:spPr>
           <a:xfrm>
-            <a:off x="228600" y="1295400"/>
-            <a:ext cx="8686800" cy="5410200"/>
+            <a:off x="676275" y="2834480"/>
+            <a:ext cx="7858125" cy="569120"/>
           </a:xfrm>
         </p:spPr>
         <p:txBody>
           <a:bodyPr/>
           <a:lstStyle/>
           <a:p>
-            <a:r>
-              <a:rPr lang="en-US" dirty="0" smtClean="0"/>
-              <a:t>The Telerik Integrated Learning System (TILS)</a:t>
-            </a:r>
-          </a:p>
-          <a:p>
-            <a:pPr lvl="1"/>
-            <a:r>
-              <a:rPr lang="en-US" dirty="0" smtClean="0">
-                <a:hlinkClick r:id="rId2"/>
-              </a:rPr>
-              <a:t>www.telerikacademy.com</a:t>
-            </a:r>
-            <a:endParaRPr lang="en-US" dirty="0" smtClean="0"/>
-          </a:p>
-          <a:p>
-            <a:pPr lvl="1"/>
-            <a:r>
-              <a:rPr lang="en-US" dirty="0" smtClean="0"/>
-              <a:t>Important resource for all students</a:t>
-            </a:r>
-          </a:p>
-          <a:p>
-            <a:pPr lvl="1"/>
-            <a:r>
-              <a:rPr lang="en-US" dirty="0" smtClean="0"/>
-              <a:t>Homework submissions</a:t>
-            </a:r>
-          </a:p>
-          <a:p>
-            <a:pPr lvl="1"/>
-            <a:r>
-              <a:rPr lang="en-US" dirty="0" smtClean="0"/>
-              <a:t>Homework peer reviews</a:t>
-            </a:r>
-          </a:p>
-          <a:p>
-            <a:pPr lvl="1"/>
-            <a:r>
-              <a:rPr lang="en-US" dirty="0" smtClean="0"/>
-              <a:t>Presence cards with barcode</a:t>
-            </a:r>
-          </a:p>
-          <a:p>
-            <a:pPr lvl="1"/>
-            <a:r>
-              <a:rPr lang="en-US" dirty="0" smtClean="0"/>
-              <a:t>Reports about your results</a:t>
+            <a:pPr algn="r"/>
+            <a:r>
+              <a:rPr lang="en-US" dirty="0" smtClean="0"/>
+              <a:t>What We Need in Addition to this Course Content?</a:t>
             </a:r>
             <a:endParaRPr lang="en-US" dirty="0"/>
-          </a:p>
-        </p:txBody>
-      </p:sp>
-      <p:sp>
-        <p:nvSpPr>
-          <p:cNvPr id="4" name="Slide Number Placeholder 3"/>
-          <p:cNvSpPr>
-            <a:spLocks noGrp="1"/>
-          </p:cNvSpPr>
-          <p:nvPr>
-            <p:ph type="sldNum" sz="quarter" idx="10"/>
-          </p:nvPr>
-        </p:nvSpPr>
-        <p:spPr/>
-        <p:txBody>
-          <a:bodyPr/>
-          <a:lstStyle/>
-          <a:p>
-            <a:pPr>
-              <a:defRPr/>
-            </a:pPr>
-            <a:fld id="{58452FF4-89E3-4D1B-9927-2DBDC00E58D7}" type="slidenum">
-              <a:rPr lang="en-US" smtClean="0"/>
-              <a:pPr>
-                <a:defRPr/>
-              </a:pPr>
-              <a:t>19</a:t>
-            </a:fld>
-            <a:endParaRPr lang="en-US" dirty="0"/>
-          </a:p>
-        </p:txBody>
-      </p:sp>
-      <p:sp>
-        <p:nvSpPr>
-          <p:cNvPr id="6" name="Rounded Rectangle 5"/>
-          <p:cNvSpPr/>
-          <p:nvPr/>
-        </p:nvSpPr>
-        <p:spPr>
-          <a:xfrm>
-            <a:off x="533400" y="5896100"/>
-            <a:ext cx="8077200" cy="609600"/>
-          </a:xfrm>
-          <a:prstGeom prst="roundRect">
-            <a:avLst>
-              <a:gd name="adj" fmla="val 5953"/>
-            </a:avLst>
-          </a:prstGeom>
-          <a:solidFill>
-            <a:schemeClr val="accent5">
-              <a:lumMod val="60000"/>
-              <a:lumOff val="40000"/>
-              <a:alpha val="15000"/>
-            </a:schemeClr>
-          </a:solidFill>
-          <a:ln w="6350" algn="ctr">
-            <a:solidFill>
-              <a:schemeClr val="accent5">
-                <a:lumMod val="60000"/>
-                <a:lumOff val="40000"/>
-                <a:alpha val="70000"/>
-              </a:schemeClr>
-            </a:solidFill>
-            <a:round/>
-            <a:headEnd/>
-            <a:tailEnd/>
-          </a:ln>
-          <a:effectLst/>
-        </p:spPr>
-        <p:txBody>
-          <a:bodyPr lIns="108000" tIns="108000" rIns="108000" bIns="108000" anchor="ctr"/>
-          <a:lstStyle/>
-          <a:p>
-            <a:pPr algn="ctr"/>
-            <a:r>
-              <a:rPr lang="en-US" sz="2400" b="1" noProof="1" smtClean="0">
-                <a:solidFill>
-                  <a:schemeClr val="tx1">
-                    <a:lumMod val="40000"/>
-                    <a:lumOff val="60000"/>
-                  </a:schemeClr>
-                </a:solidFill>
-                <a:effectLst>
-                  <a:outerShdw blurRad="38100" dist="38100" dir="2700000" algn="tl">
-                    <a:srgbClr val="000000">
-                      <a:alpha val="43137"/>
-                    </a:srgbClr>
-                  </a:outerShdw>
-                </a:effectLst>
-                <a:latin typeface="Consolas" pitchFamily="49" charset="0"/>
-                <a:cs typeface="Consolas" pitchFamily="49" charset="0"/>
-                <a:hlinkClick r:id="rId3"/>
-              </a:rPr>
-              <a:t>telerikacademy.com/Courses/Courses/Details/98</a:t>
-            </a:r>
-            <a:endParaRPr lang="en-US" sz="2400" b="1" noProof="1">
-              <a:solidFill>
-                <a:schemeClr val="tx1">
-                  <a:lumMod val="40000"/>
-                  <a:lumOff val="60000"/>
-                </a:schemeClr>
-              </a:solidFill>
-              <a:effectLst>
-                <a:outerShdw blurRad="38100" dist="38100" dir="2700000" algn="tl">
-                  <a:srgbClr val="000000">
-                    <a:alpha val="43137"/>
-                  </a:srgbClr>
-                </a:outerShdw>
-              </a:effectLst>
-              <a:latin typeface="Consolas" pitchFamily="49" charset="0"/>
-              <a:cs typeface="Consolas" pitchFamily="49" charset="0"/>
-            </a:endParaRPr>
           </a:p>
         </p:txBody>
       </p:sp>
       <p:pic>
         <p:nvPicPr>
-          <p:cNvPr id="7" name="Picture 6"/>
+          <p:cNvPr id="10242" name="Picture 2" descr="http://headrush.typepad.com/photos/uncategorized/books.jpg"/>
           <p:cNvPicPr>
-            <a:picLocks noChangeAspect="1"/>
+            <a:picLocks noChangeAspect="1" noChangeArrowheads="1"/>
           </p:cNvPicPr>
           <p:nvPr/>
         </p:nvPicPr>
         <p:blipFill>
-          <a:blip r:embed="rId4"/>
+          <a:blip r:embed="rId2" cstate="screen">
+            <a:extLst>
+              <a:ext uri="{28A0092B-C50C-407E-A947-70E740481C1C}">
+                <a14:useLocalDpi xmlns:a14="http://schemas.microsoft.com/office/drawing/2010/main"/>
+              </a:ext>
+            </a:extLst>
+          </a:blip>
+          <a:srcRect/>
           <a:stretch>
             <a:fillRect/>
           </a:stretch>
         </p:blipFill>
-        <p:spPr>
+        <p:spPr bwMode="auto">
           <a:xfrm>
-            <a:off x="5867400" y="3505200"/>
-            <a:ext cx="2857076" cy="1807187"/>
+            <a:off x="609600" y="3724588"/>
+            <a:ext cx="3918458" cy="2600012"/>
           </a:xfrm>
           <a:prstGeom prst="rect">
             <a:avLst/>
@@ -10540,18 +9846,306 @@
             <a:noFill/>
           </a:ln>
           <a:effectLst>
-            <a:outerShdw blurRad="190500" algn="tl" rotWithShape="0">
-              <a:srgbClr val="000000">
-                <a:alpha val="70000"/>
-              </a:srgbClr>
-            </a:outerShdw>
+            <a:softEdge rad="112500"/>
           </a:effectLst>
+        </p:spPr>
+      </p:pic>
+      <p:pic>
+        <p:nvPicPr>
+          <p:cNvPr id="10244" name="Picture 4" descr="http://www.bbc.co.uk/blogs/ni/books.jpg"/>
+          <p:cNvPicPr>
+            <a:picLocks noChangeAspect="1" noChangeArrowheads="1"/>
+          </p:cNvPicPr>
+          <p:nvPr/>
+        </p:nvPicPr>
+        <p:blipFill>
+          <a:blip r:embed="rId3" cstate="screen">
+            <a:extLst>
+              <a:ext uri="{28A0092B-C50C-407E-A947-70E740481C1C}">
+                <a14:useLocalDpi xmlns:a14="http://schemas.microsoft.com/office/drawing/2010/main"/>
+              </a:ext>
+            </a:extLst>
+          </a:blip>
+          <a:srcRect/>
+          <a:stretch>
+            <a:fillRect/>
+          </a:stretch>
+        </p:blipFill>
+        <p:spPr bwMode="auto">
+          <a:xfrm>
+            <a:off x="6810375" y="3729089"/>
+            <a:ext cx="1724025" cy="2595511"/>
+          </a:xfrm>
+          <a:prstGeom prst="rect">
+            <a:avLst/>
+          </a:prstGeom>
+          <a:ln>
+            <a:noFill/>
+          </a:ln>
+          <a:effectLst>
+            <a:softEdge rad="112500"/>
+          </a:effectLst>
+        </p:spPr>
+      </p:pic>
+      <p:pic>
+        <p:nvPicPr>
+          <p:cNvPr id="5122" name="Picture 2" descr="dashboard, widgets icon"/>
+          <p:cNvPicPr>
+            <a:picLocks noChangeAspect="1" noChangeArrowheads="1"/>
+          </p:cNvPicPr>
+          <p:nvPr/>
+        </p:nvPicPr>
+        <p:blipFill>
+          <a:blip r:embed="rId4">
+            <a:extLst>
+              <a:ext uri="{28A0092B-C50C-407E-A947-70E740481C1C}">
+                <a14:useLocalDpi xmlns:a14="http://schemas.microsoft.com/office/drawing/2010/main"/>
+              </a:ext>
+            </a:extLst>
+          </a:blip>
+          <a:srcRect/>
+          <a:stretch>
+            <a:fillRect/>
+          </a:stretch>
+        </p:blipFill>
+        <p:spPr bwMode="auto">
+          <a:xfrm>
+            <a:off x="2692400" y="641349"/>
+            <a:ext cx="1695450" cy="1695451"/>
+          </a:xfrm>
+          <a:prstGeom prst="rect">
+            <a:avLst/>
+          </a:prstGeom>
+          <a:noFill/>
+          <a:extLst>
+            <a:ext uri="{909E8E84-426E-40DD-AFC4-6F175D3DCCD1}">
+              <a14:hiddenFill xmlns:a14="http://schemas.microsoft.com/office/drawing/2010/main">
+                <a:solidFill>
+                  <a:srgbClr val="FFFFFF"/>
+                </a:solidFill>
+              </a14:hiddenFill>
+            </a:ext>
+          </a:extLst>
+        </p:spPr>
+      </p:pic>
+      <p:pic>
+        <p:nvPicPr>
+          <p:cNvPr id="5126" name="Picture 6" descr="earth, folder, internet, web icon"/>
+          <p:cNvPicPr>
+            <a:picLocks noChangeAspect="1" noChangeArrowheads="1"/>
+          </p:cNvPicPr>
+          <p:nvPr/>
+        </p:nvPicPr>
+        <p:blipFill>
+          <a:blip r:embed="rId5">
+            <a:extLst>
+              <a:ext uri="{28A0092B-C50C-407E-A947-70E740481C1C}">
+                <a14:useLocalDpi xmlns:a14="http://schemas.microsoft.com/office/drawing/2010/main"/>
+              </a:ext>
+            </a:extLst>
+          </a:blip>
+          <a:srcRect/>
+          <a:stretch>
+            <a:fillRect/>
+          </a:stretch>
+        </p:blipFill>
+        <p:spPr bwMode="auto">
+          <a:xfrm>
+            <a:off x="4730751" y="361950"/>
+            <a:ext cx="1390649" cy="1390650"/>
+          </a:xfrm>
+          <a:prstGeom prst="rect">
+            <a:avLst/>
+          </a:prstGeom>
+          <a:noFill/>
+          <a:extLst>
+            <a:ext uri="{909E8E84-426E-40DD-AFC4-6F175D3DCCD1}">
+              <a14:hiddenFill xmlns:a14="http://schemas.microsoft.com/office/drawing/2010/main">
+                <a:solidFill>
+                  <a:srgbClr val="FFFFFF"/>
+                </a:solidFill>
+              </a14:hiddenFill>
+            </a:ext>
+          </a:extLst>
+        </p:spPr>
+      </p:pic>
+      <p:pic>
+        <p:nvPicPr>
+          <p:cNvPr id="5130" name="Picture 10" descr=" icon"/>
+          <p:cNvPicPr>
+            <a:picLocks noChangeAspect="1" noChangeArrowheads="1"/>
+          </p:cNvPicPr>
+          <p:nvPr/>
+        </p:nvPicPr>
+        <p:blipFill>
+          <a:blip r:embed="rId6">
+            <a:extLst>
+              <a:ext uri="{28A0092B-C50C-407E-A947-70E740481C1C}">
+                <a14:useLocalDpi xmlns:a14="http://schemas.microsoft.com/office/drawing/2010/main"/>
+              </a:ext>
+            </a:extLst>
+          </a:blip>
+          <a:srcRect/>
+          <a:stretch>
+            <a:fillRect/>
+          </a:stretch>
+        </p:blipFill>
+        <p:spPr bwMode="auto">
+          <a:xfrm>
+            <a:off x="6146800" y="304799"/>
+            <a:ext cx="1219200" cy="1219201"/>
+          </a:xfrm>
+          <a:prstGeom prst="rect">
+            <a:avLst/>
+          </a:prstGeom>
+          <a:noFill/>
+          <a:extLst>
+            <a:ext uri="{909E8E84-426E-40DD-AFC4-6F175D3DCCD1}">
+              <a14:hiddenFill xmlns:a14="http://schemas.microsoft.com/office/drawing/2010/main">
+                <a:solidFill>
+                  <a:srgbClr val="FFFFFF"/>
+                </a:solidFill>
+              </a14:hiddenFill>
+            </a:ext>
+          </a:extLst>
+        </p:spPr>
+      </p:pic>
+      <p:pic>
+        <p:nvPicPr>
+          <p:cNvPr id="5132" name="Picture 12" descr="folder icon"/>
+          <p:cNvPicPr>
+            <a:picLocks noChangeAspect="1" noChangeArrowheads="1"/>
+          </p:cNvPicPr>
+          <p:nvPr/>
+        </p:nvPicPr>
+        <p:blipFill>
+          <a:blip r:embed="rId7">
+            <a:extLst>
+              <a:ext uri="{28A0092B-C50C-407E-A947-70E740481C1C}">
+                <a14:useLocalDpi xmlns:a14="http://schemas.microsoft.com/office/drawing/2010/main"/>
+              </a:ext>
+            </a:extLst>
+          </a:blip>
+          <a:srcRect/>
+          <a:stretch>
+            <a:fillRect/>
+          </a:stretch>
+        </p:blipFill>
+        <p:spPr bwMode="auto">
+          <a:xfrm>
+            <a:off x="7677149" y="495298"/>
+            <a:ext cx="1104902" cy="1104902"/>
+          </a:xfrm>
+          <a:prstGeom prst="rect">
+            <a:avLst/>
+          </a:prstGeom>
+          <a:noFill/>
+          <a:extLst>
+            <a:ext uri="{909E8E84-426E-40DD-AFC4-6F175D3DCCD1}">
+              <a14:hiddenFill xmlns:a14="http://schemas.microsoft.com/office/drawing/2010/main">
+                <a:solidFill>
+                  <a:srgbClr val="FFFFFF"/>
+                </a:solidFill>
+              </a14:hiddenFill>
+            </a:ext>
+          </a:extLst>
+        </p:spPr>
+      </p:pic>
+      <p:pic>
+        <p:nvPicPr>
+          <p:cNvPr id="13314" name="Picture 2" descr="http://www.manager.bg/sites/default/files/news_photos/wikipedia-logo-en-big.png"/>
+          <p:cNvPicPr>
+            <a:picLocks noChangeAspect="1" noChangeArrowheads="1"/>
+          </p:cNvPicPr>
+          <p:nvPr/>
+        </p:nvPicPr>
+        <p:blipFill>
+          <a:blip r:embed="rId8" cstate="screen">
+            <a:extLst>
+              <a:ext uri="{28A0092B-C50C-407E-A947-70E740481C1C}">
+                <a14:useLocalDpi xmlns:a14="http://schemas.microsoft.com/office/drawing/2010/main"/>
+              </a:ext>
+            </a:extLst>
+          </a:blip>
+          <a:srcRect/>
+          <a:stretch>
+            <a:fillRect/>
+          </a:stretch>
+        </p:blipFill>
+        <p:spPr bwMode="auto">
+          <a:xfrm>
+            <a:off x="4797067" y="3962401"/>
+            <a:ext cx="1734266" cy="2124386"/>
+          </a:xfrm>
+          <a:prstGeom prst="rect">
+            <a:avLst/>
+          </a:prstGeom>
+          <a:noFill/>
+          <a:effectLst>
+            <a:glow rad="127000">
+              <a:schemeClr val="accent4">
+                <a:lumMod val="60000"/>
+                <a:lumOff val="40000"/>
+                <a:alpha val="25000"/>
+              </a:schemeClr>
+            </a:glow>
+          </a:effectLst>
+          <a:extLst>
+            <a:ext uri="{909E8E84-426E-40DD-AFC4-6F175D3DCCD1}">
+              <a14:hiddenFill xmlns:a14="http://schemas.microsoft.com/office/drawing/2010/main">
+                <a:solidFill>
+                  <a:srgbClr val="FFFFFF"/>
+                </a:solidFill>
+              </a14:hiddenFill>
+            </a:ext>
+          </a:extLst>
+        </p:spPr>
+      </p:pic>
+      <p:pic>
+        <p:nvPicPr>
+          <p:cNvPr id="13318" name="Picture 6" descr="document, file, find, search, text icon"/>
+          <p:cNvPicPr>
+            <a:picLocks noChangeAspect="1" noChangeArrowheads="1"/>
+          </p:cNvPicPr>
+          <p:nvPr/>
+        </p:nvPicPr>
+        <p:blipFill>
+          <a:blip r:embed="rId9">
+            <a:extLst>
+              <a:ext uri="{28A0092B-C50C-407E-A947-70E740481C1C}">
+                <a14:useLocalDpi xmlns:a14="http://schemas.microsoft.com/office/drawing/2010/main"/>
+              </a:ext>
+            </a:extLst>
+          </a:blip>
+          <a:srcRect/>
+          <a:stretch>
+            <a:fillRect/>
+          </a:stretch>
+        </p:blipFill>
+        <p:spPr bwMode="auto">
+          <a:xfrm rot="162075">
+            <a:off x="797108" y="1030194"/>
+            <a:ext cx="1716331" cy="1530347"/>
+          </a:xfrm>
+          <a:prstGeom prst="rect">
+            <a:avLst/>
+          </a:prstGeom>
+          <a:noFill/>
+          <a:extLst>
+            <a:ext uri="{909E8E84-426E-40DD-AFC4-6F175D3DCCD1}">
+              <a14:hiddenFill xmlns:a14="http://schemas.microsoft.com/office/drawing/2010/main">
+                <a:solidFill>
+                  <a:srgbClr val="FFFFFF"/>
+                </a:solidFill>
+              </a14:hiddenFill>
+            </a:ext>
+          </a:extLst>
         </p:spPr>
       </p:pic>
     </p:spTree>
     <p:extLst>
       <p:ext uri="{BB962C8B-B14F-4D97-AF65-F5344CB8AC3E}">
-        <p14:creationId xmlns:p14="http://schemas.microsoft.com/office/powerpoint/2010/main" val="297593817"/>
+        <p14:creationId xmlns:p14="http://schemas.microsoft.com/office/powerpoint/2010/main" val="3245202437"/>
       </p:ext>
     </p:extLst>
   </p:cSld>
@@ -10706,14 +10300,19 @@
           <a:p>
             <a:r>
               <a:rPr lang="en-US" dirty="0" smtClean="0"/>
-              <a:t>Resources for the Course</a:t>
-            </a:r>
-          </a:p>
-          <a:p>
-            <a:r>
-              <a:rPr lang="en-US" dirty="0" smtClean="0"/>
-              <a:t>Champions from DSA and JS Applications</a:t>
-            </a:r>
+              <a:t>Resources for the </a:t>
+            </a:r>
+            <a:r>
+              <a:rPr lang="en-US" dirty="0" smtClean="0"/>
+              <a:t>Course</a:t>
+            </a:r>
+          </a:p>
+          <a:p>
+            <a:r>
+              <a:rPr lang="en-US" smtClean="0"/>
+              <a:t>HQC Champions</a:t>
+            </a:r>
+            <a:endParaRPr lang="en-US" dirty="0" smtClean="0"/>
           </a:p>
         </p:txBody>
       </p:sp>
@@ -10803,8 +10402,8 @@
           <a:lstStyle/>
           <a:p>
             <a:r>
-              <a:rPr lang="en-US" smtClean="0"/>
-              <a:t>Required Software</a:t>
+              <a:rPr lang="en-US" dirty="0" smtClean="0"/>
+              <a:t>Course Web Site &amp; Forums</a:t>
             </a:r>
             <a:endParaRPr lang="en-US" dirty="0"/>
           </a:p>
@@ -10822,147 +10421,72 @@
         </p:nvSpPr>
         <p:spPr>
           <a:xfrm>
-            <a:off x="228600" y="762000"/>
-            <a:ext cx="8686800" cy="5638800"/>
+            <a:off x="228600" y="1066800"/>
+            <a:ext cx="8686800" cy="5562600"/>
           </a:xfrm>
         </p:spPr>
         <p:txBody>
           <a:bodyPr/>
           <a:lstStyle/>
           <a:p>
+            <a:r>
+              <a:rPr lang="en-US" dirty="0" smtClean="0"/>
+              <a:t>Register for the "Telerik Academy Forums":</a:t>
+            </a:r>
+          </a:p>
+          <a:p>
+            <a:pPr lvl="1"/>
+            <a:endParaRPr lang="en-US" sz="2900" dirty="0" smtClean="0"/>
+          </a:p>
+          <a:p>
+            <a:pPr lvl="1">
+              <a:spcBef>
+                <a:spcPts val="2400"/>
+              </a:spcBef>
+            </a:pPr>
+            <a:r>
+              <a:rPr lang="en-US" sz="2900" dirty="0" smtClean="0"/>
+              <a:t>Discuss the course exercises with your colleagues</a:t>
+            </a:r>
+          </a:p>
+          <a:p>
+            <a:pPr lvl="1"/>
+            <a:r>
+              <a:rPr lang="en-US" sz="2900" dirty="0" smtClean="0"/>
+              <a:t>Find solutions for the exercises</a:t>
+            </a:r>
+          </a:p>
+          <a:p>
+            <a:pPr lvl="1"/>
+            <a:r>
+              <a:rPr lang="en-US" sz="2900" dirty="0" smtClean="0"/>
+              <a:t>Share source code / discuss ideas</a:t>
+            </a:r>
+          </a:p>
+          <a:p>
             <a:pPr>
-              <a:lnSpc>
-                <a:spcPct val="110000"/>
-              </a:lnSpc>
+              <a:spcBef>
+                <a:spcPts val="1200"/>
+              </a:spcBef>
             </a:pPr>
             <a:r>
-              <a:rPr lang="en-US" dirty="0" smtClean="0"/>
-              <a:t>Software needed for this course:</a:t>
-            </a:r>
-          </a:p>
-          <a:p>
-            <a:pPr lvl="1">
-              <a:lnSpc>
-                <a:spcPct val="110000"/>
-              </a:lnSpc>
-            </a:pPr>
-            <a:r>
-              <a:rPr lang="en-US" dirty="0" smtClean="0"/>
-              <a:t>Microsoft </a:t>
-            </a:r>
-            <a:r>
-              <a:rPr lang="en-US" dirty="0" smtClean="0">
-                <a:solidFill>
-                  <a:schemeClr val="accent5">
-                    <a:lumMod val="20000"/>
-                    <a:lumOff val="80000"/>
-                  </a:schemeClr>
-                </a:solidFill>
-              </a:rPr>
-              <a:t>Visual Studio </a:t>
-            </a:r>
-            <a:r>
-              <a:rPr lang="en-US" dirty="0" smtClean="0">
-                <a:solidFill>
-                  <a:schemeClr val="accent5">
-                    <a:lumMod val="20000"/>
-                    <a:lumOff val="80000"/>
-                  </a:schemeClr>
-                </a:solidFill>
-                <a:latin typeface="Consolas" pitchFamily="49" charset="0"/>
-                <a:cs typeface="Consolas" pitchFamily="49" charset="0"/>
-              </a:rPr>
-              <a:t>2012/2013</a:t>
-            </a:r>
-            <a:r>
-              <a:rPr lang="en-US" dirty="0" smtClean="0">
-                <a:solidFill>
-                  <a:schemeClr val="accent5">
-                    <a:lumMod val="20000"/>
-                    <a:lumOff val="80000"/>
-                  </a:schemeClr>
-                </a:solidFill>
-              </a:rPr>
-              <a:t> </a:t>
-            </a:r>
-            <a:r>
-              <a:rPr lang="en-US" dirty="0" smtClean="0"/>
-              <a:t>or </a:t>
-            </a:r>
-            <a:r>
-              <a:rPr lang="en-US" dirty="0" smtClean="0">
-                <a:hlinkClick r:id="rId3"/>
-              </a:rPr>
-              <a:t>Visual Studio Express </a:t>
-            </a:r>
-            <a:r>
-              <a:rPr lang="en-US" dirty="0">
-                <a:latin typeface="Consolas" pitchFamily="49" charset="0"/>
-                <a:cs typeface="Consolas" pitchFamily="49" charset="0"/>
-                <a:hlinkClick r:id="rId3"/>
-              </a:rPr>
-              <a:t>2012</a:t>
-            </a:r>
-            <a:r>
-              <a:rPr lang="en-US" dirty="0" smtClean="0"/>
-              <a:t> (free version </a:t>
-            </a:r>
-            <a:r>
               <a:rPr lang="en-US" dirty="0"/>
-              <a:t>of VS </a:t>
-            </a:r>
-            <a:r>
-              <a:rPr lang="en-US" dirty="0" smtClean="0">
-                <a:latin typeface="Consolas" pitchFamily="49" charset="0"/>
-                <a:cs typeface="Consolas" pitchFamily="49" charset="0"/>
-              </a:rPr>
-              <a:t>2012</a:t>
-            </a:r>
-            <a:r>
-              <a:rPr lang="en-US" dirty="0" smtClean="0"/>
-              <a:t>)</a:t>
-            </a:r>
-          </a:p>
-          <a:p>
-            <a:pPr lvl="1">
-              <a:lnSpc>
-                <a:spcPct val="110000"/>
-              </a:lnSpc>
-            </a:pPr>
+              <a:t>The </a:t>
+            </a:r>
+            <a:r>
+              <a:rPr lang="en-US" dirty="0" smtClean="0"/>
+              <a:t>databases official </a:t>
+            </a:r>
             <a:r>
               <a:rPr lang="en-US" dirty="0"/>
-              <a:t>Microsoft SQL Server 2012 Developer with Service Pack 1 and Developer </a:t>
-            </a:r>
-            <a:r>
-              <a:rPr lang="en-US" dirty="0" smtClean="0"/>
-              <a:t>Tools</a:t>
-            </a:r>
-          </a:p>
-          <a:p>
-            <a:pPr lvl="1">
-              <a:lnSpc>
-                <a:spcPct val="110000"/>
-              </a:lnSpc>
-            </a:pPr>
-            <a:r>
-              <a:rPr lang="en-US" dirty="0"/>
-              <a:t>MySQL Community Server </a:t>
-            </a:r>
-            <a:r>
-              <a:rPr lang="en-US" dirty="0" smtClean="0"/>
-              <a:t>5.x</a:t>
-            </a:r>
-          </a:p>
-          <a:p>
-            <a:pPr lvl="2">
-              <a:lnSpc>
-                <a:spcPct val="110000"/>
-              </a:lnSpc>
-            </a:pPr>
-            <a:r>
-              <a:rPr lang="en-US" dirty="0"/>
-              <a:t>MySQL Workbench</a:t>
-            </a:r>
+              <a:t>web site:</a:t>
+            </a:r>
+          </a:p>
+          <a:p>
+            <a:endParaRPr lang="en-US" sz="3100" dirty="0" smtClean="0"/>
+          </a:p>
+          <a:p>
+            <a:endParaRPr lang="en-US" sz="3100" dirty="0"/>
           </a:p>
         </p:txBody>
       </p:sp>
@@ -10995,78 +10519,261 @@
           </a:p>
         </p:txBody>
       </p:sp>
+      <p:sp>
+        <p:nvSpPr>
+          <p:cNvPr id="7" name="Rounded Rectangle 6"/>
+          <p:cNvSpPr/>
+          <p:nvPr/>
+        </p:nvSpPr>
+        <p:spPr>
+          <a:xfrm>
+            <a:off x="533400" y="1699904"/>
+            <a:ext cx="8077200" cy="863600"/>
+          </a:xfrm>
+          <a:prstGeom prst="roundRect">
+            <a:avLst>
+              <a:gd name="adj" fmla="val 5953"/>
+            </a:avLst>
+          </a:prstGeom>
+          <a:solidFill>
+            <a:schemeClr val="accent5">
+              <a:lumMod val="60000"/>
+              <a:lumOff val="40000"/>
+              <a:alpha val="15000"/>
+            </a:schemeClr>
+          </a:solidFill>
+          <a:ln w="6350" algn="ctr">
+            <a:solidFill>
+              <a:schemeClr val="accent5">
+                <a:lumMod val="60000"/>
+                <a:lumOff val="40000"/>
+                <a:alpha val="70000"/>
+              </a:schemeClr>
+            </a:solidFill>
+            <a:round/>
+            <a:headEnd/>
+            <a:tailEnd/>
+          </a:ln>
+          <a:effectLst/>
+        </p:spPr>
+        <p:txBody>
+          <a:bodyPr lIns="108000" tIns="108000" rIns="108000" bIns="108000" anchor="ctr"/>
+          <a:lstStyle/>
+          <a:p>
+            <a:pPr algn="ctr"/>
+            <a:r>
+              <a:rPr lang="en-US" sz="2400" b="1" noProof="1">
+                <a:solidFill>
+                  <a:schemeClr val="tx1">
+                    <a:lumMod val="40000"/>
+                    <a:lumOff val="60000"/>
+                  </a:schemeClr>
+                </a:solidFill>
+                <a:effectLst>
+                  <a:outerShdw blurRad="38100" dist="38100" dir="2700000" algn="tl">
+                    <a:srgbClr val="000000">
+                      <a:alpha val="43137"/>
+                    </a:srgbClr>
+                  </a:outerShdw>
+                </a:effectLst>
+                <a:latin typeface="Consolas" pitchFamily="49" charset="0"/>
+                <a:cs typeface="Consolas" pitchFamily="49" charset="0"/>
+                <a:hlinkClick r:id="rId3"/>
+              </a:rPr>
+              <a:t>http://</a:t>
+            </a:r>
+            <a:r>
+              <a:rPr lang="en-US" sz="2400" b="1" noProof="1" smtClean="0">
+                <a:solidFill>
+                  <a:schemeClr val="tx1">
+                    <a:lumMod val="40000"/>
+                    <a:lumOff val="60000"/>
+                  </a:schemeClr>
+                </a:solidFill>
+                <a:effectLst>
+                  <a:outerShdw blurRad="38100" dist="38100" dir="2700000" algn="tl">
+                    <a:srgbClr val="000000">
+                      <a:alpha val="43137"/>
+                    </a:srgbClr>
+                  </a:outerShdw>
+                </a:effectLst>
+                <a:latin typeface="Consolas" pitchFamily="49" charset="0"/>
+                <a:cs typeface="Consolas" pitchFamily="49" charset="0"/>
+                <a:hlinkClick r:id="rId3"/>
+              </a:rPr>
+              <a:t>forums.academy.telerik.com/web-development/databases</a:t>
+            </a:r>
+            <a:endParaRPr lang="en-US" sz="2400" b="1" noProof="1">
+              <a:solidFill>
+                <a:schemeClr val="tx1">
+                  <a:lumMod val="40000"/>
+                  <a:lumOff val="60000"/>
+                </a:schemeClr>
+              </a:solidFill>
+              <a:effectLst>
+                <a:outerShdw blurRad="38100" dist="38100" dir="2700000" algn="tl">
+                  <a:srgbClr val="000000">
+                    <a:alpha val="43137"/>
+                  </a:srgbClr>
+                </a:outerShdw>
+              </a:effectLst>
+              <a:latin typeface="Consolas" pitchFamily="49" charset="0"/>
+              <a:cs typeface="Consolas" pitchFamily="49" charset="0"/>
+            </a:endParaRPr>
+          </a:p>
+        </p:txBody>
+      </p:sp>
+      <p:sp>
+        <p:nvSpPr>
+          <p:cNvPr id="8" name="Rounded Rectangle 7"/>
+          <p:cNvSpPr/>
+          <p:nvPr/>
+        </p:nvSpPr>
+        <p:spPr>
+          <a:xfrm>
+            <a:off x="533400" y="5306704"/>
+            <a:ext cx="8077200" cy="1017896"/>
+          </a:xfrm>
+          <a:prstGeom prst="roundRect">
+            <a:avLst>
+              <a:gd name="adj" fmla="val 5953"/>
+            </a:avLst>
+          </a:prstGeom>
+          <a:solidFill>
+            <a:schemeClr val="accent5">
+              <a:lumMod val="60000"/>
+              <a:lumOff val="40000"/>
+              <a:alpha val="15000"/>
+            </a:schemeClr>
+          </a:solidFill>
+          <a:ln w="6350" algn="ctr">
+            <a:solidFill>
+              <a:schemeClr val="accent5">
+                <a:lumMod val="60000"/>
+                <a:lumOff val="40000"/>
+                <a:alpha val="70000"/>
+              </a:schemeClr>
+            </a:solidFill>
+            <a:round/>
+            <a:headEnd/>
+            <a:tailEnd/>
+          </a:ln>
+          <a:effectLst/>
+        </p:spPr>
+        <p:txBody>
+          <a:bodyPr lIns="108000" tIns="108000" rIns="108000" bIns="108000" anchor="ctr"/>
+          <a:lstStyle/>
+          <a:p>
+            <a:pPr algn="ctr"/>
+            <a:r>
+              <a:rPr lang="en-US" sz="2400" b="1" noProof="1">
+                <a:solidFill>
+                  <a:schemeClr val="tx1">
+                    <a:lumMod val="40000"/>
+                    <a:lumOff val="60000"/>
+                  </a:schemeClr>
+                </a:solidFill>
+                <a:effectLst>
+                  <a:outerShdw blurRad="38100" dist="38100" dir="2700000" algn="tl">
+                    <a:srgbClr val="000000">
+                      <a:alpha val="43137"/>
+                    </a:srgbClr>
+                  </a:outerShdw>
+                </a:effectLst>
+                <a:latin typeface="Consolas" pitchFamily="49" charset="0"/>
+                <a:cs typeface="Consolas" pitchFamily="49" charset="0"/>
+                <a:hlinkClick r:id="rId4"/>
+              </a:rPr>
+              <a:t>http://</a:t>
+            </a:r>
+            <a:r>
+              <a:rPr lang="en-US" sz="2400" b="1" noProof="1" smtClean="0">
+                <a:solidFill>
+                  <a:schemeClr val="tx1">
+                    <a:lumMod val="40000"/>
+                    <a:lumOff val="60000"/>
+                  </a:schemeClr>
+                </a:solidFill>
+                <a:effectLst>
+                  <a:outerShdw blurRad="38100" dist="38100" dir="2700000" algn="tl">
+                    <a:srgbClr val="000000">
+                      <a:alpha val="43137"/>
+                    </a:srgbClr>
+                  </a:outerShdw>
+                </a:effectLst>
+                <a:latin typeface="Consolas" pitchFamily="49" charset="0"/>
+                <a:cs typeface="Consolas" pitchFamily="49" charset="0"/>
+                <a:hlinkClick r:id="rId4"/>
+              </a:rPr>
+              <a:t>academy.telerik.com/student-courses/software-technologies/databases/about</a:t>
+            </a:r>
+            <a:endParaRPr lang="en-US" sz="2400" b="1" noProof="1">
+              <a:solidFill>
+                <a:schemeClr val="tx1">
+                  <a:lumMod val="40000"/>
+                  <a:lumOff val="60000"/>
+                </a:schemeClr>
+              </a:solidFill>
+              <a:effectLst>
+                <a:outerShdw blurRad="38100" dist="38100" dir="2700000" algn="tl">
+                  <a:srgbClr val="000000">
+                    <a:alpha val="43137"/>
+                  </a:srgbClr>
+                </a:outerShdw>
+              </a:effectLst>
+              <a:latin typeface="Consolas" pitchFamily="49" charset="0"/>
+              <a:cs typeface="Consolas" pitchFamily="49" charset="0"/>
+            </a:endParaRPr>
+          </a:p>
+        </p:txBody>
+      </p:sp>
       <p:pic>
         <p:nvPicPr>
-          <p:cNvPr id="5" name="Picture 4"/>
+          <p:cNvPr id="9" name="Picture 2">
+            <a:hlinkClick r:id="rId5" tooltip="C# Fundamentals course"/>
+          </p:cNvPr>
           <p:cNvPicPr>
-            <a:picLocks noChangeAspect="1"/>
+            <a:picLocks noChangeAspect="1" noChangeArrowheads="1"/>
           </p:cNvPicPr>
           <p:nvPr/>
         </p:nvPicPr>
         <p:blipFill>
-          <a:blip r:embed="rId4"/>
+          <a:blip r:embed="rId6" cstate="screen">
+            <a:extLst>
+              <a:ext uri="{28A0092B-C50C-407E-A947-70E740481C1C}">
+                <a14:useLocalDpi xmlns:a14="http://schemas.microsoft.com/office/drawing/2010/main"/>
+              </a:ext>
+            </a:extLst>
+          </a:blip>
+          <a:srcRect/>
           <a:stretch>
             <a:fillRect/>
           </a:stretch>
         </p:blipFill>
-        <p:spPr>
+        <p:spPr bwMode="auto">
           <a:xfrm>
-            <a:off x="4648200" y="4648200"/>
-            <a:ext cx="3810000" cy="1581150"/>
+            <a:off x="6705600" y="3371026"/>
+            <a:ext cx="1429576" cy="1429574"/>
           </a:xfrm>
           <a:prstGeom prst="rect">
             <a:avLst/>
           </a:prstGeom>
-          <a:ln>
-            <a:noFill/>
-          </a:ln>
-          <a:effectLst>
-            <a:outerShdw blurRad="190500" algn="tl" rotWithShape="0">
-              <a:srgbClr val="000000">
-                <a:alpha val="70000"/>
-              </a:srgbClr>
-            </a:outerShdw>
-          </a:effectLst>
-        </p:spPr>
-      </p:pic>
-      <p:pic>
-        <p:nvPicPr>
-          <p:cNvPr id="6" name="Picture 5"/>
-          <p:cNvPicPr>
-            <a:picLocks noChangeAspect="1"/>
-          </p:cNvPicPr>
-          <p:nvPr/>
-        </p:nvPicPr>
-        <p:blipFill>
-          <a:blip r:embed="rId5"/>
-          <a:stretch>
-            <a:fillRect/>
-          </a:stretch>
-        </p:blipFill>
-        <p:spPr>
-          <a:xfrm>
-            <a:off x="1600200" y="5130863"/>
-            <a:ext cx="1981200" cy="1066800"/>
-          </a:xfrm>
-          <a:prstGeom prst="rect">
-            <a:avLst/>
-          </a:prstGeom>
-          <a:ln>
-            <a:noFill/>
-          </a:ln>
-          <a:effectLst>
-            <a:outerShdw blurRad="190500" algn="tl" rotWithShape="0">
-              <a:srgbClr val="000000">
-                <a:alpha val="70000"/>
-              </a:srgbClr>
-            </a:outerShdw>
-          </a:effectLst>
+          <a:noFill/>
+          <a:extLst>
+            <a:ext uri="{909E8E84-426E-40DD-AFC4-6F175D3DCCD1}">
+              <a14:hiddenFill xmlns:a14="http://schemas.microsoft.com/office/drawing/2010/main">
+                <a:solidFill>
+                  <a:srgbClr val="FFFFFF"/>
+                </a:solidFill>
+              </a14:hiddenFill>
+            </a:ext>
+          </a:extLst>
         </p:spPr>
       </p:pic>
     </p:spTree>
     <p:extLst>
       <p:ext uri="{BB962C8B-B14F-4D97-AF65-F5344CB8AC3E}">
-        <p14:creationId xmlns:p14="http://schemas.microsoft.com/office/powerpoint/2010/main" val="3345775208"/>
+        <p14:creationId xmlns:p14="http://schemas.microsoft.com/office/powerpoint/2010/main" val="3161721864"/>
       </p:ext>
     </p:extLst>
   </p:cSld>
@@ -11102,18 +10809,18 @@
       </p:grpSpPr>
       <p:sp>
         <p:nvSpPr>
-          <p:cNvPr id="4" name="Title 3"/>
+          <p:cNvPr id="2" name="Title 1"/>
           <p:cNvSpPr>
             <a:spLocks noGrp="1"/>
           </p:cNvSpPr>
           <p:nvPr>
-            <p:ph type="ctrTitle"/>
+            <p:ph type="title"/>
           </p:nvPr>
         </p:nvSpPr>
         <p:spPr>
           <a:xfrm>
-            <a:off x="304800" y="1219200"/>
-            <a:ext cx="8534400" cy="685800"/>
+            <a:off x="1828800" y="228600"/>
+            <a:ext cx="7086600" cy="838200"/>
           </a:xfrm>
         </p:spPr>
         <p:txBody>
@@ -11122,7 +10829,14 @@
           <a:p>
             <a:r>
               <a:rPr lang="en-US" dirty="0" smtClean="0"/>
-              <a:t>Champions from the Exams</a:t>
+              <a:t>Telerik Integrated</a:t>
+            </a:r>
+            <a:br>
+              <a:rPr lang="en-US" dirty="0" smtClean="0"/>
+            </a:br>
+            <a:r>
+              <a:rPr lang="en-US" dirty="0" smtClean="0"/>
+              <a:t>Learning System (TILS)</a:t>
             </a:r>
             <a:endParaRPr lang="en-US" dirty="0"/>
           </a:p>
@@ -11130,18 +10844,18 @@
       </p:sp>
       <p:sp>
         <p:nvSpPr>
-          <p:cNvPr id="5" name="Subtitle 4"/>
+          <p:cNvPr id="3" name="Content Placeholder 2"/>
           <p:cNvSpPr>
             <a:spLocks noGrp="1"/>
           </p:cNvSpPr>
           <p:nvPr>
-            <p:ph type="subTitle" idx="1"/>
+            <p:ph idx="1"/>
           </p:nvPr>
         </p:nvSpPr>
         <p:spPr>
           <a:xfrm>
-            <a:off x="609600" y="1981200"/>
-            <a:ext cx="7924800" cy="569120"/>
+            <a:off x="228600" y="1295400"/>
+            <a:ext cx="8686800" cy="5410200"/>
           </a:xfrm>
         </p:spPr>
         <p:txBody>
@@ -11150,156 +10864,213 @@
           <a:p>
             <a:r>
               <a:rPr lang="en-US" dirty="0" smtClean="0"/>
-              <a:t>Telerik </a:t>
-            </a:r>
-            <a:r>
+              <a:t>The Telerik Integrated Learning System (TILS)</a:t>
+            </a:r>
+          </a:p>
+          <a:p>
+            <a:pPr lvl="1"/>
+            <a:r>
+              <a:rPr lang="en-US" dirty="0" smtClean="0">
+                <a:hlinkClick r:id="rId2"/>
+              </a:rPr>
+              <a:t>www.telerikacademy.com</a:t>
+            </a:r>
+            <a:endParaRPr lang="en-US" dirty="0" smtClean="0"/>
+          </a:p>
+          <a:p>
+            <a:pPr lvl="1"/>
+            <a:r>
+              <a:rPr lang="en-US" dirty="0" smtClean="0"/>
+              <a:t>Important resource for all students</a:t>
+            </a:r>
+          </a:p>
+          <a:p>
+            <a:pPr lvl="1"/>
+            <a:r>
+              <a:rPr lang="en-US" dirty="0" smtClean="0"/>
+              <a:t>Homework submissions</a:t>
+            </a:r>
+          </a:p>
+          <a:p>
+            <a:pPr lvl="1"/>
+            <a:r>
+              <a:rPr lang="en-US" dirty="0" smtClean="0"/>
+              <a:t>Homework peer reviews</a:t>
+            </a:r>
+          </a:p>
+          <a:p>
+            <a:pPr lvl="1"/>
+            <a:r>
+              <a:rPr lang="en-US" dirty="0" smtClean="0"/>
+              <a:t>Presence cards with barcode</a:t>
+            </a:r>
+          </a:p>
+          <a:p>
+            <a:pPr lvl="1"/>
+            <a:r>
+              <a:rPr lang="en-US" dirty="0" smtClean="0"/>
+              <a:t>Reports about your results</a:t>
+            </a:r>
+            <a:endParaRPr lang="en-US" dirty="0"/>
+          </a:p>
+        </p:txBody>
+      </p:sp>
+      <p:sp>
+        <p:nvSpPr>
+          <p:cNvPr id="4" name="Slide Number Placeholder 3"/>
+          <p:cNvSpPr>
+            <a:spLocks noGrp="1"/>
+          </p:cNvSpPr>
+          <p:nvPr>
+            <p:ph type="sldNum" sz="quarter" idx="10"/>
+          </p:nvPr>
+        </p:nvSpPr>
+        <p:spPr/>
+        <p:txBody>
+          <a:bodyPr/>
+          <a:lstStyle/>
+          <a:p>
+            <a:pPr>
+              <a:defRPr/>
+            </a:pPr>
+            <a:fld id="{58452FF4-89E3-4D1B-9927-2DBDC00E58D7}" type="slidenum">
               <a:rPr lang="en-US" smtClean="0"/>
-              <a:t>Academy Ninja Champions</a:t>
-            </a:r>
+              <a:pPr>
+                <a:defRPr/>
+              </a:pPr>
+              <a:t>21</a:t>
+            </a:fld>
             <a:endParaRPr lang="en-US" dirty="0"/>
+          </a:p>
+        </p:txBody>
+      </p:sp>
+      <p:sp>
+        <p:nvSpPr>
+          <p:cNvPr id="6" name="Rounded Rectangle 5"/>
+          <p:cNvSpPr/>
+          <p:nvPr/>
+        </p:nvSpPr>
+        <p:spPr>
+          <a:xfrm>
+            <a:off x="533400" y="5896100"/>
+            <a:ext cx="8077200" cy="609600"/>
+          </a:xfrm>
+          <a:prstGeom prst="roundRect">
+            <a:avLst>
+              <a:gd name="adj" fmla="val 5953"/>
+            </a:avLst>
+          </a:prstGeom>
+          <a:solidFill>
+            <a:schemeClr val="accent5">
+              <a:lumMod val="60000"/>
+              <a:lumOff val="40000"/>
+              <a:alpha val="15000"/>
+            </a:schemeClr>
+          </a:solidFill>
+          <a:ln w="6350" algn="ctr">
+            <a:solidFill>
+              <a:schemeClr val="accent5">
+                <a:lumMod val="60000"/>
+                <a:lumOff val="40000"/>
+                <a:alpha val="70000"/>
+              </a:schemeClr>
+            </a:solidFill>
+            <a:round/>
+            <a:headEnd/>
+            <a:tailEnd/>
+          </a:ln>
+          <a:effectLst/>
+        </p:spPr>
+        <p:txBody>
+          <a:bodyPr lIns="108000" tIns="108000" rIns="108000" bIns="108000" anchor="ctr"/>
+          <a:lstStyle/>
+          <a:p>
+            <a:pPr algn="ctr"/>
+            <a:r>
+              <a:rPr lang="en-US" sz="2400" b="1" noProof="1" smtClean="0">
+                <a:solidFill>
+                  <a:schemeClr val="tx1">
+                    <a:lumMod val="40000"/>
+                    <a:lumOff val="60000"/>
+                  </a:schemeClr>
+                </a:solidFill>
+                <a:effectLst>
+                  <a:outerShdw blurRad="38100" dist="38100" dir="2700000" algn="tl">
+                    <a:srgbClr val="000000">
+                      <a:alpha val="43137"/>
+                    </a:srgbClr>
+                  </a:outerShdw>
+                </a:effectLst>
+                <a:latin typeface="Consolas" pitchFamily="49" charset="0"/>
+                <a:cs typeface="Consolas" pitchFamily="49" charset="0"/>
+                <a:hlinkClick r:id="rId3"/>
+              </a:rPr>
+              <a:t>telerikacademy.com/Courses/Courses/Details/185</a:t>
+            </a:r>
+            <a:endParaRPr lang="en-US" sz="2400" b="1" noProof="1" smtClean="0">
+              <a:solidFill>
+                <a:schemeClr val="tx1">
+                  <a:lumMod val="40000"/>
+                  <a:lumOff val="60000"/>
+                </a:schemeClr>
+              </a:solidFill>
+              <a:effectLst>
+                <a:outerShdw blurRad="38100" dist="38100" dir="2700000" algn="tl">
+                  <a:srgbClr val="000000">
+                    <a:alpha val="43137"/>
+                  </a:srgbClr>
+                </a:outerShdw>
+              </a:effectLst>
+              <a:latin typeface="Consolas" pitchFamily="49" charset="0"/>
+              <a:cs typeface="Consolas" pitchFamily="49" charset="0"/>
+            </a:endParaRPr>
           </a:p>
         </p:txBody>
       </p:sp>
       <p:pic>
         <p:nvPicPr>
-          <p:cNvPr id="11267" name="Picture 3"/>
+          <p:cNvPr id="7" name="Picture 6"/>
           <p:cNvPicPr>
-            <a:picLocks noChangeAspect="1" noChangeArrowheads="1"/>
+            <a:picLocks noChangeAspect="1"/>
           </p:cNvPicPr>
           <p:nvPr/>
         </p:nvPicPr>
         <p:blipFill>
-          <a:blip r:embed="rId2">
-            <a:extLst>
-              <a:ext uri="{28A0092B-C50C-407E-A947-70E740481C1C}">
-                <a14:useLocalDpi xmlns:a14="http://schemas.microsoft.com/office/drawing/2010/main"/>
-              </a:ext>
-            </a:extLst>
-          </a:blip>
-          <a:srcRect/>
+          <a:blip r:embed="rId4"/>
           <a:stretch>
             <a:fillRect/>
           </a:stretch>
         </p:blipFill>
-        <p:spPr bwMode="auto">
+        <p:spPr>
           <a:xfrm>
-            <a:off x="4853226" y="2971800"/>
-            <a:ext cx="3452574" cy="3181350"/>
+            <a:off x="5867400" y="3505200"/>
+            <a:ext cx="2857076" cy="1807187"/>
           </a:xfrm>
           <a:prstGeom prst="rect">
             <a:avLst/>
           </a:prstGeom>
-          <a:noFill/>
           <a:ln>
             <a:noFill/>
           </a:ln>
           <a:effectLst>
-            <a:glow rad="63500">
-              <a:schemeClr val="accent5">
-                <a:lumMod val="60000"/>
-                <a:lumOff val="40000"/>
-                <a:alpha val="40000"/>
-              </a:schemeClr>
-            </a:glow>
-            <a:outerShdw dist="35921" dir="2700000" algn="ctr" rotWithShape="0">
-              <a:schemeClr val="bg2"/>
+            <a:outerShdw blurRad="190500" algn="tl" rotWithShape="0">
+              <a:srgbClr val="000000">
+                <a:alpha val="70000"/>
+              </a:srgbClr>
             </a:outerShdw>
           </a:effectLst>
-          <a:extLst>
-            <a:ext uri="{909E8E84-426E-40DD-AFC4-6F175D3DCCD1}">
-              <a14:hiddenFill xmlns:a14="http://schemas.microsoft.com/office/drawing/2010/main">
-                <a:solidFill>
-                  <a:schemeClr val="accent1"/>
-                </a:solidFill>
-              </a14:hiddenFill>
-            </a:ext>
-            <a:ext uri="{91240B29-F687-4F45-9708-019B960494DF}">
-              <a14:hiddenLine xmlns:a14="http://schemas.microsoft.com/office/drawing/2010/main" w="9525">
-                <a:solidFill>
-                  <a:schemeClr val="tx1"/>
-                </a:solidFill>
-                <a:miter lim="800000"/>
-                <a:headEnd/>
-                <a:tailEnd/>
-              </a14:hiddenLine>
-            </a:ext>
-          </a:extLst>
-        </p:spPr>
-      </p:pic>
-      <p:pic>
-        <p:nvPicPr>
-          <p:cNvPr id="6146" name="Picture 2" descr="http://academy.telerik.com/images/default-album/programming-champion-telerik-academy.png?sfvrsn=2"/>
-          <p:cNvPicPr>
-            <a:picLocks noChangeAspect="1" noChangeArrowheads="1"/>
-          </p:cNvPicPr>
-          <p:nvPr/>
-        </p:nvPicPr>
-        <p:blipFill>
-          <a:blip r:embed="rId3">
-            <a:extLst>
-              <a:ext uri="{28A0092B-C50C-407E-A947-70E740481C1C}">
-                <a14:useLocalDpi xmlns:a14="http://schemas.microsoft.com/office/drawing/2010/main"/>
-              </a:ext>
-            </a:extLst>
-          </a:blip>
-          <a:srcRect/>
-          <a:stretch>
-            <a:fillRect/>
-          </a:stretch>
-        </p:blipFill>
-        <p:spPr bwMode="auto">
-          <a:xfrm>
-            <a:off x="1219200" y="2971801"/>
-            <a:ext cx="3176064" cy="3176064"/>
-          </a:xfrm>
-          <a:prstGeom prst="rect">
-            <a:avLst/>
-          </a:prstGeom>
-          <a:noFill/>
-          <a:ln>
-            <a:noFill/>
-          </a:ln>
-          <a:effectLst>
-            <a:glow rad="63500">
-              <a:schemeClr val="accent5">
-                <a:lumMod val="60000"/>
-                <a:lumOff val="40000"/>
-                <a:alpha val="40000"/>
-              </a:schemeClr>
-            </a:glow>
-            <a:outerShdw dist="35921" dir="2700000" algn="ctr" rotWithShape="0">
-              <a:schemeClr val="bg2"/>
-            </a:outerShdw>
-          </a:effectLst>
-          <a:extLst>
-            <a:ext uri="{909E8E84-426E-40DD-AFC4-6F175D3DCCD1}">
-              <a14:hiddenFill xmlns:a14="http://schemas.microsoft.com/office/drawing/2010/main">
-                <a:solidFill>
-                  <a:srgbClr val="FFFFFF"/>
-                </a:solidFill>
-              </a14:hiddenFill>
-            </a:ext>
-          </a:extLst>
         </p:spPr>
       </p:pic>
     </p:spTree>
     <p:extLst>
       <p:ext uri="{BB962C8B-B14F-4D97-AF65-F5344CB8AC3E}">
-        <p14:creationId xmlns:p14="http://schemas.microsoft.com/office/powerpoint/2010/main" val="3818380033"/>
+        <p14:creationId xmlns:p14="http://schemas.microsoft.com/office/powerpoint/2010/main" val="297593817"/>
       </p:ext>
     </p:extLst>
   </p:cSld>
   <p:clrMapOvr>
     <a:masterClrMapping/>
   </p:clrMapOvr>
-  <mc:AlternateContent xmlns:mc="http://schemas.openxmlformats.org/markup-compatibility/2006" xmlns:p14="http://schemas.microsoft.com/office/powerpoint/2010/main">
-    <mc:Choice Requires="p14">
-      <p:transition spd="slow" p14:dur="2000"/>
-    </mc:Choice>
-    <mc:Fallback xmlns="">
-      <p:transition spd="slow"/>
-    </mc:Fallback>
-  </mc:AlternateContent>
   <p:timing>
     <p:tnLst>
       <p:par>
@@ -11329,7 +11100,7 @@
       </p:grpSpPr>
       <p:sp>
         <p:nvSpPr>
-          <p:cNvPr id="4" name="Title 3"/>
+          <p:cNvPr id="2" name="Title 1"/>
           <p:cNvSpPr>
             <a:spLocks noGrp="1"/>
           </p:cNvSpPr>
@@ -11337,19 +11108,14 @@
             <p:ph type="title"/>
           </p:nvPr>
         </p:nvSpPr>
-        <p:spPr>
-          <a:xfrm>
-            <a:off x="1828800" y="228600"/>
-            <a:ext cx="7086600" cy="914400"/>
-          </a:xfrm>
-        </p:spPr>
+        <p:spPr/>
         <p:txBody>
           <a:bodyPr/>
           <a:lstStyle/>
           <a:p>
             <a:r>
-              <a:rPr lang="en-US" dirty="0" smtClean="0"/>
-              <a:t>Champions: DSA</a:t>
+              <a:rPr lang="en-US" smtClean="0"/>
+              <a:t>Required Software</a:t>
             </a:r>
             <a:endParaRPr lang="en-US" dirty="0"/>
           </a:p>
@@ -11357,7 +11123,7 @@
       </p:sp>
       <p:sp>
         <p:nvSpPr>
-          <p:cNvPr id="5" name="Content Placeholder 4"/>
+          <p:cNvPr id="3" name="Content Placeholder 2"/>
           <p:cNvSpPr>
             <a:spLocks noGrp="1"/>
           </p:cNvSpPr>
@@ -11367,152 +11133,150 @@
         </p:nvSpPr>
         <p:spPr>
           <a:xfrm>
-            <a:off x="228600" y="1295400"/>
-            <a:ext cx="8686800" cy="5410200"/>
+            <a:off x="228600" y="762000"/>
+            <a:ext cx="8686800" cy="5638800"/>
           </a:xfrm>
         </p:spPr>
         <p:txBody>
           <a:bodyPr/>
           <a:lstStyle/>
           <a:p>
-            <a:r>
-              <a:rPr lang="en-US" noProof="1" smtClean="0"/>
-              <a:t># 1 </a:t>
-            </a:r>
-            <a:r>
-              <a:rPr lang="en-US" noProof="1"/>
-              <a:t>– Ivaylo Kenov</a:t>
-            </a:r>
-          </a:p>
-          <a:p>
-            <a:r>
-              <a:rPr lang="en-US" noProof="1" smtClean="0"/>
-              <a:t># 2 – Velko Nikolov</a:t>
-            </a:r>
-          </a:p>
-          <a:p>
-            <a:r>
-              <a:rPr lang="en-US" noProof="1" smtClean="0"/>
-              <a:t># 3 – Vasil Dininski</a:t>
+            <a:pPr>
+              <a:lnSpc>
+                <a:spcPct val="110000"/>
+              </a:lnSpc>
+            </a:pPr>
+            <a:r>
+              <a:rPr lang="en-US" dirty="0" smtClean="0"/>
+              <a:t>Software needed for this course:</a:t>
+            </a:r>
+          </a:p>
+          <a:p>
+            <a:pPr lvl="1">
+              <a:lnSpc>
+                <a:spcPct val="110000"/>
+              </a:lnSpc>
+            </a:pPr>
+            <a:r>
+              <a:rPr lang="en-US" dirty="0" smtClean="0"/>
+              <a:t>Microsoft </a:t>
+            </a:r>
+            <a:r>
+              <a:rPr lang="en-US" dirty="0" smtClean="0">
+                <a:solidFill>
+                  <a:schemeClr val="accent5">
+                    <a:lumMod val="20000"/>
+                    <a:lumOff val="80000"/>
+                  </a:schemeClr>
+                </a:solidFill>
+              </a:rPr>
+              <a:t>Visual Studio </a:t>
+            </a:r>
+            <a:r>
+              <a:rPr lang="en-US" dirty="0" smtClean="0">
+                <a:solidFill>
+                  <a:schemeClr val="accent5">
+                    <a:lumMod val="20000"/>
+                    <a:lumOff val="80000"/>
+                  </a:schemeClr>
+                </a:solidFill>
+                <a:latin typeface="Consolas" pitchFamily="49" charset="0"/>
+                <a:cs typeface="Consolas" pitchFamily="49" charset="0"/>
+              </a:rPr>
+              <a:t>2012/2013</a:t>
+            </a:r>
+            <a:endParaRPr lang="en-US" dirty="0">
+              <a:solidFill>
+                <a:schemeClr val="accent5">
+                  <a:lumMod val="20000"/>
+                  <a:lumOff val="80000"/>
+                </a:schemeClr>
+              </a:solidFill>
+            </a:endParaRPr>
+          </a:p>
+          <a:p>
+            <a:pPr lvl="1">
+              <a:lnSpc>
+                <a:spcPct val="110000"/>
+              </a:lnSpc>
+            </a:pPr>
+            <a:r>
+              <a:rPr lang="en-US" dirty="0" smtClean="0"/>
+              <a:t>Microsoft </a:t>
+            </a:r>
+            <a:r>
+              <a:rPr lang="en-US" dirty="0">
+                <a:solidFill>
+                  <a:schemeClr val="accent5">
+                    <a:lumMod val="20000"/>
+                    <a:lumOff val="80000"/>
+                  </a:schemeClr>
+                </a:solidFill>
+              </a:rPr>
+              <a:t>SQL Server </a:t>
+            </a:r>
+            <a:r>
+              <a:rPr lang="en-US" dirty="0" smtClean="0">
+                <a:solidFill>
+                  <a:schemeClr val="accent5">
+                    <a:lumMod val="20000"/>
+                    <a:lumOff val="80000"/>
+                  </a:schemeClr>
+                </a:solidFill>
+              </a:rPr>
+              <a:t>2012 </a:t>
+            </a:r>
+            <a:r>
+              <a:rPr lang="en-US" dirty="0"/>
+              <a:t>Developer with Service Pack 1 and Developer </a:t>
+            </a:r>
+            <a:r>
+              <a:rPr lang="en-US" dirty="0" smtClean="0"/>
+              <a:t>Tools</a:t>
+            </a:r>
+          </a:p>
+          <a:p>
+            <a:pPr lvl="2">
+              <a:lnSpc>
+                <a:spcPct val="110000"/>
+              </a:lnSpc>
+            </a:pPr>
+            <a:r>
+              <a:rPr lang="en-US" dirty="0" smtClean="0"/>
+              <a:t>Or SQL Server 2014</a:t>
+            </a:r>
+          </a:p>
+          <a:p>
+            <a:pPr lvl="1">
+              <a:lnSpc>
+                <a:spcPct val="110000"/>
+              </a:lnSpc>
+            </a:pPr>
+            <a:r>
+              <a:rPr lang="en-US" dirty="0"/>
+              <a:t>MySQL Community Server </a:t>
+            </a:r>
+            <a:r>
+              <a:rPr lang="en-US" dirty="0" smtClean="0"/>
+              <a:t>5.x</a:t>
+            </a:r>
+          </a:p>
+          <a:p>
+            <a:pPr lvl="2">
+              <a:lnSpc>
+                <a:spcPct val="110000"/>
+              </a:lnSpc>
+            </a:pPr>
+            <a:r>
+              <a:rPr lang="en-US" dirty="0"/>
+              <a:t>MySQL Workbench</a:t>
             </a:r>
           </a:p>
         </p:txBody>
       </p:sp>
-      <p:pic>
-        <p:nvPicPr>
-          <p:cNvPr id="12290" name="Picture 2" descr="http://www.montana.edu/wwwextec/images/champion.jpg"/>
-          <p:cNvPicPr>
-            <a:picLocks noChangeAspect="1" noChangeArrowheads="1"/>
-          </p:cNvPicPr>
-          <p:nvPr/>
-        </p:nvPicPr>
-        <p:blipFill>
-          <a:blip r:embed="rId2" cstate="screen">
-            <a:extLst>
-              <a:ext uri="{BEBA8EAE-BF5A-486C-A8C5-ECC9F3942E4B}">
-                <a14:imgProps xmlns:a14="http://schemas.microsoft.com/office/drawing/2010/main">
-                  <a14:imgLayer r:embed="rId3">
-                    <a14:imgEffect>
-                      <a14:brightnessContrast contrast="-40000"/>
-                    </a14:imgEffect>
-                  </a14:imgLayer>
-                </a14:imgProps>
-              </a:ext>
-              <a:ext uri="{28A0092B-C50C-407E-A947-70E740481C1C}">
-                <a14:useLocalDpi xmlns:a14="http://schemas.microsoft.com/office/drawing/2010/main"/>
-              </a:ext>
-            </a:extLst>
-          </a:blip>
-          <a:srcRect/>
-          <a:stretch>
-            <a:fillRect/>
-          </a:stretch>
-        </p:blipFill>
-        <p:spPr bwMode="auto">
-          <a:xfrm>
-            <a:off x="5382986" y="2971800"/>
-            <a:ext cx="2781300" cy="2781300"/>
-          </a:xfrm>
-          <a:prstGeom prst="roundRect">
-            <a:avLst>
-              <a:gd name="adj" fmla="val 2221"/>
-            </a:avLst>
-          </a:prstGeom>
-          <a:noFill/>
-          <a:ln w="19050">
-            <a:solidFill>
-              <a:schemeClr val="accent5">
-                <a:lumMod val="75000"/>
-              </a:schemeClr>
-            </a:solidFill>
-          </a:ln>
-          <a:extLst>
-            <a:ext uri="{909E8E84-426E-40DD-AFC4-6F175D3DCCD1}">
-              <a14:hiddenFill xmlns:a14="http://schemas.microsoft.com/office/drawing/2010/main">
-                <a:solidFill>
-                  <a:srgbClr val="FFFFFF"/>
-                </a:solidFill>
-              </a14:hiddenFill>
-            </a:ext>
-          </a:extLst>
-        </p:spPr>
-      </p:pic>
-      <p:pic>
-        <p:nvPicPr>
-          <p:cNvPr id="3074" name="Picture 2" descr="http://www.google.bg/url?source=imglanding&amp;ct=img&amp;q=http://3.bp.blogspot.com/_pqc1Ho2DfSs/SQFIbVYy2KI/AAAAAAAADrY/ctNoiGGxOSw/s400/iamninja.png&amp;sa=X&amp;ei=BBbrUOCRN8TjtQbsjICADQ&amp;ved=0CAkQ8wc4Lg&amp;usg=AFQjCNEQP1XUm783cxyyiXzqyyzjL6wlHQ"/>
-          <p:cNvPicPr>
-            <a:picLocks noChangeAspect="1" noChangeArrowheads="1"/>
-          </p:cNvPicPr>
-          <p:nvPr/>
-        </p:nvPicPr>
-        <p:blipFill>
-          <a:blip r:embed="rId4" cstate="screen">
-            <a:clrChange>
-              <a:clrFrom>
-                <a:srgbClr val="000000">
-                  <a:alpha val="99608"/>
-                </a:srgbClr>
-              </a:clrFrom>
-              <a:clrTo>
-                <a:srgbClr val="000000">
-                  <a:alpha val="0"/>
-                </a:srgbClr>
-              </a:clrTo>
-            </a:clrChange>
-            <a:extLst>
-              <a:ext uri="{28A0092B-C50C-407E-A947-70E740481C1C}">
-                <a14:useLocalDpi xmlns:a14="http://schemas.microsoft.com/office/drawing/2010/main"/>
-              </a:ext>
-            </a:extLst>
-          </a:blip>
-          <a:srcRect/>
-          <a:stretch>
-            <a:fillRect/>
-          </a:stretch>
-        </p:blipFill>
-        <p:spPr bwMode="auto">
-          <a:xfrm>
-            <a:off x="5431221" y="1264919"/>
-            <a:ext cx="2417379" cy="1402081"/>
-          </a:xfrm>
-          <a:prstGeom prst="rect">
-            <a:avLst/>
-          </a:prstGeom>
-          <a:noFill/>
-          <a:extLst>
-            <a:ext uri="{909E8E84-426E-40DD-AFC4-6F175D3DCCD1}">
-              <a14:hiddenFill xmlns:a14="http://schemas.microsoft.com/office/drawing/2010/main">
-                <a:solidFill>
-                  <a:srgbClr val="FFFFFF"/>
-                </a:solidFill>
-              </a14:hiddenFill>
-            </a:ext>
-          </a:extLst>
-        </p:spPr>
-      </p:pic>
       <p:sp>
         <p:nvSpPr>
-          <p:cNvPr id="9" name="Slide Number Placeholder 3"/>
+          <p:cNvPr id="4" name="Slide Number Placeholder 3"/>
           <p:cNvSpPr>
             <a:spLocks noGrp="1"/>
           </p:cNvSpPr>
@@ -11520,12 +11284,7 @@
             <p:ph type="sldNum" sz="quarter" idx="10"/>
           </p:nvPr>
         </p:nvSpPr>
-        <p:spPr>
-          <a:xfrm>
-            <a:off x="8610600" y="6553200"/>
-            <a:ext cx="457200" cy="228600"/>
-          </a:xfrm>
-        </p:spPr>
+        <p:spPr/>
         <p:txBody>
           <a:bodyPr/>
           <a:lstStyle/>
@@ -11533,8 +11292,11 @@
             <a:pPr>
               <a:defRPr/>
             </a:pPr>
-            <a:fld id="{A5196D2F-D5A7-4E7D-852A-CA3F32274879}" type="slidenum">
+            <a:fld id="{58452FF4-89E3-4D1B-9927-2DBDC00E58D7}" type="slidenum">
               <a:rPr lang="en-US" smtClean="0"/>
+              <a:pPr>
+                <a:defRPr/>
+              </a:pPr>
               <a:t>22</a:t>
             </a:fld>
             <a:endParaRPr lang="en-US" dirty="0"/>
@@ -11543,52 +11305,82 @@
       </p:sp>
       <p:pic>
         <p:nvPicPr>
-          <p:cNvPr id="8" name="Picture 7"/>
+          <p:cNvPr id="5" name="Picture 4"/>
           <p:cNvPicPr>
             <a:picLocks noChangeAspect="1"/>
           </p:cNvPicPr>
           <p:nvPr/>
         </p:nvPicPr>
         <p:blipFill>
-          <a:blip r:embed="rId5" cstate="screen">
-            <a:extLst>
-              <a:ext uri="{28A0092B-C50C-407E-A947-70E740481C1C}">
-                <a14:useLocalDpi xmlns:a14="http://schemas.microsoft.com/office/drawing/2010/main"/>
-              </a:ext>
-            </a:extLst>
-          </a:blip>
+          <a:blip r:embed="rId3"/>
           <a:stretch>
             <a:fillRect/>
           </a:stretch>
         </p:blipFill>
         <p:spPr>
           <a:xfrm>
-            <a:off x="1023812" y="3583663"/>
-            <a:ext cx="3588444" cy="2195088"/>
+            <a:off x="4800600" y="4648200"/>
+            <a:ext cx="3810000" cy="1581150"/>
           </a:xfrm>
           <a:prstGeom prst="rect">
             <a:avLst/>
           </a:prstGeom>
+          <a:ln>
+            <a:noFill/>
+          </a:ln>
+          <a:effectLst>
+            <a:outerShdw blurRad="190500" algn="tl" rotWithShape="0">
+              <a:srgbClr val="000000">
+                <a:alpha val="70000"/>
+              </a:srgbClr>
+            </a:outerShdw>
+          </a:effectLst>
+        </p:spPr>
+      </p:pic>
+      <p:pic>
+        <p:nvPicPr>
+          <p:cNvPr id="6" name="Picture 5"/>
+          <p:cNvPicPr>
+            <a:picLocks noChangeAspect="1"/>
+          </p:cNvPicPr>
+          <p:nvPr/>
+        </p:nvPicPr>
+        <p:blipFill>
+          <a:blip r:embed="rId4"/>
+          <a:stretch>
+            <a:fillRect/>
+          </a:stretch>
+        </p:blipFill>
+        <p:spPr>
+          <a:xfrm>
+            <a:off x="1600200" y="5257800"/>
+            <a:ext cx="1981200" cy="1066800"/>
+          </a:xfrm>
+          <a:prstGeom prst="rect">
+            <a:avLst/>
+          </a:prstGeom>
+          <a:ln>
+            <a:noFill/>
+          </a:ln>
+          <a:effectLst>
+            <a:outerShdw blurRad="190500" algn="tl" rotWithShape="0">
+              <a:srgbClr val="000000">
+                <a:alpha val="70000"/>
+              </a:srgbClr>
+            </a:outerShdw>
+          </a:effectLst>
         </p:spPr>
       </p:pic>
     </p:spTree>
     <p:extLst>
       <p:ext uri="{BB962C8B-B14F-4D97-AF65-F5344CB8AC3E}">
-        <p14:creationId xmlns:p14="http://schemas.microsoft.com/office/powerpoint/2010/main" val="1315116232"/>
+        <p14:creationId xmlns:p14="http://schemas.microsoft.com/office/powerpoint/2010/main" val="3345775208"/>
       </p:ext>
     </p:extLst>
   </p:cSld>
   <p:clrMapOvr>
     <a:masterClrMapping/>
   </p:clrMapOvr>
-  <mc:AlternateContent xmlns:mc="http://schemas.openxmlformats.org/markup-compatibility/2006" xmlns:p14="http://schemas.microsoft.com/office/powerpoint/2010/main">
-    <mc:Choice Requires="p14">
-      <p:transition spd="slow" p14:dur="2000"/>
-    </mc:Choice>
-    <mc:Fallback xmlns="">
-      <p:transition spd="slow"/>
-    </mc:Fallback>
-  </mc:AlternateContent>
   <p:timing>
     <p:tnLst>
       <p:par>
@@ -11623,13 +11415,13 @@
             <a:spLocks noGrp="1"/>
           </p:cNvSpPr>
           <p:nvPr>
-            <p:ph type="title"/>
+            <p:ph type="ctrTitle"/>
           </p:nvPr>
         </p:nvSpPr>
         <p:spPr>
           <a:xfrm>
-            <a:off x="1828800" y="228600"/>
-            <a:ext cx="7086600" cy="914400"/>
+            <a:off x="304800" y="1219200"/>
+            <a:ext cx="8534400" cy="685800"/>
           </a:xfrm>
         </p:spPr>
         <p:txBody>
@@ -11638,7 +11430,7 @@
           <a:p>
             <a:r>
               <a:rPr lang="en-US" dirty="0" smtClean="0"/>
-              <a:t>Champions: JS Applications</a:t>
+              <a:t>Champions from the Exams</a:t>
             </a:r>
             <a:endParaRPr lang="en-US" dirty="0"/>
           </a:p>
@@ -11646,18 +11438,18 @@
       </p:sp>
       <p:sp>
         <p:nvSpPr>
-          <p:cNvPr id="5" name="Content Placeholder 4"/>
+          <p:cNvPr id="5" name="Subtitle 4"/>
           <p:cNvSpPr>
             <a:spLocks noGrp="1"/>
           </p:cNvSpPr>
           <p:nvPr>
-            <p:ph idx="1"/>
+            <p:ph type="subTitle" idx="1"/>
           </p:nvPr>
         </p:nvSpPr>
         <p:spPr>
           <a:xfrm>
-            <a:off x="228600" y="1295400"/>
-            <a:ext cx="8686800" cy="5410200"/>
+            <a:off x="609600" y="1981200"/>
+            <a:ext cx="7924800" cy="569120"/>
           </a:xfrm>
         </p:spPr>
         <p:txBody>
@@ -11665,165 +11457,27 @@
           <a:lstStyle/>
           <a:p>
             <a:r>
-              <a:rPr lang="en-US" noProof="1" smtClean="0"/>
-              <a:t># 1 – Asen Valyovski</a:t>
-            </a:r>
-          </a:p>
-          <a:p>
-            <a:r>
-              <a:rPr lang="en-US" noProof="1" smtClean="0"/>
-              <a:t># 2 – Sevgin Hashimov</a:t>
-            </a:r>
-          </a:p>
-          <a:p>
-            <a:r>
-              <a:rPr lang="en-US" noProof="1" smtClean="0"/>
-              <a:t># 3 – Dimiter Todorov</a:t>
-            </a:r>
+              <a:rPr lang="en-US" dirty="0" smtClean="0"/>
+              <a:t>Telerik </a:t>
+            </a:r>
+            <a:r>
+              <a:rPr lang="en-US" smtClean="0"/>
+              <a:t>Academy Ninja Champions</a:t>
+            </a:r>
+            <a:endParaRPr lang="en-US" dirty="0"/>
           </a:p>
         </p:txBody>
       </p:sp>
       <p:pic>
         <p:nvPicPr>
-          <p:cNvPr id="12290" name="Picture 2" descr="http://www.montana.edu/wwwextec/images/champion.jpg"/>
+          <p:cNvPr id="11267" name="Picture 3"/>
           <p:cNvPicPr>
             <a:picLocks noChangeAspect="1" noChangeArrowheads="1"/>
           </p:cNvPicPr>
           <p:nvPr/>
         </p:nvPicPr>
         <p:blipFill>
-          <a:blip r:embed="rId2" cstate="screen">
-            <a:extLst>
-              <a:ext uri="{BEBA8EAE-BF5A-486C-A8C5-ECC9F3942E4B}">
-                <a14:imgProps xmlns:a14="http://schemas.microsoft.com/office/drawing/2010/main">
-                  <a14:imgLayer r:embed="rId3">
-                    <a14:imgEffect>
-                      <a14:brightnessContrast contrast="-40000"/>
-                    </a14:imgEffect>
-                  </a14:imgLayer>
-                </a14:imgProps>
-              </a:ext>
-              <a:ext uri="{28A0092B-C50C-407E-A947-70E740481C1C}">
-                <a14:useLocalDpi xmlns:a14="http://schemas.microsoft.com/office/drawing/2010/main"/>
-              </a:ext>
-            </a:extLst>
-          </a:blip>
-          <a:srcRect/>
-          <a:stretch>
-            <a:fillRect/>
-          </a:stretch>
-        </p:blipFill>
-        <p:spPr bwMode="auto">
-          <a:xfrm>
-            <a:off x="5410200" y="3124200"/>
-            <a:ext cx="2962275" cy="2962275"/>
-          </a:xfrm>
-          <a:prstGeom prst="roundRect">
-            <a:avLst>
-              <a:gd name="adj" fmla="val 2221"/>
-            </a:avLst>
-          </a:prstGeom>
-          <a:noFill/>
-          <a:ln w="19050">
-            <a:solidFill>
-              <a:schemeClr val="accent5">
-                <a:lumMod val="75000"/>
-              </a:schemeClr>
-            </a:solidFill>
-          </a:ln>
-          <a:extLst>
-            <a:ext uri="{909E8E84-426E-40DD-AFC4-6F175D3DCCD1}">
-              <a14:hiddenFill xmlns:a14="http://schemas.microsoft.com/office/drawing/2010/main">
-                <a:solidFill>
-                  <a:srgbClr val="FFFFFF"/>
-                </a:solidFill>
-              </a14:hiddenFill>
-            </a:ext>
-          </a:extLst>
-        </p:spPr>
-      </p:pic>
-      <p:sp>
-        <p:nvSpPr>
-          <p:cNvPr id="7" name="Slide Number Placeholder 3"/>
-          <p:cNvSpPr>
-            <a:spLocks noGrp="1"/>
-          </p:cNvSpPr>
-          <p:nvPr>
-            <p:ph type="sldNum" sz="quarter" idx="10"/>
-          </p:nvPr>
-        </p:nvSpPr>
-        <p:spPr>
-          <a:xfrm>
-            <a:off x="8610600" y="6553200"/>
-            <a:ext cx="457200" cy="228600"/>
-          </a:xfrm>
-        </p:spPr>
-        <p:txBody>
-          <a:bodyPr/>
-          <a:lstStyle/>
-          <a:p>
-            <a:pPr>
-              <a:defRPr/>
-            </a:pPr>
-            <a:fld id="{F5FAE208-40F5-4132-A1A7-567C8E8075F8}" type="slidenum">
-              <a:rPr lang="en-US" smtClean="0"/>
-              <a:t>23</a:t>
-            </a:fld>
-            <a:endParaRPr lang="en-US" dirty="0"/>
-          </a:p>
-        </p:txBody>
-      </p:sp>
-      <p:pic>
-        <p:nvPicPr>
-          <p:cNvPr id="8" name="Picture 2" descr="application, javascript, x icon"/>
-          <p:cNvPicPr>
-            <a:picLocks noChangeAspect="1" noChangeArrowheads="1"/>
-          </p:cNvPicPr>
-          <p:nvPr/>
-        </p:nvPicPr>
-        <p:blipFill>
-          <a:blip r:embed="rId4">
-            <a:extLst>
-              <a:ext uri="{28A0092B-C50C-407E-A947-70E740481C1C}">
-                <a14:useLocalDpi xmlns:a14="http://schemas.microsoft.com/office/drawing/2010/main"/>
-              </a:ext>
-            </a:extLst>
-          </a:blip>
-          <a:srcRect/>
-          <a:stretch>
-            <a:fillRect/>
-          </a:stretch>
-        </p:blipFill>
-        <p:spPr bwMode="auto">
-          <a:xfrm rot="21391324">
-            <a:off x="1451851" y="3697552"/>
-            <a:ext cx="2351224" cy="2351224"/>
-          </a:xfrm>
-          <a:prstGeom prst="rect">
-            <a:avLst/>
-          </a:prstGeom>
-          <a:noFill/>
-          <a:extLst>
-            <a:ext uri="{909E8E84-426E-40DD-AFC4-6F175D3DCCD1}">
-              <a14:hiddenFill xmlns:a14="http://schemas.microsoft.com/office/drawing/2010/main">
-                <a:solidFill>
-                  <a:srgbClr val="FFFFFF"/>
-                </a:solidFill>
-              </a14:hiddenFill>
-            </a:ext>
-          </a:extLst>
-        </p:spPr>
-      </p:pic>
-      <p:pic>
-        <p:nvPicPr>
-          <p:cNvPr id="9" name="Picture 4" descr="js icon"/>
-          <p:cNvPicPr>
-            <a:picLocks noChangeAspect="1" noChangeArrowheads="1"/>
-          </p:cNvPicPr>
-          <p:nvPr/>
-        </p:nvPicPr>
-        <p:blipFill>
-          <a:blip r:embed="rId5" cstate="screen">
+          <a:blip r:embed="rId2">
             <a:extLst>
               <a:ext uri="{28A0092B-C50C-407E-A947-70E740481C1C}">
                 <a14:useLocalDpi xmlns:a14="http://schemas.microsoft.com/office/drawing/2010/main"/>
@@ -11837,25 +11491,98 @@
         </p:blipFill>
         <p:spPr bwMode="auto">
           <a:xfrm>
-            <a:off x="6096000" y="1325088"/>
-            <a:ext cx="1441862" cy="1441862"/>
+            <a:off x="4853226" y="2971800"/>
+            <a:ext cx="3452574" cy="3181350"/>
           </a:xfrm>
           <a:prstGeom prst="rect">
             <a:avLst/>
           </a:prstGeom>
           <a:noFill/>
+          <a:ln>
+            <a:noFill/>
+          </a:ln>
           <a:effectLst>
             <a:glow rad="63500">
               <a:schemeClr val="accent5">
-                <a:satMod val="175000"/>
+                <a:lumMod val="60000"/>
+                <a:lumOff val="40000"/>
                 <a:alpha val="40000"/>
               </a:schemeClr>
             </a:glow>
+            <a:outerShdw dist="35921" dir="2700000" algn="ctr" rotWithShape="0">
+              <a:schemeClr val="bg2"/>
+            </a:outerShdw>
           </a:effectLst>
           <a:extLst>
             <a:ext uri="{909E8E84-426E-40DD-AFC4-6F175D3DCCD1}">
               <a14:hiddenFill xmlns:a14="http://schemas.microsoft.com/office/drawing/2010/main">
                 <a:solidFill>
+                  <a:schemeClr val="accent1"/>
+                </a:solidFill>
+              </a14:hiddenFill>
+            </a:ext>
+            <a:ext uri="{91240B29-F687-4F45-9708-019B960494DF}">
+              <a14:hiddenLine xmlns:a14="http://schemas.microsoft.com/office/drawing/2010/main" w="9525">
+                <a:solidFill>
+                  <a:schemeClr val="tx1"/>
+                </a:solidFill>
+                <a:miter lim="800000"/>
+                <a:headEnd/>
+                <a:tailEnd/>
+              </a14:hiddenLine>
+            </a:ext>
+          </a:extLst>
+        </p:spPr>
+      </p:pic>
+      <p:pic>
+        <p:nvPicPr>
+          <p:cNvPr id="6146" name="Picture 2" descr="http://academy.telerik.com/images/default-album/programming-champion-telerik-academy.png?sfvrsn=2"/>
+          <p:cNvPicPr>
+            <a:picLocks noChangeAspect="1" noChangeArrowheads="1"/>
+          </p:cNvPicPr>
+          <p:nvPr/>
+        </p:nvPicPr>
+        <p:blipFill>
+          <a:blip r:embed="rId3">
+            <a:extLst>
+              <a:ext uri="{28A0092B-C50C-407E-A947-70E740481C1C}">
+                <a14:useLocalDpi xmlns:a14="http://schemas.microsoft.com/office/drawing/2010/main"/>
+              </a:ext>
+            </a:extLst>
+          </a:blip>
+          <a:srcRect/>
+          <a:stretch>
+            <a:fillRect/>
+          </a:stretch>
+        </p:blipFill>
+        <p:spPr bwMode="auto">
+          <a:xfrm>
+            <a:off x="1219200" y="2971801"/>
+            <a:ext cx="3176064" cy="3176064"/>
+          </a:xfrm>
+          <a:prstGeom prst="rect">
+            <a:avLst/>
+          </a:prstGeom>
+          <a:noFill/>
+          <a:ln>
+            <a:noFill/>
+          </a:ln>
+          <a:effectLst>
+            <a:glow rad="63500">
+              <a:schemeClr val="accent5">
+                <a:lumMod val="60000"/>
+                <a:lumOff val="40000"/>
+                <a:alpha val="40000"/>
+              </a:schemeClr>
+            </a:glow>
+            <a:outerShdw dist="35921" dir="2700000" algn="ctr" rotWithShape="0">
+              <a:schemeClr val="bg2"/>
+            </a:outerShdw>
+          </a:effectLst>
+          <a:extLst>
+            <a:ext uri="{909E8E84-426E-40DD-AFC4-6F175D3DCCD1}">
+              <a14:hiddenFill xmlns:a14="http://schemas.microsoft.com/office/drawing/2010/main">
+                <a:solidFill>
                   <a:srgbClr val="FFFFFF"/>
                 </a:solidFill>
               </a14:hiddenFill>
@@ -11866,7 +11593,7 @@
     </p:spTree>
     <p:extLst>
       <p:ext uri="{BB962C8B-B14F-4D97-AF65-F5344CB8AC3E}">
-        <p14:creationId xmlns:p14="http://schemas.microsoft.com/office/powerpoint/2010/main" val="1414887408"/>
+        <p14:creationId xmlns:p14="http://schemas.microsoft.com/office/powerpoint/2010/main" val="3818380033"/>
       </p:ext>
     </p:extLst>
   </p:cSld>
@@ -11930,14 +11657,7 @@
           <a:p>
             <a:r>
               <a:rPr lang="en-US" dirty="0" smtClean="0"/>
-              <a:t>Most Active Students </a:t>
-            </a:r>
-            <a:br>
-              <a:rPr lang="en-US" dirty="0" smtClean="0"/>
-            </a:br>
-            <a:r>
-              <a:rPr lang="en-US" dirty="0" smtClean="0"/>
-              <a:t>in the Forum</a:t>
+              <a:t>Champions: HQC</a:t>
             </a:r>
             <a:endParaRPr lang="en-US" dirty="0"/>
           </a:p>
@@ -11955,8 +11675,8 @@
         </p:nvSpPr>
         <p:spPr>
           <a:xfrm>
-            <a:off x="228600" y="1240972"/>
-            <a:ext cx="8686800" cy="5236028"/>
+            <a:off x="228600" y="1295400"/>
+            <a:ext cx="8686800" cy="5410200"/>
           </a:xfrm>
         </p:spPr>
         <p:txBody>
@@ -11965,67 +11685,113 @@
           <a:p>
             <a:r>
               <a:rPr lang="en-US" noProof="1" smtClean="0"/>
-              <a:t># 1 – Ivaylo Kenov</a:t>
-            </a:r>
-          </a:p>
-          <a:p>
+              <a:t># 1 </a:t>
+            </a:r>
+            <a:r>
+              <a:rPr lang="en-US" noProof="1"/>
+              <a:t>– </a:t>
+            </a:r>
             <a:r>
               <a:rPr lang="en-US" noProof="1" smtClean="0"/>
-              <a:t># 2 – Teodor Kurtev</a:t>
-            </a:r>
+              <a:t>Djenko Penev</a:t>
+            </a:r>
+            <a:endParaRPr lang="en-US" noProof="1"/>
           </a:p>
           <a:p>
             <a:r>
               <a:rPr lang="en-US" noProof="1" smtClean="0"/>
-              <a:t># 3 – Jasson Jekov</a:t>
-            </a:r>
-          </a:p>
-          <a:p>
-            <a:endParaRPr lang="en-US" noProof="1"/>
-          </a:p>
-        </p:txBody>
-      </p:sp>
-      <p:sp>
-        <p:nvSpPr>
-          <p:cNvPr id="10" name="Slide Number Placeholder 3"/>
-          <p:cNvSpPr>
-            <a:spLocks noGrp="1"/>
-          </p:cNvSpPr>
-          <p:nvPr>
-            <p:ph type="sldNum" sz="quarter" idx="10"/>
-          </p:nvPr>
-        </p:nvSpPr>
-        <p:spPr>
-          <a:xfrm>
-            <a:off x="8610600" y="6553200"/>
-            <a:ext cx="457200" cy="228600"/>
-          </a:xfrm>
-        </p:spPr>
-        <p:txBody>
-          <a:bodyPr/>
-          <a:lstStyle/>
-          <a:p>
-            <a:pPr>
-              <a:defRPr/>
-            </a:pPr>
-            <a:fld id="{19D5D6A9-2D3E-4B67-A5E1-D754DEE47576}" type="slidenum">
-              <a:rPr lang="en-US" smtClean="0"/>
-              <a:t>24</a:t>
-            </a:fld>
-            <a:endParaRPr lang="en-US" dirty="0"/>
+              <a:t># 2 – Ventsislav Georgiev</a:t>
+            </a:r>
+          </a:p>
+          <a:p>
+            <a:r>
+              <a:rPr lang="en-US" noProof="1" smtClean="0"/>
+              <a:t># 3 – Alexander Dimitrov</a:t>
+            </a:r>
           </a:p>
         </p:txBody>
       </p:sp>
       <p:pic>
         <p:nvPicPr>
-          <p:cNvPr id="13318" name="Picture 6" descr="http://i1.squidoocdn.com/resize/squidoo_images/590/draft_lens17690367module149251741photo_1301592021Forum_Posting.jpg"/>
+          <p:cNvPr id="12290" name="Picture 2" descr="http://www.montana.edu/wwwextec/images/champion.jpg"/>
           <p:cNvPicPr>
             <a:picLocks noChangeAspect="1" noChangeArrowheads="1"/>
           </p:cNvPicPr>
           <p:nvPr/>
         </p:nvPicPr>
         <p:blipFill>
-          <a:blip r:embed="rId2">
+          <a:blip r:embed="rId2" cstate="screen">
+            <a:extLst>
+              <a:ext uri="{BEBA8EAE-BF5A-486C-A8C5-ECC9F3942E4B}">
+                <a14:imgProps xmlns:a14="http://schemas.microsoft.com/office/drawing/2010/main">
+                  <a14:imgLayer r:embed="rId3">
+                    <a14:imgEffect>
+                      <a14:brightnessContrast contrast="-40000"/>
+                    </a14:imgEffect>
+                  </a14:imgLayer>
+                </a14:imgProps>
+              </a:ext>
+              <a:ext uri="{28A0092B-C50C-407E-A947-70E740481C1C}">
+                <a14:useLocalDpi xmlns:a14="http://schemas.microsoft.com/office/drawing/2010/main"/>
+              </a:ext>
+            </a:extLst>
+          </a:blip>
+          <a:srcRect/>
+          <a:stretch>
+            <a:fillRect/>
+          </a:stretch>
+        </p:blipFill>
+        <p:spPr bwMode="auto">
+          <a:xfrm>
+            <a:off x="5382986" y="2971800"/>
+            <a:ext cx="2781300" cy="2781300"/>
+          </a:xfrm>
+          <a:prstGeom prst="roundRect">
+            <a:avLst>
+              <a:gd name="adj" fmla="val 2221"/>
+            </a:avLst>
+          </a:prstGeom>
+          <a:noFill/>
+          <a:ln w="19050">
+            <a:solidFill>
+              <a:schemeClr val="accent5">
+                <a:lumMod val="75000"/>
+              </a:schemeClr>
+            </a:solidFill>
+          </a:ln>
+          <a:extLst>
+            <a:ext uri="{909E8E84-426E-40DD-AFC4-6F175D3DCCD1}">
+              <a14:hiddenFill xmlns:a14="http://schemas.microsoft.com/office/drawing/2010/main">
+                <a:solidFill>
+                  <a:srgbClr val="FFFFFF"/>
+                </a:solidFill>
+              </a14:hiddenFill>
+            </a:ext>
+          </a:extLst>
+        </p:spPr>
+      </p:pic>
+      <p:pic>
+        <p:nvPicPr>
+          <p:cNvPr id="3074" name="Picture 2" descr="http://www.google.bg/url?source=imglanding&amp;ct=img&amp;q=http://3.bp.blogspot.com/_pqc1Ho2DfSs/SQFIbVYy2KI/AAAAAAAADrY/ctNoiGGxOSw/s400/iamninja.png&amp;sa=X&amp;ei=BBbrUOCRN8TjtQbsjICADQ&amp;ved=0CAkQ8wc4Lg&amp;usg=AFQjCNEQP1XUm783cxyyiXzqyyzjL6wlHQ"/>
+          <p:cNvPicPr>
+            <a:picLocks noChangeAspect="1" noChangeArrowheads="1"/>
+          </p:cNvPicPr>
+          <p:nvPr/>
+        </p:nvPicPr>
+        <p:blipFill>
+          <a:blip r:embed="rId4" cstate="screen">
+            <a:clrChange>
+              <a:clrFrom>
+                <a:srgbClr val="000000">
+                  <a:alpha val="99608"/>
+                </a:srgbClr>
+              </a:clrFrom>
+              <a:clrTo>
+                <a:srgbClr val="000000">
+                  <a:alpha val="0"/>
+                </a:srgbClr>
+              </a:clrTo>
+            </a:clrChange>
             <a:extLst>
               <a:ext uri="{28A0092B-C50C-407E-A947-70E740481C1C}">
                 <a14:useLocalDpi xmlns:a14="http://schemas.microsoft.com/office/drawing/2010/main"/>
@@ -12039,22 +11805,13 @@
         </p:blipFill>
         <p:spPr bwMode="auto">
           <a:xfrm>
-            <a:off x="533400" y="3581400"/>
-            <a:ext cx="3829057" cy="2596638"/>
-          </a:xfrm>
-          <a:prstGeom prst="roundRect">
-            <a:avLst>
-              <a:gd name="adj" fmla="val 6941"/>
-            </a:avLst>
+            <a:off x="5431221" y="1264919"/>
+            <a:ext cx="2417379" cy="1402081"/>
+          </a:xfrm>
+          <a:prstGeom prst="rect">
+            <a:avLst/>
           </a:prstGeom>
           <a:noFill/>
-          <a:ln>
-            <a:solidFill>
-              <a:schemeClr val="accent5">
-                <a:lumMod val="75000"/>
-              </a:schemeClr>
-            </a:solidFill>
-          </a:ln>
           <a:extLst>
             <a:ext uri="{909E8E84-426E-40DD-AFC4-6F175D3DCCD1}">
               <a14:hiddenFill xmlns:a14="http://schemas.microsoft.com/office/drawing/2010/main">
@@ -12066,24 +11823,62 @@
           </a:extLst>
         </p:spPr>
       </p:pic>
+      <p:sp>
+        <p:nvSpPr>
+          <p:cNvPr id="9" name="Slide Number Placeholder 3"/>
+          <p:cNvSpPr>
+            <a:spLocks noGrp="1"/>
+          </p:cNvSpPr>
+          <p:nvPr>
+            <p:ph type="sldNum" sz="quarter" idx="10"/>
+          </p:nvPr>
+        </p:nvSpPr>
+        <p:spPr>
+          <a:xfrm>
+            <a:off x="8610600" y="6553200"/>
+            <a:ext cx="457200" cy="228600"/>
+          </a:xfrm>
+        </p:spPr>
+        <p:txBody>
+          <a:bodyPr/>
+          <a:lstStyle/>
+          <a:p>
+            <a:pPr>
+              <a:defRPr/>
+            </a:pPr>
+            <a:fld id="{A5196D2F-D5A7-4E7D-852A-CA3F32274879}" type="slidenum">
+              <a:rPr lang="en-US" smtClean="0"/>
+              <a:t>24</a:t>
+            </a:fld>
+            <a:endParaRPr lang="en-US" dirty="0"/>
+          </a:p>
+        </p:txBody>
+      </p:sp>
       <p:pic>
         <p:nvPicPr>
-          <p:cNvPr id="3" name="Picture 2"/>
+          <p:cNvPr id="1026" name="Picture 2" descr="http://www.funnyzone.org/wp-content/uploads/2010/04/code_reviews.jpg"/>
           <p:cNvPicPr>
-            <a:picLocks noChangeAspect="1"/>
+            <a:picLocks noChangeAspect="1" noChangeArrowheads="1"/>
           </p:cNvPicPr>
           <p:nvPr/>
         </p:nvPicPr>
         <p:blipFill>
-          <a:blip r:embed="rId3"/>
+          <a:blip r:embed="rId5">
+            <a:extLst>
+              <a:ext uri="{28A0092B-C50C-407E-A947-70E740481C1C}">
+                <a14:useLocalDpi xmlns:a14="http://schemas.microsoft.com/office/drawing/2010/main" val="0"/>
+              </a:ext>
+            </a:extLst>
+          </a:blip>
+          <a:srcRect/>
           <a:stretch>
             <a:fillRect/>
           </a:stretch>
         </p:blipFill>
-        <p:spPr>
+        <p:spPr bwMode="auto">
           <a:xfrm>
-            <a:off x="4813813" y="1563500"/>
-            <a:ext cx="3862791" cy="4260734"/>
+            <a:off x="879368" y="3429000"/>
+            <a:ext cx="3730625" cy="3052895"/>
           </a:xfrm>
           <a:prstGeom prst="rect">
             <a:avLst/>
@@ -12098,496 +11893,21 @@
               </a:srgbClr>
             </a:outerShdw>
           </a:effectLst>
+          <a:extLst>
+            <a:ext uri="{909E8E84-426E-40DD-AFC4-6F175D3DCCD1}">
+              <a14:hiddenFill xmlns:a14="http://schemas.microsoft.com/office/drawing/2010/main">
+                <a:solidFill>
+                  <a:srgbClr val="FFFFFF"/>
+                </a:solidFill>
+              </a14:hiddenFill>
+            </a:ext>
+          </a:extLst>
         </p:spPr>
       </p:pic>
     </p:spTree>
     <p:extLst>
       <p:ext uri="{BB962C8B-B14F-4D97-AF65-F5344CB8AC3E}">
-        <p14:creationId xmlns:p14="http://schemas.microsoft.com/office/powerpoint/2010/main" val="1366662718"/>
-      </p:ext>
-    </p:extLst>
-  </p:cSld>
-  <p:clrMapOvr>
-    <a:masterClrMapping/>
-  </p:clrMapOvr>
-  <p:timing>
-    <p:tnLst>
-      <p:par>
-        <p:cTn id="1" dur="indefinite" restart="never" nodeType="tmRoot"/>
-      </p:par>
-    </p:tnLst>
-  </p:timing>
-</p:sld>
-</file>
-
-<file path=ppt/slides/slide25.xml><?xml version="1.0" encoding="utf-8"?>
-<p:sld xmlns:a="http://schemas.openxmlformats.org/drawingml/2006/main" xmlns:r="http://schemas.openxmlformats.org/officeDocument/2006/relationships" xmlns:p="http://schemas.openxmlformats.org/presentationml/2006/main">
-  <p:cSld>
-    <p:spTree>
-      <p:nvGrpSpPr>
-        <p:cNvPr id="1" name=""/>
-        <p:cNvGrpSpPr/>
-        <p:nvPr/>
-      </p:nvGrpSpPr>
-      <p:grpSpPr>
-        <a:xfrm>
-          <a:off x="0" y="0"/>
-          <a:ext cx="0" cy="0"/>
-          <a:chOff x="0" y="0"/>
-          <a:chExt cx="0" cy="0"/>
-        </a:xfrm>
-      </p:grpSpPr>
-      <p:sp>
-        <p:nvSpPr>
-          <p:cNvPr id="2" name="Title 1"/>
-          <p:cNvSpPr>
-            <a:spLocks noGrp="1"/>
-          </p:cNvSpPr>
-          <p:nvPr>
-            <p:ph type="title"/>
-          </p:nvPr>
-        </p:nvSpPr>
-        <p:spPr/>
-        <p:txBody>
-          <a:bodyPr/>
-          <a:lstStyle/>
-          <a:p>
-            <a:r>
-              <a:rPr lang="en-US" dirty="0" smtClean="0"/>
-              <a:t>PC Magazine Champions</a:t>
-            </a:r>
-            <a:endParaRPr lang="en-US" dirty="0"/>
-          </a:p>
-        </p:txBody>
-      </p:sp>
-      <p:sp>
-        <p:nvSpPr>
-          <p:cNvPr id="4" name="Slide Number Placeholder 3"/>
-          <p:cNvSpPr>
-            <a:spLocks noGrp="1"/>
-          </p:cNvSpPr>
-          <p:nvPr>
-            <p:ph type="sldNum" sz="quarter" idx="10"/>
-          </p:nvPr>
-        </p:nvSpPr>
-        <p:spPr/>
-        <p:txBody>
-          <a:bodyPr/>
-          <a:lstStyle/>
-          <a:p>
-            <a:pPr>
-              <a:defRPr/>
-            </a:pPr>
-            <a:fld id="{96659F67-900F-4B6F-BF4D-16F943B5EF99}" type="slidenum">
-              <a:rPr lang="en-US" smtClean="0"/>
-              <a:t>25</a:t>
-            </a:fld>
-            <a:endParaRPr lang="en-US" dirty="0"/>
-          </a:p>
-        </p:txBody>
-      </p:sp>
-      <p:sp>
-        <p:nvSpPr>
-          <p:cNvPr id="6" name="Content Placeholder 4"/>
-          <p:cNvSpPr txBox="1">
-            <a:spLocks/>
-          </p:cNvSpPr>
-          <p:nvPr/>
-        </p:nvSpPr>
-        <p:spPr>
-          <a:xfrm>
-            <a:off x="228600" y="1143000"/>
-            <a:ext cx="8686800" cy="5312228"/>
-          </a:xfrm>
-          <a:prstGeom prst="rect">
-            <a:avLst/>
-          </a:prstGeom>
-        </p:spPr>
-        <p:txBody>
-          <a:bodyPr/>
-          <a:lstStyle>
-            <a:lvl1pPr marL="282575" indent="-282575" algn="l" rtl="0" eaLnBrk="0" fontAlgn="base" hangingPunct="0">
-              <a:lnSpc>
-                <a:spcPct val="105000"/>
-              </a:lnSpc>
-              <a:spcBef>
-                <a:spcPts val="600"/>
-              </a:spcBef>
-              <a:spcAft>
-                <a:spcPts val="600"/>
-              </a:spcAft>
-              <a:buClr>
-                <a:schemeClr val="accent5">
-                  <a:lumMod val="40000"/>
-                  <a:lumOff val="60000"/>
-                </a:schemeClr>
-              </a:buClr>
-              <a:buSzPct val="70000"/>
-              <a:buFont typeface="Wingdings 2" pitchFamily="18" charset="2"/>
-              <a:buChar char=""/>
-              <a:tabLst>
-                <a:tab pos="282575" algn="l"/>
-              </a:tabLst>
-              <a:defRPr sz="3200" b="1" kern="1200">
-                <a:solidFill>
-                  <a:srgbClr val="EBFFD2"/>
-                </a:solidFill>
-                <a:effectLst>
-                  <a:outerShdw blurRad="38100" dist="38100" dir="2700000" algn="tl">
-                    <a:srgbClr val="000000">
-                      <a:alpha val="43137"/>
-                    </a:srgbClr>
-                  </a:outerShdw>
-                </a:effectLst>
-                <a:latin typeface="+mn-lt"/>
-                <a:ea typeface="+mn-ea"/>
-                <a:cs typeface="+mn-cs"/>
-              </a:defRPr>
-            </a:lvl1pPr>
-            <a:lvl2pPr marL="630238" indent="-273050" algn="l" rtl="0" eaLnBrk="0" fontAlgn="base" hangingPunct="0">
-              <a:lnSpc>
-                <a:spcPct val="105000"/>
-              </a:lnSpc>
-              <a:spcBef>
-                <a:spcPts val="600"/>
-              </a:spcBef>
-              <a:spcAft>
-                <a:spcPts val="600"/>
-              </a:spcAft>
-              <a:buClr>
-                <a:srgbClr val="8FD600"/>
-              </a:buClr>
-              <a:buFont typeface="Wingdings 2" pitchFamily="18" charset="2"/>
-              <a:buChar char=""/>
-              <a:defRPr sz="3000" b="1" kern="1200">
-                <a:solidFill>
-                  <a:schemeClr val="tx1">
-                    <a:lumMod val="40000"/>
-                    <a:lumOff val="60000"/>
-                  </a:schemeClr>
-                </a:solidFill>
-                <a:effectLst>
-                  <a:outerShdw blurRad="38100" dist="38100" dir="2700000" algn="tl">
-                    <a:srgbClr val="000000">
-                      <a:alpha val="43137"/>
-                    </a:srgbClr>
-                  </a:outerShdw>
-                </a:effectLst>
-                <a:latin typeface="+mn-lt"/>
-                <a:ea typeface="+mn-ea"/>
-                <a:cs typeface="+mn-cs"/>
-              </a:defRPr>
-            </a:lvl2pPr>
-            <a:lvl3pPr marL="922338" indent="-273050" algn="l" rtl="0" eaLnBrk="0" fontAlgn="base" hangingPunct="0">
-              <a:lnSpc>
-                <a:spcPct val="105000"/>
-              </a:lnSpc>
-              <a:spcBef>
-                <a:spcPts val="600"/>
-              </a:spcBef>
-              <a:spcAft>
-                <a:spcPts val="600"/>
-              </a:spcAft>
-              <a:buClr>
-                <a:srgbClr val="FFAD9F"/>
-              </a:buClr>
-              <a:buFont typeface="Wingdings 2" pitchFamily="18" charset="2"/>
-              <a:buChar char=""/>
-              <a:defRPr sz="2800" b="1" kern="1200">
-                <a:solidFill>
-                  <a:srgbClr val="F5FFC2"/>
-                </a:solidFill>
-                <a:effectLst>
-                  <a:outerShdw blurRad="38100" dist="38100" dir="2700000" algn="tl">
-                    <a:srgbClr val="000000">
-                      <a:alpha val="43137"/>
-                    </a:srgbClr>
-                  </a:outerShdw>
-                </a:effectLst>
-                <a:latin typeface="+mn-lt"/>
-                <a:ea typeface="+mn-ea"/>
-                <a:cs typeface="+mn-cs"/>
-              </a:defRPr>
-            </a:lvl3pPr>
-            <a:lvl4pPr marL="1187450" indent="-228600" algn="l" rtl="0" eaLnBrk="0" fontAlgn="base" hangingPunct="0">
-              <a:lnSpc>
-                <a:spcPct val="105000"/>
-              </a:lnSpc>
-              <a:spcBef>
-                <a:spcPts val="600"/>
-              </a:spcBef>
-              <a:spcAft>
-                <a:spcPts val="600"/>
-              </a:spcAft>
-              <a:buClr>
-                <a:srgbClr val="FACF82"/>
-              </a:buClr>
-              <a:buFont typeface="Wingdings 2" pitchFamily="18" charset="2"/>
-              <a:buChar char=""/>
-              <a:defRPr sz="2600" b="1" kern="1200">
-                <a:solidFill>
-                  <a:schemeClr val="tx1">
-                    <a:lumMod val="40000"/>
-                    <a:lumOff val="60000"/>
-                  </a:schemeClr>
-                </a:solidFill>
-                <a:effectLst>
-                  <a:outerShdw blurRad="38100" dist="38100" dir="2700000" algn="tl">
-                    <a:srgbClr val="000000">
-                      <a:alpha val="43137"/>
-                    </a:srgbClr>
-                  </a:outerShdw>
-                </a:effectLst>
-                <a:latin typeface="+mn-lt"/>
-                <a:ea typeface="+mn-ea"/>
-                <a:cs typeface="+mn-cs"/>
-              </a:defRPr>
-            </a:lvl4pPr>
-            <a:lvl5pPr marL="1425575" indent="-228600" algn="l" rtl="0" eaLnBrk="0" fontAlgn="base" hangingPunct="0">
-              <a:lnSpc>
-                <a:spcPct val="105000"/>
-              </a:lnSpc>
-              <a:spcBef>
-                <a:spcPts val="600"/>
-              </a:spcBef>
-              <a:spcAft>
-                <a:spcPts val="600"/>
-              </a:spcAft>
-              <a:buClr>
-                <a:srgbClr val="46A6BD"/>
-              </a:buClr>
-              <a:buFont typeface="Wingdings 2" pitchFamily="18" charset="2"/>
-              <a:buChar char=""/>
-              <a:defRPr sz="2400" b="1" kern="1200">
-                <a:solidFill>
-                  <a:schemeClr val="tx1">
-                    <a:lumMod val="40000"/>
-                    <a:lumOff val="60000"/>
-                  </a:schemeClr>
-                </a:solidFill>
-                <a:effectLst>
-                  <a:outerShdw blurRad="38100" dist="38100" dir="2700000" algn="tl">
-                    <a:srgbClr val="000000">
-                      <a:alpha val="43137"/>
-                    </a:srgbClr>
-                  </a:outerShdw>
-                </a:effectLst>
-                <a:latin typeface="+mn-lt"/>
-                <a:ea typeface="+mn-ea"/>
-                <a:cs typeface="+mn-cs"/>
-              </a:defRPr>
-            </a:lvl5pPr>
-            <a:lvl6pPr marL="1673352" indent="-228600" algn="l" rtl="0" eaLnBrk="1" latinLnBrk="0" hangingPunct="1">
-              <a:spcBef>
-                <a:spcPct val="20000"/>
-              </a:spcBef>
-              <a:buClr>
-                <a:schemeClr val="accent6"/>
-              </a:buClr>
-              <a:buFont typeface="Wingdings 2"/>
-              <a:buChar char=""/>
-              <a:defRPr sz="1800" kern="1200">
-                <a:solidFill>
-                  <a:schemeClr val="tx1"/>
-                </a:solidFill>
-                <a:latin typeface="+mn-lt"/>
-                <a:ea typeface="+mn-ea"/>
-                <a:cs typeface="+mn-cs"/>
-              </a:defRPr>
-            </a:lvl6pPr>
-            <a:lvl7pPr marL="1911096" indent="-228600" algn="l" rtl="0" eaLnBrk="1" latinLnBrk="0" hangingPunct="1">
-              <a:spcBef>
-                <a:spcPct val="20000"/>
-              </a:spcBef>
-              <a:buClr>
-                <a:schemeClr val="tx2"/>
-              </a:buClr>
-              <a:buFont typeface="Wingdings 2"/>
-              <a:buChar char=""/>
-              <a:defRPr sz="1600" kern="1200">
-                <a:solidFill>
-                  <a:schemeClr val="tx1"/>
-                </a:solidFill>
-                <a:latin typeface="+mn-lt"/>
-                <a:ea typeface="+mn-ea"/>
-                <a:cs typeface="+mn-cs"/>
-              </a:defRPr>
-            </a:lvl7pPr>
-            <a:lvl8pPr marL="2121408" indent="-182880" algn="l" rtl="0" eaLnBrk="1" latinLnBrk="0" hangingPunct="1">
-              <a:spcBef>
-                <a:spcPct val="20000"/>
-              </a:spcBef>
-              <a:buClr>
-                <a:schemeClr val="tx2"/>
-              </a:buClr>
-              <a:buFont typeface="Wingdings 2"/>
-              <a:buChar char=""/>
-              <a:defRPr sz="1400" kern="1200">
-                <a:solidFill>
-                  <a:schemeClr val="tx1"/>
-                </a:solidFill>
-                <a:latin typeface="+mn-lt"/>
-                <a:ea typeface="+mn-ea"/>
-                <a:cs typeface="+mn-cs"/>
-              </a:defRPr>
-            </a:lvl8pPr>
-            <a:lvl9pPr marL="2322576" indent="-182880" algn="l" rtl="0" eaLnBrk="1" latinLnBrk="0" hangingPunct="1">
-              <a:spcBef>
-                <a:spcPct val="20000"/>
-              </a:spcBef>
-              <a:buClr>
-                <a:schemeClr val="tx2"/>
-              </a:buClr>
-              <a:buFont typeface="Wingdings 2"/>
-              <a:buChar char=""/>
-              <a:defRPr sz="1400" kern="1200">
-                <a:solidFill>
-                  <a:schemeClr val="tx1"/>
-                </a:solidFill>
-                <a:latin typeface="+mn-lt"/>
-                <a:ea typeface="+mn-ea"/>
-                <a:cs typeface="+mn-cs"/>
-              </a:defRPr>
-            </a:lvl9pPr>
-          </a:lstStyle>
-          <a:p>
-            <a:r>
-              <a:rPr lang="en-US" noProof="1" smtClean="0"/>
-              <a:t>PC Magazine &amp; Telerik Programming Contest – Round #6 (final round)</a:t>
-            </a:r>
-          </a:p>
-          <a:p>
-            <a:pPr lvl="1">
-              <a:spcBef>
-                <a:spcPts val="1200"/>
-              </a:spcBef>
-            </a:pPr>
-            <a:r>
-              <a:rPr lang="en-US" noProof="1" smtClean="0"/>
-              <a:t>Antony Jekov</a:t>
-            </a:r>
-          </a:p>
-          <a:p>
-            <a:pPr lvl="1">
-              <a:spcBef>
-                <a:spcPts val="1200"/>
-              </a:spcBef>
-            </a:pPr>
-            <a:r>
-              <a:rPr lang="en-US" noProof="1" smtClean="0"/>
-              <a:t>Ralitsa Nikiforova</a:t>
-            </a:r>
-            <a:endParaRPr lang="en-US" sz="1600" noProof="1" smtClean="0"/>
-          </a:p>
-          <a:p>
-            <a:pPr marL="0" indent="0">
-              <a:spcBef>
-                <a:spcPts val="1800"/>
-              </a:spcBef>
-              <a:buNone/>
-            </a:pPr>
-            <a:endParaRPr lang="en-US" sz="1600" noProof="1" smtClean="0"/>
-          </a:p>
-          <a:p>
-            <a:pPr marL="0" indent="0">
-              <a:spcBef>
-                <a:spcPts val="1800"/>
-              </a:spcBef>
-              <a:buNone/>
-            </a:pPr>
-            <a:endParaRPr lang="en-US" sz="1600" noProof="1" smtClean="0"/>
-          </a:p>
-          <a:p>
-            <a:pPr>
-              <a:spcBef>
-                <a:spcPts val="1800"/>
-              </a:spcBef>
-              <a:buFont typeface="Arial" panose="020B0604020202020204" pitchFamily="34" charset="0"/>
-              <a:buChar char="•"/>
-            </a:pPr>
-            <a:r>
-              <a:rPr lang="en-US" sz="1600" noProof="1" smtClean="0"/>
-              <a:t>More </a:t>
-            </a:r>
-            <a:r>
-              <a:rPr lang="en-US" sz="1600" noProof="1"/>
-              <a:t>info at </a:t>
-            </a:r>
-            <a:r>
-              <a:rPr lang="en-US" sz="1600" noProof="1">
-                <a:hlinkClick r:id="rId2"/>
-              </a:rPr>
-              <a:t>http://konkurs.pcmagbg.net/%D1%80%D0%B5%D0%B7%D1%83%D0%BB%D1%82%D0%B0%D1%82%D0%B8-%D0%BE%D1%82-%D1%84%D0%B8%D0%BD%D0%B0%D0%BB%D0%B0-%D0%B7%D0%B0-%D1%81%D0%B5%D0%B7%D0%BE%D0%BD-20122013</a:t>
-            </a:r>
-            <a:r>
-              <a:rPr lang="en-US" sz="1600" noProof="1" smtClean="0">
-                <a:hlinkClick r:id="rId2"/>
-              </a:rPr>
-              <a:t>/</a:t>
-            </a:r>
-            <a:endParaRPr lang="en-US" sz="1600" noProof="1" smtClean="0"/>
-          </a:p>
-          <a:p>
-            <a:pPr>
-              <a:spcBef>
-                <a:spcPts val="1800"/>
-              </a:spcBef>
-              <a:buFont typeface="Arial" panose="020B0604020202020204" pitchFamily="34" charset="0"/>
-              <a:buChar char="•"/>
-            </a:pPr>
-            <a:endParaRPr lang="en-US" noProof="1"/>
-          </a:p>
-        </p:txBody>
-      </p:sp>
-      <p:pic>
-        <p:nvPicPr>
-          <p:cNvPr id="5122" name="Picture 2" descr="https://fbcdn-sphotos-d-a.akamaihd.net/hphotos-ak-prn1/545553_426753727386477_1706045593_n.jpg">
-            <a:hlinkClick r:id="rId3"/>
-          </p:cNvPr>
-          <p:cNvPicPr>
-            <a:picLocks noGrp="1" noChangeAspect="1" noChangeArrowheads="1"/>
-          </p:cNvPicPr>
-          <p:nvPr>
-            <p:ph idx="1"/>
-          </p:nvPr>
-        </p:nvPicPr>
-        <p:blipFill>
-          <a:blip r:embed="rId4" cstate="screen">
-            <a:extLst>
-              <a:ext uri="{28A0092B-C50C-407E-A947-70E740481C1C}">
-                <a14:useLocalDpi xmlns:a14="http://schemas.microsoft.com/office/drawing/2010/main"/>
-              </a:ext>
-            </a:extLst>
-          </a:blip>
-          <a:srcRect/>
-          <a:stretch>
-            <a:fillRect/>
-          </a:stretch>
-        </p:blipFill>
-        <p:spPr bwMode="auto">
-          <a:xfrm>
-            <a:off x="5867400" y="1981200"/>
-            <a:ext cx="2046178" cy="2895600"/>
-          </a:xfrm>
-          <a:prstGeom prst="rect">
-            <a:avLst/>
-          </a:prstGeom>
-          <a:noFill/>
-          <a:extLst>
-            <a:ext uri="{909E8E84-426E-40DD-AFC4-6F175D3DCCD1}">
-              <a14:hiddenFill xmlns:a14="http://schemas.microsoft.com/office/drawing/2010/main">
-                <a:solidFill>
-                  <a:srgbClr val="FFFFFF"/>
-                </a:solidFill>
-              </a14:hiddenFill>
-            </a:ext>
-          </a:extLst>
-        </p:spPr>
-      </p:pic>
-    </p:spTree>
-    <p:extLst>
-      <p:ext uri="{BB962C8B-B14F-4D97-AF65-F5344CB8AC3E}">
-        <p14:creationId xmlns:p14="http://schemas.microsoft.com/office/powerpoint/2010/main" val="2411890837"/>
+        <p14:creationId xmlns:p14="http://schemas.microsoft.com/office/powerpoint/2010/main" val="1315116232"/>
       </p:ext>
     </p:extLst>
   </p:cSld>
@@ -12612,365 +11932,7 @@
 </p:sld>
 </file>
 
-<file path=ppt/slides/slide26.xml><?xml version="1.0" encoding="utf-8"?>
-<p:sld xmlns:a="http://schemas.openxmlformats.org/drawingml/2006/main" xmlns:r="http://schemas.openxmlformats.org/officeDocument/2006/relationships" xmlns:p="http://schemas.openxmlformats.org/presentationml/2006/main">
-  <p:cSld>
-    <p:spTree>
-      <p:nvGrpSpPr>
-        <p:cNvPr id="1" name=""/>
-        <p:cNvGrpSpPr/>
-        <p:nvPr/>
-      </p:nvGrpSpPr>
-      <p:grpSpPr>
-        <a:xfrm>
-          <a:off x="0" y="0"/>
-          <a:ext cx="0" cy="0"/>
-          <a:chOff x="0" y="0"/>
-          <a:chExt cx="0" cy="0"/>
-        </a:xfrm>
-      </p:grpSpPr>
-      <p:sp>
-        <p:nvSpPr>
-          <p:cNvPr id="2" name="Title 1"/>
-          <p:cNvSpPr>
-            <a:spLocks noGrp="1"/>
-          </p:cNvSpPr>
-          <p:nvPr>
-            <p:ph type="title"/>
-          </p:nvPr>
-        </p:nvSpPr>
-        <p:spPr/>
-        <p:txBody>
-          <a:bodyPr/>
-          <a:lstStyle/>
-          <a:p>
-            <a:r>
-              <a:rPr lang="en-US" dirty="0" smtClean="0"/>
-              <a:t>The Absolute Champions</a:t>
-            </a:r>
-            <a:endParaRPr lang="en-US" dirty="0"/>
-          </a:p>
-        </p:txBody>
-      </p:sp>
-      <p:sp>
-        <p:nvSpPr>
-          <p:cNvPr id="3" name="Content Placeholder 2"/>
-          <p:cNvSpPr>
-            <a:spLocks noGrp="1"/>
-          </p:cNvSpPr>
-          <p:nvPr>
-            <p:ph idx="1"/>
-          </p:nvPr>
-        </p:nvSpPr>
-        <p:spPr/>
-        <p:txBody>
-          <a:bodyPr/>
-          <a:lstStyle/>
-          <a:p>
-            <a:r>
-              <a:rPr lang="en-US" dirty="0" smtClean="0"/>
-              <a:t>The </a:t>
-            </a:r>
-            <a:r>
-              <a:rPr lang="en-US" dirty="0" smtClean="0">
-                <a:solidFill>
-                  <a:schemeClr val="accent5">
-                    <a:lumMod val="20000"/>
-                    <a:lumOff val="80000"/>
-                  </a:schemeClr>
-                </a:solidFill>
-              </a:rPr>
-              <a:t>absolute champions </a:t>
-            </a:r>
-            <a:r>
-              <a:rPr lang="en-US" dirty="0" smtClean="0"/>
-              <a:t>of practical exams of all 10 courses till now:</a:t>
-            </a:r>
-          </a:p>
-          <a:p>
-            <a:pPr marL="574675" lvl="2" indent="-282575">
-              <a:spcBef>
-                <a:spcPts val="1200"/>
-              </a:spcBef>
-              <a:buClr>
-                <a:schemeClr val="accent5">
-                  <a:lumMod val="40000"/>
-                  <a:lumOff val="60000"/>
-                </a:schemeClr>
-              </a:buClr>
-              <a:buSzPct val="70000"/>
-              <a:buFont typeface="Wingdings 2" pitchFamily="18" charset="2"/>
-              <a:buChar char=""/>
-              <a:tabLst>
-                <a:tab pos="282575" algn="l"/>
-              </a:tabLst>
-            </a:pPr>
-            <a:r>
-              <a:rPr lang="en-US" sz="3000" noProof="1" smtClean="0"/>
-              <a:t># </a:t>
-            </a:r>
-            <a:r>
-              <a:rPr lang="en-US" sz="3000" noProof="1"/>
-              <a:t>1 – </a:t>
-            </a:r>
-            <a:r>
-              <a:rPr lang="en-US" sz="3000" noProof="1" smtClean="0"/>
-              <a:t>Jasson Jekov</a:t>
-            </a:r>
-          </a:p>
-          <a:p>
-            <a:pPr marL="574675" lvl="2" indent="-282575">
-              <a:spcBef>
-                <a:spcPts val="1200"/>
-              </a:spcBef>
-              <a:buClr>
-                <a:schemeClr val="accent5">
-                  <a:lumMod val="40000"/>
-                  <a:lumOff val="60000"/>
-                </a:schemeClr>
-              </a:buClr>
-              <a:buSzPct val="70000"/>
-              <a:buFont typeface="Wingdings 2" pitchFamily="18" charset="2"/>
-              <a:buChar char=""/>
-              <a:tabLst>
-                <a:tab pos="282575" algn="l"/>
-              </a:tabLst>
-            </a:pPr>
-            <a:r>
-              <a:rPr lang="en-US" sz="3000" noProof="1" smtClean="0"/>
-              <a:t># 2 – Ivaylo Kenov</a:t>
-            </a:r>
-          </a:p>
-          <a:p>
-            <a:pPr marL="574675" lvl="2" indent="-282575">
-              <a:spcBef>
-                <a:spcPts val="1200"/>
-              </a:spcBef>
-              <a:buClr>
-                <a:schemeClr val="accent5">
-                  <a:lumMod val="40000"/>
-                  <a:lumOff val="60000"/>
-                </a:schemeClr>
-              </a:buClr>
-              <a:buSzPct val="70000"/>
-              <a:buFont typeface="Wingdings 2" pitchFamily="18" charset="2"/>
-              <a:buChar char=""/>
-              <a:tabLst>
-                <a:tab pos="282575" algn="l"/>
-              </a:tabLst>
-            </a:pPr>
-            <a:r>
-              <a:rPr lang="en-US" sz="3000" noProof="1" smtClean="0"/>
-              <a:t># 3 – Ivan Buhov</a:t>
-            </a:r>
-          </a:p>
-          <a:p>
-            <a:pPr marL="574675" lvl="2" indent="-282575">
-              <a:spcBef>
-                <a:spcPts val="1200"/>
-              </a:spcBef>
-              <a:buClr>
-                <a:schemeClr val="accent5">
-                  <a:lumMod val="40000"/>
-                  <a:lumOff val="60000"/>
-                </a:schemeClr>
-              </a:buClr>
-              <a:buSzPct val="70000"/>
-              <a:buFont typeface="Wingdings 2" pitchFamily="18" charset="2"/>
-              <a:buChar char=""/>
-              <a:tabLst>
-                <a:tab pos="282575" algn="l"/>
-              </a:tabLst>
-            </a:pPr>
-            <a:endParaRPr lang="en-US" sz="3000" noProof="1"/>
-          </a:p>
-          <a:p>
-            <a:endParaRPr lang="en-US" dirty="0"/>
-          </a:p>
-        </p:txBody>
-      </p:sp>
-      <p:sp>
-        <p:nvSpPr>
-          <p:cNvPr id="4" name="Slide Number Placeholder 3"/>
-          <p:cNvSpPr>
-            <a:spLocks noGrp="1"/>
-          </p:cNvSpPr>
-          <p:nvPr>
-            <p:ph type="sldNum" sz="quarter" idx="10"/>
-          </p:nvPr>
-        </p:nvSpPr>
-        <p:spPr/>
-        <p:txBody>
-          <a:bodyPr/>
-          <a:lstStyle/>
-          <a:p>
-            <a:pPr>
-              <a:defRPr/>
-            </a:pPr>
-            <a:fld id="{58452FF4-89E3-4D1B-9927-2DBDC00E58D7}" type="slidenum">
-              <a:rPr lang="en-US" smtClean="0"/>
-              <a:pPr>
-                <a:defRPr/>
-              </a:pPr>
-              <a:t>26</a:t>
-            </a:fld>
-            <a:endParaRPr lang="en-US" dirty="0"/>
-          </a:p>
-        </p:txBody>
-      </p:sp>
-      <p:pic>
-        <p:nvPicPr>
-          <p:cNvPr id="1026" name="Picture 2" descr="https://twimg0-a.akamaihd.net/profile_images/2746059802/18b25b93a0c77098c14b24736bd1a015.jpeg"/>
-          <p:cNvPicPr>
-            <a:picLocks noChangeAspect="1" noChangeArrowheads="1"/>
-          </p:cNvPicPr>
-          <p:nvPr/>
-        </p:nvPicPr>
-        <p:blipFill>
-          <a:blip r:embed="rId2">
-            <a:extLst>
-              <a:ext uri="{28A0092B-C50C-407E-A947-70E740481C1C}">
-                <a14:useLocalDpi xmlns:a14="http://schemas.microsoft.com/office/drawing/2010/main" val="0"/>
-              </a:ext>
-            </a:extLst>
-          </a:blip>
-          <a:srcRect/>
-          <a:stretch>
-            <a:fillRect/>
-          </a:stretch>
-        </p:blipFill>
-        <p:spPr bwMode="auto">
-          <a:xfrm>
-            <a:off x="6387894" y="1508201"/>
-            <a:ext cx="1752600" cy="1752601"/>
-          </a:xfrm>
-          <a:prstGeom prst="rect">
-            <a:avLst/>
-          </a:prstGeom>
-          <a:noFill/>
-          <a:ln>
-            <a:solidFill>
-              <a:schemeClr val="accent4">
-                <a:lumMod val="50000"/>
-                <a:alpha val="50000"/>
-              </a:schemeClr>
-            </a:solidFill>
-          </a:ln>
-          <a:extLst>
-            <a:ext uri="{909E8E84-426E-40DD-AFC4-6F175D3DCCD1}">
-              <a14:hiddenFill xmlns:a14="http://schemas.microsoft.com/office/drawing/2010/main">
-                <a:solidFill>
-                  <a:srgbClr val="FFFFFF"/>
-                </a:solidFill>
-              </a14:hiddenFill>
-            </a:ext>
-          </a:extLst>
-        </p:spPr>
-      </p:pic>
-      <p:pic>
-        <p:nvPicPr>
-          <p:cNvPr id="1028" name="Picture 4" descr="http://academy.telerik.com/images/default-album/programming-champion-telerik-academy.png?sfvrsn=2"/>
-          <p:cNvPicPr>
-            <a:picLocks noChangeAspect="1" noChangeArrowheads="1"/>
-          </p:cNvPicPr>
-          <p:nvPr/>
-        </p:nvPicPr>
-        <p:blipFill>
-          <a:blip r:embed="rId3">
-            <a:extLst>
-              <a:ext uri="{28A0092B-C50C-407E-A947-70E740481C1C}">
-                <a14:useLocalDpi xmlns:a14="http://schemas.microsoft.com/office/drawing/2010/main" val="0"/>
-              </a:ext>
-            </a:extLst>
-          </a:blip>
-          <a:srcRect/>
-          <a:stretch>
-            <a:fillRect/>
-          </a:stretch>
-        </p:blipFill>
-        <p:spPr bwMode="auto">
-          <a:xfrm>
-            <a:off x="1524000" y="4419600"/>
-            <a:ext cx="1972604" cy="1972604"/>
-          </a:xfrm>
-          <a:prstGeom prst="rect">
-            <a:avLst/>
-          </a:prstGeom>
-          <a:noFill/>
-          <a:extLst>
-            <a:ext uri="{909E8E84-426E-40DD-AFC4-6F175D3DCCD1}">
-              <a14:hiddenFill xmlns:a14="http://schemas.microsoft.com/office/drawing/2010/main">
-                <a:solidFill>
-                  <a:srgbClr val="FFFFFF"/>
-                </a:solidFill>
-              </a14:hiddenFill>
-            </a:ext>
-          </a:extLst>
-        </p:spPr>
-      </p:pic>
-      <p:pic>
-        <p:nvPicPr>
-          <p:cNvPr id="1032" name="Picture 8" descr="http://officialpsds.com/images/thumbs/Gold-Cup-Trophy-psd55690.png"/>
-          <p:cNvPicPr>
-            <a:picLocks noChangeAspect="1" noChangeArrowheads="1"/>
-          </p:cNvPicPr>
-          <p:nvPr/>
-        </p:nvPicPr>
-        <p:blipFill>
-          <a:blip r:embed="rId4">
-            <a:extLst>
-              <a:ext uri="{28A0092B-C50C-407E-A947-70E740481C1C}">
-                <a14:useLocalDpi xmlns:a14="http://schemas.microsoft.com/office/drawing/2010/main" val="0"/>
-              </a:ext>
-            </a:extLst>
-          </a:blip>
-          <a:srcRect/>
-          <a:stretch>
-            <a:fillRect/>
-          </a:stretch>
-        </p:blipFill>
-        <p:spPr bwMode="auto">
-          <a:xfrm>
-            <a:off x="4953000" y="3716808"/>
-            <a:ext cx="2045226" cy="2532786"/>
-          </a:xfrm>
-          <a:prstGeom prst="rect">
-            <a:avLst/>
-          </a:prstGeom>
-          <a:noFill/>
-          <a:extLst>
-            <a:ext uri="{909E8E84-426E-40DD-AFC4-6F175D3DCCD1}">
-              <a14:hiddenFill xmlns:a14="http://schemas.microsoft.com/office/drawing/2010/main">
-                <a:solidFill>
-                  <a:srgbClr val="FFFFFF"/>
-                </a:solidFill>
-              </a14:hiddenFill>
-            </a:ext>
-          </a:extLst>
-        </p:spPr>
-      </p:pic>
-    </p:spTree>
-    <p:extLst>
-      <p:ext uri="{BB962C8B-B14F-4D97-AF65-F5344CB8AC3E}">
-        <p14:creationId xmlns:p14="http://schemas.microsoft.com/office/powerpoint/2010/main" val="3132418617"/>
-      </p:ext>
-    </p:extLst>
-  </p:cSld>
-  <p:clrMapOvr>
-    <a:masterClrMapping/>
-  </p:clrMapOvr>
-  <mc:AlternateContent xmlns:mc="http://schemas.openxmlformats.org/markup-compatibility/2006" xmlns:p14="http://schemas.microsoft.com/office/powerpoint/2010/main">
-    <mc:Choice Requires="p14">
-      <p:transition spd="slow" p14:dur="2000"/>
-    </mc:Choice>
-    <mc:Fallback xmlns="">
-      <p:transition spd="slow"/>
-    </mc:Fallback>
-  </mc:AlternateContent>
-</p:sld>
-</file>
-
-<file path=ppt/slides/slide27.xml><?xml version="1.0" encoding="utf-8"?>
+<file path=ppt/slides/slide25.xml><?xml version="1.0" encoding="utf-8"?>
 <p:sld xmlns:a="http://schemas.openxmlformats.org/drawingml/2006/main" xmlns:r="http://schemas.openxmlformats.org/officeDocument/2006/relationships" xmlns:p="http://schemas.openxmlformats.org/presentationml/2006/main">
   <p:cSld>
     <p:spTree>
@@ -13301,7 +12263,7 @@
 </p:sld>
 </file>
 
-<file path=ppt/slides/slide28.xml><?xml version="1.0" encoding="utf-8"?>
+<file path=ppt/slides/slide26.xml><?xml version="1.0" encoding="utf-8"?>
 <p:sld xmlns:a="http://schemas.openxmlformats.org/drawingml/2006/main" xmlns:r="http://schemas.openxmlformats.org/officeDocument/2006/relationships" xmlns:p="http://schemas.openxmlformats.org/presentationml/2006/main">
   <p:cSld>
     <p:spTree>
@@ -14002,7 +12964,7 @@
         </p:nvSpPr>
         <p:spPr>
           <a:xfrm>
-            <a:off x="228600" y="914400"/>
+            <a:off x="228600" y="838200"/>
             <a:ext cx="8686800" cy="5791200"/>
           </a:xfrm>
         </p:spPr>
@@ -14021,7 +12983,6 @@
               <a:rPr lang="en-US" dirty="0" smtClean="0"/>
               <a:t>Databases for Developers Course</a:t>
             </a:r>
-            <a:endParaRPr lang="en-US" dirty="0" smtClean="0"/>
           </a:p>
           <a:p>
             <a:pPr lvl="2"/>
@@ -14038,7 +12999,7 @@
             <a:pPr lvl="3"/>
             <a:r>
               <a:rPr lang="en-US" dirty="0" smtClean="0"/>
-              <a:t>From 10:30 to 19:00</a:t>
+              <a:t>From 10:30 to 18:00</a:t>
             </a:r>
             <a:endParaRPr lang="en-US" dirty="0"/>
           </a:p>
@@ -14058,33 +13019,35 @@
             <a:pPr lvl="1"/>
             <a:r>
               <a:rPr lang="en-US" dirty="0" smtClean="0"/>
-              <a:t>Developer </a:t>
-            </a:r>
-            <a:r>
-              <a:rPr lang="en-US" dirty="0" smtClean="0"/>
-              <a:t>Support Course</a:t>
-            </a:r>
-            <a:endParaRPr lang="en-US" dirty="0" smtClean="0"/>
+              <a:t>Data structures and algorithms</a:t>
+            </a:r>
           </a:p>
           <a:p>
             <a:pPr lvl="2"/>
             <a:r>
               <a:rPr lang="en-US" dirty="0" smtClean="0"/>
-              <a:t>Lectures 2 time a week</a:t>
+              <a:t>Lectures 3 times a week</a:t>
             </a:r>
           </a:p>
           <a:p>
             <a:pPr lvl="3"/>
             <a:r>
               <a:rPr lang="en-US" dirty="0" smtClean="0"/>
-              <a:t>Every Monday and Thursday</a:t>
+              <a:t>Every Monday, Wednesday and</a:t>
             </a:r>
             <a:br>
               <a:rPr lang="en-US" dirty="0" smtClean="0"/>
             </a:br>
             <a:r>
               <a:rPr lang="en-US" dirty="0" smtClean="0"/>
-              <a:t>from 16:00 to 19:00</a:t>
+              <a:t>Friday from 18:00 to 22:00</a:t>
+            </a:r>
+          </a:p>
+          <a:p>
+            <a:pPr lvl="2"/>
+            <a:r>
+              <a:rPr lang="en-US" dirty="0" smtClean="0"/>
+              <a:t>Practical exam after 4 weeks</a:t>
             </a:r>
           </a:p>
         </p:txBody>
@@ -14128,7 +13091,7 @@
         </p:blipFill>
         <p:spPr bwMode="auto">
           <a:xfrm>
-            <a:off x="6096000" y="3352800"/>
+            <a:off x="6219731" y="2971800"/>
             <a:ext cx="2362200" cy="2442800"/>
           </a:xfrm>
           <a:prstGeom prst="rect">
@@ -14207,6 +13170,30 @@
           <a:chExt cx="0" cy="0"/>
         </a:xfrm>
       </p:grpSpPr>
+      <p:pic>
+        <p:nvPicPr>
+          <p:cNvPr id="8" name="Picture 7"/>
+          <p:cNvPicPr>
+            <a:picLocks noChangeAspect="1"/>
+          </p:cNvPicPr>
+          <p:nvPr/>
+        </p:nvPicPr>
+        <p:blipFill>
+          <a:blip r:embed="rId2"/>
+          <a:stretch>
+            <a:fillRect/>
+          </a:stretch>
+        </p:blipFill>
+        <p:spPr>
+          <a:xfrm>
+            <a:off x="228600" y="914400"/>
+            <a:ext cx="7040423" cy="5715000"/>
+          </a:xfrm>
+          <a:prstGeom prst="rect">
+            <a:avLst/>
+          </a:prstGeom>
+        </p:spPr>
+      </p:pic>
       <p:sp>
         <p:nvSpPr>
           <p:cNvPr id="2" name="Title 1"/>
@@ -14223,40 +13210,9 @@
           <a:lstStyle/>
           <a:p>
             <a:r>
-              <a:rPr lang="en-US" dirty="0" smtClean="0"/>
-              <a:t>C# Programming Track</a:t>
-            </a:r>
-            <a:endParaRPr lang="en-US" dirty="0"/>
-          </a:p>
-        </p:txBody>
-      </p:sp>
-      <p:sp>
-        <p:nvSpPr>
-          <p:cNvPr id="3" name="Content Placeholder 2"/>
-          <p:cNvSpPr>
-            <a:spLocks noGrp="1"/>
-          </p:cNvSpPr>
-          <p:nvPr>
-            <p:ph idx="1"/>
-          </p:nvPr>
-        </p:nvSpPr>
-        <p:spPr/>
-        <p:txBody>
-          <a:bodyPr/>
-          <a:lstStyle/>
-          <a:p>
-            <a:pPr>
-              <a:lnSpc>
-                <a:spcPct val="100000"/>
-              </a:lnSpc>
-            </a:pPr>
-            <a:r>
-              <a:rPr lang="en-US" dirty="0" smtClean="0">
-                <a:hlinkClick r:id="rId2"/>
-              </a:rPr>
-              <a:t>Software Academy Curriculum</a:t>
-            </a:r>
-            <a:endParaRPr lang="en-US" dirty="0" smtClean="0"/>
+              <a:rPr lang="en-US" dirty="0"/>
+              <a:t>What's Coming Next?</a:t>
+            </a:r>
           </a:p>
         </p:txBody>
       </p:sp>
@@ -14289,387 +13245,64 @@
           </a:p>
         </p:txBody>
       </p:sp>
-      <p:sp>
-        <p:nvSpPr>
-          <p:cNvPr id="5" name="TextBox 4"/>
-          <p:cNvSpPr txBox="1"/>
-          <p:nvPr/>
-        </p:nvSpPr>
-        <p:spPr>
-          <a:xfrm>
-            <a:off x="5540284" y="1769198"/>
-            <a:ext cx="3298916" cy="2468368"/>
-          </a:xfrm>
-          <a:prstGeom prst="rect">
-            <a:avLst/>
-          </a:prstGeom>
-          <a:noFill/>
-        </p:spPr>
-        <p:txBody>
-          <a:bodyPr wrap="none" rtlCol="0">
-            <a:spAutoFit/>
-          </a:bodyPr>
-          <a:lstStyle/>
-          <a:p>
-            <a:pPr marL="282575" indent="-282575" eaLnBrk="0" hangingPunct="0">
-              <a:lnSpc>
-                <a:spcPct val="105000"/>
-              </a:lnSpc>
-              <a:spcBef>
-                <a:spcPts val="600"/>
-              </a:spcBef>
-              <a:spcAft>
-                <a:spcPts val="600"/>
-              </a:spcAft>
-              <a:buClr>
-                <a:schemeClr val="accent5">
-                  <a:lumMod val="40000"/>
-                  <a:lumOff val="60000"/>
-                </a:schemeClr>
-              </a:buClr>
-              <a:buSzPct val="70000"/>
-              <a:buFont typeface="Wingdings 2" pitchFamily="18" charset="2"/>
-              <a:buChar char=""/>
-              <a:tabLst>
-                <a:tab pos="282575" algn="l"/>
-              </a:tabLst>
-            </a:pPr>
-            <a:r>
-              <a:rPr lang="en-US" sz="3200" b="1" dirty="0" smtClean="0">
-                <a:solidFill>
-                  <a:srgbClr val="EBFFD2"/>
-                </a:solidFill>
-                <a:effectLst>
-                  <a:outerShdw blurRad="38100" dist="38100" dir="2700000" algn="tl">
-                    <a:srgbClr val="000000">
-                      <a:alpha val="43137"/>
-                    </a:srgbClr>
-                  </a:outerShdw>
-                </a:effectLst>
-                <a:latin typeface="+mn-lt"/>
-                <a:hlinkClick r:id="rId3"/>
-              </a:rPr>
-              <a:t>Specialties</a:t>
-            </a:r>
-            <a:br>
-              <a:rPr lang="en-US" sz="3200" b="1" dirty="0" smtClean="0">
-                <a:solidFill>
-                  <a:srgbClr val="EBFFD2"/>
-                </a:solidFill>
-                <a:effectLst>
-                  <a:outerShdw blurRad="38100" dist="38100" dir="2700000" algn="tl">
-                    <a:srgbClr val="000000">
-                      <a:alpha val="43137"/>
-                    </a:srgbClr>
-                  </a:outerShdw>
-                </a:effectLst>
-                <a:latin typeface="+mn-lt"/>
-                <a:hlinkClick r:id="rId3"/>
-              </a:rPr>
-            </a:br>
-            <a:r>
-              <a:rPr lang="en-US" sz="3200" b="1" dirty="0" smtClean="0">
-                <a:solidFill>
-                  <a:srgbClr val="EBFFD2"/>
-                </a:solidFill>
-                <a:effectLst>
-                  <a:outerShdw blurRad="38100" dist="38100" dir="2700000" algn="tl">
-                    <a:srgbClr val="000000">
-                      <a:alpha val="43137"/>
-                    </a:srgbClr>
-                  </a:outerShdw>
-                </a:effectLst>
-                <a:latin typeface="+mn-lt"/>
-                <a:hlinkClick r:id="rId3"/>
-              </a:rPr>
-              <a:t>@ the Academy</a:t>
-            </a:r>
-            <a:endParaRPr lang="en-US" sz="3200" b="1" dirty="0" smtClean="0">
-              <a:solidFill>
-                <a:srgbClr val="EBFFD2"/>
-              </a:solidFill>
-              <a:effectLst>
-                <a:outerShdw blurRad="38100" dist="38100" dir="2700000" algn="tl">
-                  <a:srgbClr val="000000">
-                    <a:alpha val="43137"/>
-                  </a:srgbClr>
-                </a:outerShdw>
-              </a:effectLst>
-              <a:latin typeface="+mn-lt"/>
-            </a:endParaRPr>
-          </a:p>
-          <a:p>
-            <a:pPr marL="282575" indent="-282575" eaLnBrk="0" hangingPunct="0">
-              <a:lnSpc>
-                <a:spcPct val="105000"/>
-              </a:lnSpc>
-              <a:spcBef>
-                <a:spcPts val="1800"/>
-              </a:spcBef>
-              <a:spcAft>
-                <a:spcPts val="600"/>
-              </a:spcAft>
-              <a:buClr>
-                <a:schemeClr val="accent5">
-                  <a:lumMod val="40000"/>
-                  <a:lumOff val="60000"/>
-                </a:schemeClr>
-              </a:buClr>
-              <a:buSzPct val="70000"/>
-              <a:buFont typeface="Wingdings 2" pitchFamily="18" charset="2"/>
-              <a:buChar char=""/>
-              <a:tabLst>
-                <a:tab pos="282575" algn="l"/>
-              </a:tabLst>
-            </a:pPr>
-            <a:r>
-              <a:rPr lang="en-US" sz="3200" b="1" dirty="0" smtClean="0">
-                <a:solidFill>
-                  <a:srgbClr val="EBFFD2"/>
-                </a:solidFill>
-                <a:effectLst>
-                  <a:outerShdw blurRad="38100" dist="38100" dir="2700000" algn="tl">
-                    <a:srgbClr val="000000">
-                      <a:alpha val="43137"/>
-                    </a:srgbClr>
-                  </a:outerShdw>
-                </a:effectLst>
-                <a:latin typeface="+mn-lt"/>
-                <a:hlinkClick r:id="rId4"/>
-              </a:rPr>
-              <a:t>Success Stories</a:t>
-            </a:r>
-            <a:br>
-              <a:rPr lang="en-US" sz="3200" b="1" dirty="0" smtClean="0">
-                <a:solidFill>
-                  <a:srgbClr val="EBFFD2"/>
-                </a:solidFill>
-                <a:effectLst>
-                  <a:outerShdw blurRad="38100" dist="38100" dir="2700000" algn="tl">
-                    <a:srgbClr val="000000">
-                      <a:alpha val="43137"/>
-                    </a:srgbClr>
-                  </a:outerShdw>
-                </a:effectLst>
-                <a:latin typeface="+mn-lt"/>
-                <a:hlinkClick r:id="rId4"/>
-              </a:rPr>
-            </a:br>
-            <a:r>
-              <a:rPr lang="en-US" sz="3200" b="1" dirty="0" smtClean="0">
-                <a:solidFill>
-                  <a:srgbClr val="EBFFD2"/>
-                </a:solidFill>
-                <a:effectLst>
-                  <a:outerShdw blurRad="38100" dist="38100" dir="2700000" algn="tl">
-                    <a:srgbClr val="000000">
-                      <a:alpha val="43137"/>
-                    </a:srgbClr>
-                  </a:outerShdw>
-                </a:effectLst>
-                <a:latin typeface="+mn-lt"/>
-                <a:hlinkClick r:id="rId4"/>
-              </a:rPr>
-              <a:t>@ Telerik</a:t>
-            </a:r>
-            <a:endParaRPr lang="en-US" sz="3200" b="1" dirty="0" smtClean="0">
-              <a:solidFill>
-                <a:srgbClr val="EBFFD2"/>
-              </a:solidFill>
-              <a:effectLst>
-                <a:outerShdw blurRad="38100" dist="38100" dir="2700000" algn="tl">
-                  <a:srgbClr val="000000">
-                    <a:alpha val="43137"/>
-                  </a:srgbClr>
-                </a:outerShdw>
-              </a:effectLst>
-              <a:latin typeface="+mn-lt"/>
-            </a:endParaRPr>
-          </a:p>
-        </p:txBody>
-      </p:sp>
       <p:pic>
         <p:nvPicPr>
-          <p:cNvPr id="10242" name="Picture 2" descr="http://www.cs.ox.ac.uk/images/research/pl.jpg"/>
+          <p:cNvPr id="6" name="Picture 5"/>
           <p:cNvPicPr>
-            <a:picLocks noChangeAspect="1" noChangeArrowheads="1"/>
-          </p:cNvPicPr>
-          <p:nvPr/>
-        </p:nvPicPr>
-        <p:blipFill rotWithShape="1">
-          <a:blip r:embed="rId5" cstate="screen">
-            <a:extLst>
-              <a:ext uri="{28A0092B-C50C-407E-A947-70E740481C1C}">
-                <a14:useLocalDpi xmlns:a14="http://schemas.microsoft.com/office/drawing/2010/main"/>
-              </a:ext>
-            </a:extLst>
-          </a:blip>
-          <a:srcRect/>
-          <a:stretch/>
-        </p:blipFill>
-        <p:spPr bwMode="auto">
-          <a:xfrm>
-            <a:off x="6096000" y="4572000"/>
-            <a:ext cx="2695700" cy="1981200"/>
-          </a:xfrm>
-          <a:prstGeom prst="rect">
-            <a:avLst/>
-          </a:prstGeom>
-          <a:noFill/>
-          <a:effectLst>
-            <a:softEdge rad="127000"/>
-          </a:effectLst>
-          <a:extLst>
-            <a:ext uri="{909E8E84-426E-40DD-AFC4-6F175D3DCCD1}">
-              <a14:hiddenFill xmlns:a14="http://schemas.microsoft.com/office/drawing/2010/main">
-                <a:solidFill>
-                  <a:srgbClr val="FFFFFF"/>
-                </a:solidFill>
-              </a14:hiddenFill>
-            </a:ext>
-          </a:extLst>
-        </p:spPr>
-      </p:pic>
-      <p:pic>
-        <p:nvPicPr>
-          <p:cNvPr id="2050" name="Picture 2" descr="http://academy.telerik.com/images/newsletter_assets/telerik-academy-program-april-2013-3.jpg?sfvrsn=2"/>
-          <p:cNvPicPr>
-            <a:picLocks noChangeAspect="1" noChangeArrowheads="1"/>
+            <a:picLocks noChangeAspect="1"/>
           </p:cNvPicPr>
           <p:nvPr/>
         </p:nvPicPr>
         <p:blipFill>
-          <a:blip r:embed="rId6">
-            <a:extLst>
-              <a:ext uri="{28A0092B-C50C-407E-A947-70E740481C1C}">
-                <a14:useLocalDpi xmlns:a14="http://schemas.microsoft.com/office/drawing/2010/main" val="0"/>
-              </a:ext>
-            </a:extLst>
-          </a:blip>
-          <a:srcRect/>
+          <a:blip r:embed="rId3"/>
           <a:stretch>
             <a:fillRect/>
           </a:stretch>
         </p:blipFill>
-        <p:spPr bwMode="auto">
+        <p:spPr>
           <a:xfrm>
-            <a:off x="628113" y="1540415"/>
-            <a:ext cx="4782087" cy="4936585"/>
+            <a:off x="5149158" y="3158192"/>
+            <a:ext cx="3810000" cy="2252008"/>
           </a:xfrm>
           <a:prstGeom prst="rect">
             <a:avLst/>
           </a:prstGeom>
-          <a:noFill/>
-          <a:extLst>
-            <a:ext uri="{909E8E84-426E-40DD-AFC4-6F175D3DCCD1}">
-              <a14:hiddenFill xmlns:a14="http://schemas.microsoft.com/office/drawing/2010/main">
-                <a:solidFill>
-                  <a:srgbClr val="FFFFFF"/>
-                </a:solidFill>
-              </a14:hiddenFill>
-            </a:ext>
-          </a:extLst>
         </p:spPr>
       </p:pic>
-      <p:sp>
-        <p:nvSpPr>
-          <p:cNvPr id="6" name="Rounded Rectangle 5"/>
-          <p:cNvSpPr/>
+      <p:pic>
+        <p:nvPicPr>
+          <p:cNvPr id="7" name="Picture 6"/>
+          <p:cNvPicPr>
+            <a:picLocks noChangeAspect="1"/>
+          </p:cNvPicPr>
           <p:nvPr/>
-        </p:nvSpPr>
+        </p:nvPicPr>
+        <p:blipFill>
+          <a:blip r:embed="rId4"/>
+          <a:stretch>
+            <a:fillRect/>
+          </a:stretch>
+        </p:blipFill>
         <p:spPr>
           <a:xfrm>
-            <a:off x="703906" y="4648199"/>
-            <a:ext cx="735595" cy="213511"/>
-          </a:xfrm>
-          <a:prstGeom prst="roundRect">
+            <a:off x="5157457" y="914400"/>
+            <a:ext cx="3810000" cy="2252007"/>
+          </a:xfrm>
+          <a:prstGeom prst="rect">
             <a:avLst/>
           </a:prstGeom>
-          <a:noFill/>
-        </p:spPr>
-        <p:style>
-          <a:lnRef idx="2">
-            <a:schemeClr val="dk1"/>
-          </a:lnRef>
-          <a:fillRef idx="1">
-            <a:schemeClr val="lt1"/>
-          </a:fillRef>
-          <a:effectRef idx="0">
-            <a:schemeClr val="dk1"/>
-          </a:effectRef>
-          <a:fontRef idx="minor">
-            <a:schemeClr val="dk1"/>
-          </a:fontRef>
-        </p:style>
-        <p:txBody>
-          <a:bodyPr rtlCol="0" anchor="ctr"/>
-          <a:lstStyle/>
-          <a:p>
-            <a:pPr algn="ctr"/>
-            <a:endParaRPr lang="en-US">
-              <a:noFill/>
-            </a:endParaRPr>
-          </a:p>
-        </p:txBody>
-      </p:sp>
-      <p:sp>
-        <p:nvSpPr>
-          <p:cNvPr id="10" name="Rounded Rectangle 9"/>
-          <p:cNvSpPr/>
-          <p:nvPr/>
-        </p:nvSpPr>
-        <p:spPr>
-          <a:xfrm>
-            <a:off x="3151359" y="5379265"/>
-            <a:ext cx="609600" cy="308196"/>
-          </a:xfrm>
-          <a:prstGeom prst="roundRect">
-            <a:avLst/>
-          </a:prstGeom>
-          <a:noFill/>
-        </p:spPr>
-        <p:style>
-          <a:lnRef idx="2">
-            <a:schemeClr val="dk1"/>
-          </a:lnRef>
-          <a:fillRef idx="1">
-            <a:schemeClr val="lt1"/>
-          </a:fillRef>
-          <a:effectRef idx="0">
-            <a:schemeClr val="dk1"/>
-          </a:effectRef>
-          <a:fontRef idx="minor">
-            <a:schemeClr val="dk1"/>
-          </a:fontRef>
-        </p:style>
-        <p:txBody>
-          <a:bodyPr rtlCol="0" anchor="ctr"/>
-          <a:lstStyle/>
-          <a:p>
-            <a:pPr algn="ctr"/>
-            <a:endParaRPr lang="en-US">
-              <a:noFill/>
-            </a:endParaRPr>
-          </a:p>
-        </p:txBody>
-      </p:sp>
+        </p:spPr>
+      </p:pic>
     </p:spTree>
     <p:extLst>
       <p:ext uri="{BB962C8B-B14F-4D97-AF65-F5344CB8AC3E}">
-        <p14:creationId xmlns:p14="http://schemas.microsoft.com/office/powerpoint/2010/main" val="1437667053"/>
+        <p14:creationId xmlns:p14="http://schemas.microsoft.com/office/powerpoint/2010/main" val="2369818794"/>
       </p:ext>
     </p:extLst>
   </p:cSld>
   <p:clrMapOvr>
     <a:masterClrMapping/>
   </p:clrMapOvr>
-  <p:timing>
-    <p:tnLst>
-      <p:par>
-        <p:cTn id="1" dur="indefinite" restart="never" nodeType="tmRoot"/>
-      </p:par>
-    </p:tnLst>
-  </p:timing>
 </p:sld>
 </file>
 
@@ -15240,7 +13873,7 @@
         </p:nvSpPr>
         <p:spPr>
           <a:xfrm>
-            <a:off x="228600" y="762000"/>
+            <a:off x="228600" y="838200"/>
             <a:ext cx="8686800" cy="5791200"/>
           </a:xfrm>
         </p:spPr>
@@ -15252,12 +13885,6 @@
               <a:lnSpc>
                 <a:spcPct val="100000"/>
               </a:lnSpc>
-              <a:spcBef>
-                <a:spcPts val="400"/>
-              </a:spcBef>
-              <a:spcAft>
-                <a:spcPts val="400"/>
-              </a:spcAft>
               <a:buFont typeface="+mj-lt"/>
               <a:buAutoNum type="arabicPeriod" startAt="10"/>
             </a:pPr>
@@ -15279,22 +13906,12 @@
               <a:lnSpc>
                 <a:spcPct val="100000"/>
               </a:lnSpc>
-              <a:spcBef>
-                <a:spcPts val="400"/>
-              </a:spcBef>
-              <a:spcAft>
-                <a:spcPts val="400"/>
-              </a:spcAft>
               <a:buFont typeface="+mj-lt"/>
               <a:buAutoNum type="arabicPeriod" startAt="10"/>
             </a:pPr>
             <a:r>
-              <a:rPr lang="en-US" dirty="0" err="1" smtClean="0"/>
-              <a:t>OpenAccess</a:t>
-            </a:r>
-            <a:r>
-              <a:rPr lang="en-US" dirty="0" smtClean="0"/>
-              <a:t> ORM</a:t>
+              <a:rPr lang="en-US" dirty="0" smtClean="0"/>
+              <a:t>Database Performance</a:t>
             </a:r>
           </a:p>
           <a:p>
@@ -15302,26 +13919,12 @@
               <a:lnSpc>
                 <a:spcPct val="100000"/>
               </a:lnSpc>
-              <a:spcBef>
-                <a:spcPts val="400"/>
-              </a:spcBef>
-              <a:spcAft>
-                <a:spcPts val="400"/>
-              </a:spcAft>
               <a:buFont typeface="+mj-lt"/>
               <a:buAutoNum type="arabicPeriod" startAt="10"/>
             </a:pPr>
             <a:r>
               <a:rPr lang="en-US" dirty="0" smtClean="0"/>
-              <a:t>Database </a:t>
-            </a:r>
-            <a:r>
-              <a:rPr lang="en-US" dirty="0"/>
-              <a:t>Projects in Visual </a:t>
-            </a:r>
-            <a:r>
-              <a:rPr lang="en-US" dirty="0" smtClean="0"/>
-              <a:t>Studio</a:t>
+              <a:t>Database Transactions</a:t>
             </a:r>
           </a:p>
           <a:p>
@@ -15329,18 +13932,16 @@
               <a:lnSpc>
                 <a:spcPct val="100000"/>
               </a:lnSpc>
-              <a:spcBef>
-                <a:spcPts val="400"/>
-              </a:spcBef>
-              <a:spcAft>
-                <a:spcPts val="400"/>
-              </a:spcAft>
               <a:buFont typeface="+mj-lt"/>
               <a:buAutoNum type="arabicPeriod" startAt="10"/>
             </a:pPr>
             <a:r>
-              <a:rPr lang="en-US" dirty="0" smtClean="0"/>
-              <a:t>Database Performance</a:t>
+              <a:rPr lang="en-US" dirty="0" err="1" smtClean="0"/>
+              <a:t>NoSQL</a:t>
+            </a:r>
+            <a:r>
+              <a:rPr lang="en-US" dirty="0" smtClean="0"/>
+              <a:t> Databases</a:t>
             </a:r>
           </a:p>
           <a:p>
@@ -15348,18 +13949,12 @@
               <a:lnSpc>
                 <a:spcPct val="100000"/>
               </a:lnSpc>
-              <a:spcBef>
-                <a:spcPts val="400"/>
-              </a:spcBef>
-              <a:spcAft>
-                <a:spcPts val="400"/>
-              </a:spcAft>
               <a:buFont typeface="+mj-lt"/>
               <a:buAutoNum type="arabicPeriod" startAt="10"/>
             </a:pPr>
             <a:r>
               <a:rPr lang="en-US" dirty="0" smtClean="0"/>
-              <a:t>Database Transactions</a:t>
+              <a:t>XML Basics</a:t>
             </a:r>
           </a:p>
           <a:p>
@@ -15367,22 +13962,20 @@
               <a:lnSpc>
                 <a:spcPct val="100000"/>
               </a:lnSpc>
-              <a:spcBef>
-                <a:spcPts val="400"/>
-              </a:spcBef>
-              <a:spcAft>
-                <a:spcPts val="400"/>
-              </a:spcAft>
               <a:buFont typeface="+mj-lt"/>
               <a:buAutoNum type="arabicPeriod" startAt="10"/>
             </a:pPr>
             <a:r>
-              <a:rPr lang="en-US" dirty="0" err="1" smtClean="0"/>
-              <a:t>NoSQL</a:t>
-            </a:r>
-            <a:r>
-              <a:rPr lang="en-US" dirty="0" smtClean="0"/>
-              <a:t> Databases</a:t>
+              <a:rPr lang="nl-NL" dirty="0" smtClean="0"/>
+              <a:t>Processing </a:t>
+            </a:r>
+            <a:r>
+              <a:rPr lang="nl-NL" dirty="0"/>
+              <a:t>XML in .</a:t>
+            </a:r>
+            <a:r>
+              <a:rPr lang="nl-NL" dirty="0" smtClean="0"/>
+              <a:t>NET</a:t>
             </a:r>
           </a:p>
           <a:p>
@@ -15390,18 +13983,20 @@
               <a:lnSpc>
                 <a:spcPct val="100000"/>
               </a:lnSpc>
-              <a:spcBef>
-                <a:spcPts val="400"/>
-              </a:spcBef>
-              <a:spcAft>
-                <a:spcPts val="400"/>
-              </a:spcAft>
               <a:buFont typeface="+mj-lt"/>
               <a:buAutoNum type="arabicPeriod" startAt="10"/>
             </a:pPr>
             <a:r>
               <a:rPr lang="en-US" dirty="0" smtClean="0"/>
-              <a:t>XML Basics</a:t>
+              <a:t>Databases </a:t>
+            </a:r>
+            <a:r>
+              <a:rPr lang="en-US" dirty="0"/>
+              <a:t>Team Work </a:t>
+            </a:r>
+            <a:r>
+              <a:rPr lang="en-US" dirty="0" smtClean="0"/>
+              <a:t>Project</a:t>
             </a:r>
           </a:p>
           <a:p>
@@ -15409,26 +14004,12 @@
               <a:lnSpc>
                 <a:spcPct val="100000"/>
               </a:lnSpc>
-              <a:spcBef>
-                <a:spcPts val="400"/>
-              </a:spcBef>
-              <a:spcAft>
-                <a:spcPts val="400"/>
-              </a:spcAft>
               <a:buFont typeface="+mj-lt"/>
               <a:buAutoNum type="arabicPeriod" startAt="10"/>
             </a:pPr>
             <a:r>
-              <a:rPr lang="nl-NL" dirty="0" smtClean="0"/>
-              <a:t>Processing </a:t>
-            </a:r>
-            <a:r>
-              <a:rPr lang="nl-NL" dirty="0"/>
-              <a:t>XML in .</a:t>
-            </a:r>
-            <a:r>
-              <a:rPr lang="nl-NL" dirty="0" smtClean="0"/>
-              <a:t>NET</a:t>
+              <a:rPr lang="en-US" dirty="0" smtClean="0"/>
+              <a:t>Exam Preparation</a:t>
             </a:r>
           </a:p>
           <a:p>
@@ -15436,45 +14017,12 @@
               <a:lnSpc>
                 <a:spcPct val="100000"/>
               </a:lnSpc>
-              <a:spcBef>
-                <a:spcPts val="400"/>
-              </a:spcBef>
-              <a:spcAft>
-                <a:spcPts val="400"/>
-              </a:spcAft>
               <a:buFont typeface="+mj-lt"/>
               <a:buAutoNum type="arabicPeriod" startAt="10"/>
             </a:pPr>
             <a:r>
               <a:rPr lang="en-US" dirty="0" smtClean="0"/>
-              <a:t>Databases </a:t>
-            </a:r>
-            <a:r>
-              <a:rPr lang="en-US" dirty="0"/>
-              <a:t>Team Work </a:t>
-            </a:r>
-            <a:r>
-              <a:rPr lang="en-US" dirty="0" smtClean="0"/>
-              <a:t>Project</a:t>
-            </a:r>
-          </a:p>
-          <a:p>
-            <a:pPr marL="514350" indent="-514350">
-              <a:lnSpc>
-                <a:spcPct val="100000"/>
-              </a:lnSpc>
-              <a:spcBef>
-                <a:spcPts val="400"/>
-              </a:spcBef>
-              <a:spcAft>
-                <a:spcPts val="400"/>
-              </a:spcAft>
-              <a:buFont typeface="+mj-lt"/>
-              <a:buAutoNum type="arabicPeriod" startAt="10"/>
-            </a:pPr>
-            <a:r>
-              <a:rPr lang="en-US" dirty="0" smtClean="0"/>
-              <a:t>Exam Preparation and Exam</a:t>
+              <a:t>Exam</a:t>
             </a:r>
             <a:endParaRPr lang="en-US" dirty="0"/>
           </a:p>
